--- a/5 - Logistic Regression/Introduction to Logistic Regression.pptx
+++ b/5 - Logistic Regression/Introduction to Logistic Regression.pptx
@@ -5,7 +5,7 @@
     <p:sldMasterId id="2147483648" r:id="rId4"/>
   </p:sldMasterIdLst>
   <p:notesMasterIdLst>
-    <p:notesMasterId r:id="rId34"/>
+    <p:notesMasterId r:id="rId31"/>
   </p:notesMasterIdLst>
   <p:sldIdLst>
     <p:sldId id="257" r:id="rId5"/>
@@ -30,13 +30,10 @@
     <p:sldId id="528" r:id="rId24"/>
     <p:sldId id="529" r:id="rId25"/>
     <p:sldId id="530" r:id="rId26"/>
-    <p:sldId id="510" r:id="rId27"/>
-    <p:sldId id="509" r:id="rId28"/>
-    <p:sldId id="405" r:id="rId29"/>
-    <p:sldId id="434" r:id="rId30"/>
-    <p:sldId id="447" r:id="rId31"/>
-    <p:sldId id="439" r:id="rId32"/>
-    <p:sldId id="508" r:id="rId33"/>
+    <p:sldId id="405" r:id="rId27"/>
+    <p:sldId id="434" r:id="rId28"/>
+    <p:sldId id="439" r:id="rId29"/>
+    <p:sldId id="508" r:id="rId30"/>
   </p:sldIdLst>
   <p:sldSz cx="12192000" cy="6858000"/>
   <p:notesSz cx="6858000" cy="9144000"/>
@@ -568,804 +565,6 @@
 </c:chartSpace>
 </file>
 
-<file path=ppt/charts/chart2.xml><?xml version="1.0" encoding="utf-8"?>
-<c:chartSpace xmlns:c="http://schemas.openxmlformats.org/drawingml/2006/chart" xmlns:a="http://schemas.openxmlformats.org/drawingml/2006/main" xmlns:r="http://schemas.openxmlformats.org/officeDocument/2006/relationships" xmlns:c16r2="http://schemas.microsoft.com/office/drawing/2015/06/chart">
-  <c:date1904 val="0"/>
-  <c:lang val="en-US"/>
-  <c:roundedCorners val="0"/>
-  <mc:AlternateContent xmlns:mc="http://schemas.openxmlformats.org/markup-compatibility/2006">
-    <mc:Choice xmlns:c14="http://schemas.microsoft.com/office/drawing/2007/8/2/chart" Requires="c14">
-      <c14:style val="102"/>
-    </mc:Choice>
-    <mc:Fallback>
-      <c:style val="2"/>
-    </mc:Fallback>
-  </mc:AlternateContent>
-  <c:chart>
-    <c:autoTitleDeleted val="1"/>
-    <c:plotArea>
-      <c:layout>
-        <c:manualLayout>
-          <c:layoutTarget val="inner"/>
-          <c:xMode val="edge"/>
-          <c:yMode val="edge"/>
-          <c:x val="4.0474671956567038E-2"/>
-          <c:y val="1.7747810601511396E-2"/>
-          <c:w val="0.94484928702336102"/>
-          <c:h val="0.90036058430382204"/>
-        </c:manualLayout>
-      </c:layout>
-      <c:scatterChart>
-        <c:scatterStyle val="lineMarker"/>
-        <c:varyColors val="0"/>
-        <c:ser>
-          <c:idx val="0"/>
-          <c:order val="0"/>
-          <c:tx>
-            <c:strRef>
-              <c:f>Sheet1!$B$1</c:f>
-              <c:strCache>
-                <c:ptCount val="1"/>
-                <c:pt idx="0">
-                  <c:v>Y-Values</c:v>
-                </c:pt>
-              </c:strCache>
-            </c:strRef>
-          </c:tx>
-          <c:spPr>
-            <a:ln w="25400" cap="rnd">
-              <a:noFill/>
-              <a:prstDash val="sysDash"/>
-              <a:round/>
-            </a:ln>
-            <a:effectLst/>
-          </c:spPr>
-          <c:marker>
-            <c:symbol val="circle"/>
-            <c:size val="5"/>
-            <c:spPr>
-              <a:solidFill>
-                <a:srgbClr val="0070C0"/>
-              </a:solidFill>
-              <a:ln w="76200">
-                <a:solidFill>
-                  <a:srgbClr val="0070C0"/>
-                </a:solidFill>
-              </a:ln>
-              <a:effectLst/>
-            </c:spPr>
-          </c:marker>
-          <c:dPt>
-            <c:idx val="9"/>
-            <c:marker>
-              <c:symbol val="circle"/>
-              <c:size val="5"/>
-              <c:spPr>
-                <a:solidFill>
-                  <a:srgbClr val="0070C0"/>
-                </a:solidFill>
-                <a:ln w="76200">
-                  <a:solidFill>
-                    <a:srgbClr val="0070C0"/>
-                  </a:solidFill>
-                </a:ln>
-                <a:effectLst/>
-              </c:spPr>
-            </c:marker>
-            <c:bubble3D val="0"/>
-            <c:spPr>
-              <a:ln w="25400" cap="rnd">
-                <a:noFill/>
-                <a:prstDash val="sysDash"/>
-                <a:round/>
-              </a:ln>
-              <a:effectLst/>
-            </c:spPr>
-            <c:extLst>
-              <c:ext xmlns:c16="http://schemas.microsoft.com/office/drawing/2014/chart" uri="{C3380CC4-5D6E-409C-BE32-E72D297353CC}">
-                <c16:uniqueId val="{00000001-F05C-A34F-8F85-448ECFF11B77}"/>
-              </c:ext>
-            </c:extLst>
-          </c:dPt>
-          <c:xVal>
-            <c:numRef>
-              <c:f>Sheet1!$A$2:$A$19</c:f>
-              <c:numCache>
-                <c:formatCode>General</c:formatCode>
-                <c:ptCount val="18"/>
-                <c:pt idx="0">
-                  <c:v>1</c:v>
-                </c:pt>
-                <c:pt idx="1">
-                  <c:v>2</c:v>
-                </c:pt>
-                <c:pt idx="2">
-                  <c:v>3</c:v>
-                </c:pt>
-                <c:pt idx="3">
-                  <c:v>4</c:v>
-                </c:pt>
-                <c:pt idx="4">
-                  <c:v>5</c:v>
-                </c:pt>
-              </c:numCache>
-            </c:numRef>
-          </c:xVal>
-          <c:yVal>
-            <c:numRef>
-              <c:f>Sheet1!$B$2:$B$19</c:f>
-              <c:numCache>
-                <c:formatCode>General</c:formatCode>
-                <c:ptCount val="18"/>
-                <c:pt idx="0">
-                  <c:v>0</c:v>
-                </c:pt>
-                <c:pt idx="1">
-                  <c:v>0</c:v>
-                </c:pt>
-                <c:pt idx="2">
-                  <c:v>1</c:v>
-                </c:pt>
-                <c:pt idx="3">
-                  <c:v>1</c:v>
-                </c:pt>
-                <c:pt idx="4">
-                  <c:v>1</c:v>
-                </c:pt>
-              </c:numCache>
-            </c:numRef>
-          </c:yVal>
-          <c:smooth val="0"/>
-          <c:extLst>
-            <c:ext xmlns:c16="http://schemas.microsoft.com/office/drawing/2014/chart" uri="{C3380CC4-5D6E-409C-BE32-E72D297353CC}">
-              <c16:uniqueId val="{00000002-F05C-A34F-8F85-448ECFF11B77}"/>
-            </c:ext>
-          </c:extLst>
-        </c:ser>
-        <c:ser>
-          <c:idx val="1"/>
-          <c:order val="1"/>
-          <c:tx>
-            <c:strRef>
-              <c:f>Sheet1!$C$1</c:f>
-              <c:strCache>
-                <c:ptCount val="1"/>
-                <c:pt idx="0">
-                  <c:v>Y-pred</c:v>
-                </c:pt>
-              </c:strCache>
-            </c:strRef>
-          </c:tx>
-          <c:spPr>
-            <a:ln w="63500" cap="rnd">
-              <a:solidFill>
-                <a:srgbClr val="FF0000"/>
-              </a:solidFill>
-              <a:round/>
-            </a:ln>
-            <a:effectLst/>
-          </c:spPr>
-          <c:marker>
-            <c:symbol val="circle"/>
-            <c:size val="5"/>
-            <c:spPr>
-              <a:noFill/>
-              <a:ln w="76200">
-                <a:noFill/>
-              </a:ln>
-              <a:effectLst/>
-            </c:spPr>
-          </c:marker>
-          <c:xVal>
-            <c:numRef>
-              <c:f>Sheet1!$A$2:$A$19</c:f>
-              <c:numCache>
-                <c:formatCode>General</c:formatCode>
-                <c:ptCount val="18"/>
-                <c:pt idx="0">
-                  <c:v>1</c:v>
-                </c:pt>
-                <c:pt idx="1">
-                  <c:v>2</c:v>
-                </c:pt>
-                <c:pt idx="2">
-                  <c:v>3</c:v>
-                </c:pt>
-                <c:pt idx="3">
-                  <c:v>4</c:v>
-                </c:pt>
-                <c:pt idx="4">
-                  <c:v>5</c:v>
-                </c:pt>
-              </c:numCache>
-            </c:numRef>
-          </c:xVal>
-          <c:yVal>
-            <c:numRef>
-              <c:f>Sheet1!$C$2:$C$19</c:f>
-              <c:numCache>
-                <c:formatCode>General</c:formatCode>
-                <c:ptCount val="18"/>
-              </c:numCache>
-            </c:numRef>
-          </c:yVal>
-          <c:smooth val="0"/>
-          <c:extLst>
-            <c:ext xmlns:c16="http://schemas.microsoft.com/office/drawing/2014/chart" uri="{C3380CC4-5D6E-409C-BE32-E72D297353CC}">
-              <c16:uniqueId val="{00000003-F05C-A34F-8F85-448ECFF11B77}"/>
-            </c:ext>
-          </c:extLst>
-        </c:ser>
-        <c:dLbls>
-          <c:showLegendKey val="0"/>
-          <c:showVal val="0"/>
-          <c:showCatName val="0"/>
-          <c:showSerName val="0"/>
-          <c:showPercent val="0"/>
-          <c:showBubbleSize val="0"/>
-        </c:dLbls>
-        <c:axId val="198243231"/>
-        <c:axId val="198242271"/>
-      </c:scatterChart>
-      <c:valAx>
-        <c:axId val="198243231"/>
-        <c:scaling>
-          <c:orientation val="minMax"/>
-          <c:max val="6"/>
-          <c:min val="0"/>
-        </c:scaling>
-        <c:delete val="0"/>
-        <c:axPos val="b"/>
-        <c:majorGridlines>
-          <c:spPr>
-            <a:ln w="9525" cap="flat" cmpd="sng" algn="ctr">
-              <a:noFill/>
-              <a:round/>
-            </a:ln>
-            <a:effectLst/>
-          </c:spPr>
-        </c:majorGridlines>
-        <c:numFmt formatCode="General" sourceLinked="1"/>
-        <c:majorTickMark val="cross"/>
-        <c:minorTickMark val="none"/>
-        <c:tickLblPos val="nextTo"/>
-        <c:spPr>
-          <a:noFill/>
-          <a:ln w="63500" cap="flat" cmpd="sng" algn="ctr">
-            <a:solidFill>
-              <a:schemeClr val="tx1"/>
-            </a:solidFill>
-            <a:round/>
-            <a:tailEnd type="triangle"/>
-          </a:ln>
-          <a:effectLst/>
-        </c:spPr>
-        <c:txPr>
-          <a:bodyPr rot="-60000000" spcFirstLastPara="1" vertOverflow="ellipsis" vert="horz" wrap="square" anchor="ctr" anchorCtr="1"/>
-          <a:lstStyle/>
-          <a:p>
-            <a:pPr>
-              <a:defRPr sz="1197" b="0" i="0" u="none" strike="noStrike" kern="1200" baseline="0">
-                <a:solidFill>
-                  <a:schemeClr val="tx1">
-                    <a:lumMod val="65000"/>
-                    <a:lumOff val="35000"/>
-                  </a:schemeClr>
-                </a:solidFill>
-                <a:latin typeface="+mn-lt"/>
-                <a:ea typeface="+mn-ea"/>
-                <a:cs typeface="+mn-cs"/>
-              </a:defRPr>
-            </a:pPr>
-            <a:endParaRPr lang="en-US"/>
-          </a:p>
-        </c:txPr>
-        <c:crossAx val="198242271"/>
-        <c:crosses val="autoZero"/>
-        <c:crossBetween val="midCat"/>
-        <c:majorUnit val="1"/>
-      </c:valAx>
-      <c:valAx>
-        <c:axId val="198242271"/>
-        <c:scaling>
-          <c:orientation val="minMax"/>
-          <c:max val="1"/>
-          <c:min val="0"/>
-        </c:scaling>
-        <c:delete val="0"/>
-        <c:axPos val="l"/>
-        <c:majorGridlines>
-          <c:spPr>
-            <a:ln w="9525" cap="flat" cmpd="sng" algn="ctr">
-              <a:noFill/>
-              <a:round/>
-            </a:ln>
-            <a:effectLst/>
-          </c:spPr>
-        </c:majorGridlines>
-        <c:numFmt formatCode="General" sourceLinked="1"/>
-        <c:majorTickMark val="none"/>
-        <c:minorTickMark val="none"/>
-        <c:tickLblPos val="nextTo"/>
-        <c:spPr>
-          <a:noFill/>
-          <a:ln w="63500" cap="flat" cmpd="sng" algn="ctr">
-            <a:solidFill>
-              <a:schemeClr val="tx1"/>
-            </a:solidFill>
-            <a:round/>
-            <a:tailEnd type="triangle"/>
-          </a:ln>
-          <a:effectLst/>
-        </c:spPr>
-        <c:txPr>
-          <a:bodyPr rot="-60000000" spcFirstLastPara="1" vertOverflow="ellipsis" vert="horz" wrap="square" anchor="ctr" anchorCtr="1"/>
-          <a:lstStyle/>
-          <a:p>
-            <a:pPr>
-              <a:defRPr sz="1197" b="0" i="0" u="none" strike="noStrike" kern="1200" baseline="0">
-                <a:solidFill>
-                  <a:schemeClr val="tx1">
-                    <a:lumMod val="65000"/>
-                    <a:lumOff val="35000"/>
-                  </a:schemeClr>
-                </a:solidFill>
-                <a:latin typeface="+mn-lt"/>
-                <a:ea typeface="+mn-ea"/>
-                <a:cs typeface="+mn-cs"/>
-              </a:defRPr>
-            </a:pPr>
-            <a:endParaRPr lang="en-US"/>
-          </a:p>
-        </c:txPr>
-        <c:crossAx val="198243231"/>
-        <c:crosses val="autoZero"/>
-        <c:crossBetween val="midCat"/>
-        <c:majorUnit val="1"/>
-      </c:valAx>
-      <c:spPr>
-        <a:noFill/>
-        <a:ln>
-          <a:noFill/>
-        </a:ln>
-        <a:effectLst/>
-      </c:spPr>
-    </c:plotArea>
-    <c:plotVisOnly val="1"/>
-    <c:dispBlanksAs val="gap"/>
-    <c:extLst>
-      <c:ext xmlns:c16r3="http://schemas.microsoft.com/office/drawing/2017/03/chart" uri="{56B9EC1D-385E-4148-901F-78D8002777C0}">
-        <c16r3:dataDisplayOptions16>
-          <c16r3:dispNaAsBlank val="1"/>
-        </c16r3:dataDisplayOptions16>
-      </c:ext>
-    </c:extLst>
-    <c:showDLblsOverMax val="0"/>
-  </c:chart>
-  <c:spPr>
-    <a:noFill/>
-    <a:ln>
-      <a:noFill/>
-    </a:ln>
-    <a:effectLst/>
-  </c:spPr>
-  <c:txPr>
-    <a:bodyPr/>
-    <a:lstStyle/>
-    <a:p>
-      <a:pPr>
-        <a:defRPr/>
-      </a:pPr>
-      <a:endParaRPr lang="en-US"/>
-    </a:p>
-  </c:txPr>
-  <c:externalData r:id="rId3">
-    <c:autoUpdate val="0"/>
-  </c:externalData>
-</c:chartSpace>
-</file>
-
-<file path=ppt/charts/chart3.xml><?xml version="1.0" encoding="utf-8"?>
-<c:chartSpace xmlns:c="http://schemas.openxmlformats.org/drawingml/2006/chart" xmlns:a="http://schemas.openxmlformats.org/drawingml/2006/main" xmlns:r="http://schemas.openxmlformats.org/officeDocument/2006/relationships" xmlns:c16r2="http://schemas.microsoft.com/office/drawing/2015/06/chart">
-  <c:date1904 val="0"/>
-  <c:lang val="en-US"/>
-  <c:roundedCorners val="0"/>
-  <mc:AlternateContent xmlns:mc="http://schemas.openxmlformats.org/markup-compatibility/2006">
-    <mc:Choice xmlns:c14="http://schemas.microsoft.com/office/drawing/2007/8/2/chart" Requires="c14">
-      <c14:style val="102"/>
-    </mc:Choice>
-    <mc:Fallback>
-      <c:style val="2"/>
-    </mc:Fallback>
-  </mc:AlternateContent>
-  <c:chart>
-    <c:autoTitleDeleted val="1"/>
-    <c:plotArea>
-      <c:layout>
-        <c:manualLayout>
-          <c:layoutTarget val="inner"/>
-          <c:xMode val="edge"/>
-          <c:yMode val="edge"/>
-          <c:x val="4.0474671956567038E-2"/>
-          <c:y val="1.7747810601511396E-2"/>
-          <c:w val="0.94484928702336102"/>
-          <c:h val="0.90036058430382204"/>
-        </c:manualLayout>
-      </c:layout>
-      <c:scatterChart>
-        <c:scatterStyle val="lineMarker"/>
-        <c:varyColors val="0"/>
-        <c:ser>
-          <c:idx val="0"/>
-          <c:order val="0"/>
-          <c:tx>
-            <c:strRef>
-              <c:f>Sheet1!$B$1</c:f>
-              <c:strCache>
-                <c:ptCount val="1"/>
-                <c:pt idx="0">
-                  <c:v>Y-Values</c:v>
-                </c:pt>
-              </c:strCache>
-            </c:strRef>
-          </c:tx>
-          <c:spPr>
-            <a:ln w="25400" cap="rnd">
-              <a:solidFill>
-                <a:srgbClr val="FF0000"/>
-              </a:solidFill>
-              <a:prstDash val="sysDash"/>
-              <a:round/>
-            </a:ln>
-            <a:effectLst/>
-          </c:spPr>
-          <c:marker>
-            <c:symbol val="circle"/>
-            <c:size val="5"/>
-            <c:spPr>
-              <a:solidFill>
-                <a:srgbClr val="0070C0"/>
-              </a:solidFill>
-              <a:ln w="76200">
-                <a:solidFill>
-                  <a:srgbClr val="0070C0"/>
-                </a:solidFill>
-              </a:ln>
-              <a:effectLst/>
-            </c:spPr>
-          </c:marker>
-          <c:dPt>
-            <c:idx val="9"/>
-            <c:marker>
-              <c:symbol val="circle"/>
-              <c:size val="5"/>
-              <c:spPr>
-                <a:solidFill>
-                  <a:srgbClr val="0070C0"/>
-                </a:solidFill>
-                <a:ln w="76200">
-                  <a:solidFill>
-                    <a:srgbClr val="0070C0"/>
-                  </a:solidFill>
-                </a:ln>
-                <a:effectLst/>
-              </c:spPr>
-            </c:marker>
-            <c:bubble3D val="0"/>
-            <c:spPr>
-              <a:ln w="25400" cap="rnd">
-                <a:solidFill>
-                  <a:srgbClr val="FF0000"/>
-                </a:solidFill>
-                <a:prstDash val="sysDash"/>
-                <a:round/>
-              </a:ln>
-              <a:effectLst/>
-            </c:spPr>
-            <c:extLst>
-              <c:ext xmlns:c16="http://schemas.microsoft.com/office/drawing/2014/chart" uri="{C3380CC4-5D6E-409C-BE32-E72D297353CC}">
-                <c16:uniqueId val="{00000001-F05C-A34F-8F85-448ECFF11B77}"/>
-              </c:ext>
-            </c:extLst>
-          </c:dPt>
-          <c:xVal>
-            <c:numRef>
-              <c:f>Sheet1!$A$2:$A$19</c:f>
-              <c:numCache>
-                <c:formatCode>General</c:formatCode>
-                <c:ptCount val="18"/>
-                <c:pt idx="0">
-                  <c:v>1</c:v>
-                </c:pt>
-                <c:pt idx="1">
-                  <c:v>2</c:v>
-                </c:pt>
-                <c:pt idx="2">
-                  <c:v>3</c:v>
-                </c:pt>
-                <c:pt idx="3">
-                  <c:v>4</c:v>
-                </c:pt>
-                <c:pt idx="4">
-                  <c:v>5</c:v>
-                </c:pt>
-              </c:numCache>
-            </c:numRef>
-          </c:xVal>
-          <c:yVal>
-            <c:numRef>
-              <c:f>Sheet1!$B$2:$B$19</c:f>
-              <c:numCache>
-                <c:formatCode>General</c:formatCode>
-                <c:ptCount val="18"/>
-                <c:pt idx="0">
-                  <c:v>0</c:v>
-                </c:pt>
-                <c:pt idx="1">
-                  <c:v>0</c:v>
-                </c:pt>
-                <c:pt idx="2">
-                  <c:v>1</c:v>
-                </c:pt>
-                <c:pt idx="3">
-                  <c:v>1</c:v>
-                </c:pt>
-                <c:pt idx="4">
-                  <c:v>1</c:v>
-                </c:pt>
-              </c:numCache>
-            </c:numRef>
-          </c:yVal>
-          <c:smooth val="0"/>
-          <c:extLst>
-            <c:ext xmlns:c16="http://schemas.microsoft.com/office/drawing/2014/chart" uri="{C3380CC4-5D6E-409C-BE32-E72D297353CC}">
-              <c16:uniqueId val="{00000002-F05C-A34F-8F85-448ECFF11B77}"/>
-            </c:ext>
-          </c:extLst>
-        </c:ser>
-        <c:ser>
-          <c:idx val="1"/>
-          <c:order val="1"/>
-          <c:tx>
-            <c:strRef>
-              <c:f>Sheet1!$C$1</c:f>
-              <c:strCache>
-                <c:ptCount val="1"/>
-                <c:pt idx="0">
-                  <c:v>Y-pred</c:v>
-                </c:pt>
-              </c:strCache>
-            </c:strRef>
-          </c:tx>
-          <c:spPr>
-            <a:ln w="63500" cap="rnd">
-              <a:solidFill>
-                <a:srgbClr val="FF0000"/>
-              </a:solidFill>
-              <a:round/>
-            </a:ln>
-            <a:effectLst/>
-          </c:spPr>
-          <c:marker>
-            <c:symbol val="circle"/>
-            <c:size val="5"/>
-            <c:spPr>
-              <a:noFill/>
-              <a:ln w="76200">
-                <a:noFill/>
-              </a:ln>
-              <a:effectLst/>
-            </c:spPr>
-          </c:marker>
-          <c:xVal>
-            <c:numRef>
-              <c:f>Sheet1!$A$2:$A$19</c:f>
-              <c:numCache>
-                <c:formatCode>General</c:formatCode>
-                <c:ptCount val="18"/>
-                <c:pt idx="0">
-                  <c:v>1</c:v>
-                </c:pt>
-                <c:pt idx="1">
-                  <c:v>2</c:v>
-                </c:pt>
-                <c:pt idx="2">
-                  <c:v>3</c:v>
-                </c:pt>
-                <c:pt idx="3">
-                  <c:v>4</c:v>
-                </c:pt>
-                <c:pt idx="4">
-                  <c:v>5</c:v>
-                </c:pt>
-              </c:numCache>
-            </c:numRef>
-          </c:xVal>
-          <c:yVal>
-            <c:numRef>
-              <c:f>Sheet1!$C$2:$C$19</c:f>
-              <c:numCache>
-                <c:formatCode>General</c:formatCode>
-                <c:ptCount val="18"/>
-              </c:numCache>
-            </c:numRef>
-          </c:yVal>
-          <c:smooth val="0"/>
-          <c:extLst>
-            <c:ext xmlns:c16="http://schemas.microsoft.com/office/drawing/2014/chart" uri="{C3380CC4-5D6E-409C-BE32-E72D297353CC}">
-              <c16:uniqueId val="{00000003-F05C-A34F-8F85-448ECFF11B77}"/>
-            </c:ext>
-          </c:extLst>
-        </c:ser>
-        <c:dLbls>
-          <c:showLegendKey val="0"/>
-          <c:showVal val="0"/>
-          <c:showCatName val="0"/>
-          <c:showSerName val="0"/>
-          <c:showPercent val="0"/>
-          <c:showBubbleSize val="0"/>
-        </c:dLbls>
-        <c:axId val="198243231"/>
-        <c:axId val="198242271"/>
-      </c:scatterChart>
-      <c:valAx>
-        <c:axId val="198243231"/>
-        <c:scaling>
-          <c:orientation val="minMax"/>
-          <c:max val="6"/>
-          <c:min val="0"/>
-        </c:scaling>
-        <c:delete val="0"/>
-        <c:axPos val="b"/>
-        <c:majorGridlines>
-          <c:spPr>
-            <a:ln w="9525" cap="flat" cmpd="sng" algn="ctr">
-              <a:noFill/>
-              <a:round/>
-            </a:ln>
-            <a:effectLst/>
-          </c:spPr>
-        </c:majorGridlines>
-        <c:numFmt formatCode="General" sourceLinked="1"/>
-        <c:majorTickMark val="none"/>
-        <c:minorTickMark val="none"/>
-        <c:tickLblPos val="nextTo"/>
-        <c:spPr>
-          <a:noFill/>
-          <a:ln w="63500" cap="flat" cmpd="sng" algn="ctr">
-            <a:solidFill>
-              <a:schemeClr val="tx1"/>
-            </a:solidFill>
-            <a:round/>
-            <a:tailEnd type="triangle"/>
-          </a:ln>
-          <a:effectLst/>
-        </c:spPr>
-        <c:txPr>
-          <a:bodyPr rot="-60000000" spcFirstLastPara="1" vertOverflow="ellipsis" vert="horz" wrap="square" anchor="ctr" anchorCtr="1"/>
-          <a:lstStyle/>
-          <a:p>
-            <a:pPr>
-              <a:defRPr sz="1197" b="0" i="0" u="none" strike="noStrike" kern="1200" baseline="0">
-                <a:solidFill>
-                  <a:schemeClr val="tx1">
-                    <a:lumMod val="65000"/>
-                    <a:lumOff val="35000"/>
-                  </a:schemeClr>
-                </a:solidFill>
-                <a:latin typeface="+mn-lt"/>
-                <a:ea typeface="+mn-ea"/>
-                <a:cs typeface="+mn-cs"/>
-              </a:defRPr>
-            </a:pPr>
-            <a:endParaRPr lang="en-US"/>
-          </a:p>
-        </c:txPr>
-        <c:crossAx val="198242271"/>
-        <c:crosses val="autoZero"/>
-        <c:crossBetween val="midCat"/>
-        <c:majorUnit val="1"/>
-      </c:valAx>
-      <c:valAx>
-        <c:axId val="198242271"/>
-        <c:scaling>
-          <c:orientation val="minMax"/>
-          <c:max val="1"/>
-          <c:min val="0"/>
-        </c:scaling>
-        <c:delete val="0"/>
-        <c:axPos val="l"/>
-        <c:majorGridlines>
-          <c:spPr>
-            <a:ln w="9525" cap="flat" cmpd="sng" algn="ctr">
-              <a:noFill/>
-              <a:round/>
-            </a:ln>
-            <a:effectLst/>
-          </c:spPr>
-        </c:majorGridlines>
-        <c:numFmt formatCode="General" sourceLinked="1"/>
-        <c:majorTickMark val="none"/>
-        <c:minorTickMark val="none"/>
-        <c:tickLblPos val="nextTo"/>
-        <c:spPr>
-          <a:noFill/>
-          <a:ln w="63500" cap="flat" cmpd="sng" algn="ctr">
-            <a:solidFill>
-              <a:schemeClr val="tx1"/>
-            </a:solidFill>
-            <a:round/>
-            <a:tailEnd type="triangle"/>
-          </a:ln>
-          <a:effectLst/>
-        </c:spPr>
-        <c:txPr>
-          <a:bodyPr rot="-60000000" spcFirstLastPara="1" vertOverflow="ellipsis" vert="horz" wrap="square" anchor="ctr" anchorCtr="1"/>
-          <a:lstStyle/>
-          <a:p>
-            <a:pPr>
-              <a:defRPr sz="1197" b="0" i="0" u="none" strike="noStrike" kern="1200" baseline="0">
-                <a:solidFill>
-                  <a:schemeClr val="tx1">
-                    <a:lumMod val="65000"/>
-                    <a:lumOff val="35000"/>
-                  </a:schemeClr>
-                </a:solidFill>
-                <a:latin typeface="+mn-lt"/>
-                <a:ea typeface="+mn-ea"/>
-                <a:cs typeface="+mn-cs"/>
-              </a:defRPr>
-            </a:pPr>
-            <a:endParaRPr lang="en-US"/>
-          </a:p>
-        </c:txPr>
-        <c:crossAx val="198243231"/>
-        <c:crosses val="autoZero"/>
-        <c:crossBetween val="midCat"/>
-        <c:majorUnit val="1"/>
-      </c:valAx>
-      <c:spPr>
-        <a:noFill/>
-        <a:ln>
-          <a:noFill/>
-        </a:ln>
-        <a:effectLst/>
-      </c:spPr>
-    </c:plotArea>
-    <c:plotVisOnly val="1"/>
-    <c:dispBlanksAs val="gap"/>
-    <c:extLst>
-      <c:ext xmlns:c16r3="http://schemas.microsoft.com/office/drawing/2017/03/chart" uri="{56B9EC1D-385E-4148-901F-78D8002777C0}">
-        <c16r3:dataDisplayOptions16>
-          <c16r3:dispNaAsBlank val="1"/>
-        </c16r3:dataDisplayOptions16>
-      </c:ext>
-    </c:extLst>
-    <c:showDLblsOverMax val="0"/>
-  </c:chart>
-  <c:spPr>
-    <a:noFill/>
-    <a:ln>
-      <a:noFill/>
-    </a:ln>
-    <a:effectLst/>
-  </c:spPr>
-  <c:txPr>
-    <a:bodyPr/>
-    <a:lstStyle/>
-    <a:p>
-      <a:pPr>
-        <a:defRPr/>
-      </a:pPr>
-      <a:endParaRPr lang="en-US"/>
-    </a:p>
-  </c:txPr>
-  <c:externalData r:id="rId3">
-    <c:autoUpdate val="0"/>
-  </c:externalData>
-</c:chartSpace>
-</file>
-
 <file path=ppt/charts/colors1.xml><?xml version="1.0" encoding="utf-8"?>
 <cs:colorStyle xmlns:cs="http://schemas.microsoft.com/office/drawing/2012/chartStyle" xmlns:a="http://schemas.openxmlformats.org/drawingml/2006/main" meth="cycle" id="13">
   <a:schemeClr val="accent6"/>
@@ -1403,1113 +602,7 @@
 </cs:colorStyle>
 </file>
 
-<file path=ppt/charts/colors2.xml><?xml version="1.0" encoding="utf-8"?>
-<cs:colorStyle xmlns:cs="http://schemas.microsoft.com/office/drawing/2012/chartStyle" xmlns:a="http://schemas.openxmlformats.org/drawingml/2006/main" meth="cycle" id="13">
-  <a:schemeClr val="accent6"/>
-  <a:schemeClr val="accent5"/>
-  <a:schemeClr val="accent4"/>
-  <cs:variation/>
-  <cs:variation>
-    <a:lumMod val="60000"/>
-  </cs:variation>
-  <cs:variation>
-    <a:lumMod val="80000"/>
-    <a:lumOff val="20000"/>
-  </cs:variation>
-  <cs:variation>
-    <a:lumMod val="80000"/>
-  </cs:variation>
-  <cs:variation>
-    <a:lumMod val="60000"/>
-    <a:lumOff val="40000"/>
-  </cs:variation>
-  <cs:variation>
-    <a:lumMod val="50000"/>
-  </cs:variation>
-  <cs:variation>
-    <a:lumMod val="70000"/>
-    <a:lumOff val="30000"/>
-  </cs:variation>
-  <cs:variation>
-    <a:lumMod val="70000"/>
-  </cs:variation>
-  <cs:variation>
-    <a:lumMod val="50000"/>
-    <a:lumOff val="50000"/>
-  </cs:variation>
-</cs:colorStyle>
-</file>
-
-<file path=ppt/charts/colors3.xml><?xml version="1.0" encoding="utf-8"?>
-<cs:colorStyle xmlns:cs="http://schemas.microsoft.com/office/drawing/2012/chartStyle" xmlns:a="http://schemas.openxmlformats.org/drawingml/2006/main" meth="cycle" id="13">
-  <a:schemeClr val="accent6"/>
-  <a:schemeClr val="accent5"/>
-  <a:schemeClr val="accent4"/>
-  <cs:variation/>
-  <cs:variation>
-    <a:lumMod val="60000"/>
-  </cs:variation>
-  <cs:variation>
-    <a:lumMod val="80000"/>
-    <a:lumOff val="20000"/>
-  </cs:variation>
-  <cs:variation>
-    <a:lumMod val="80000"/>
-  </cs:variation>
-  <cs:variation>
-    <a:lumMod val="60000"/>
-    <a:lumOff val="40000"/>
-  </cs:variation>
-  <cs:variation>
-    <a:lumMod val="50000"/>
-  </cs:variation>
-  <cs:variation>
-    <a:lumMod val="70000"/>
-    <a:lumOff val="30000"/>
-  </cs:variation>
-  <cs:variation>
-    <a:lumMod val="70000"/>
-  </cs:variation>
-  <cs:variation>
-    <a:lumMod val="50000"/>
-    <a:lumOff val="50000"/>
-  </cs:variation>
-</cs:colorStyle>
-</file>
-
 <file path=ppt/charts/style1.xml><?xml version="1.0" encoding="utf-8"?>
-<cs:chartStyle xmlns:cs="http://schemas.microsoft.com/office/drawing/2012/chartStyle" xmlns:a="http://schemas.openxmlformats.org/drawingml/2006/main" id="240">
-  <cs:axisTitle>
-    <cs:lnRef idx="0"/>
-    <cs:fillRef idx="0"/>
-    <cs:effectRef idx="0"/>
-    <cs:fontRef idx="minor">
-      <a:schemeClr val="tx1">
-        <a:lumMod val="65000"/>
-        <a:lumOff val="35000"/>
-      </a:schemeClr>
-    </cs:fontRef>
-    <cs:defRPr sz="1330" kern="1200"/>
-  </cs:axisTitle>
-  <cs:categoryAxis>
-    <cs:lnRef idx="0"/>
-    <cs:fillRef idx="0"/>
-    <cs:effectRef idx="0"/>
-    <cs:fontRef idx="minor">
-      <a:schemeClr val="tx1">
-        <a:lumMod val="65000"/>
-        <a:lumOff val="35000"/>
-      </a:schemeClr>
-    </cs:fontRef>
-    <cs:spPr>
-      <a:ln w="9525" cap="flat" cmpd="sng" algn="ctr">
-        <a:solidFill>
-          <a:schemeClr val="tx1">
-            <a:lumMod val="25000"/>
-            <a:lumOff val="75000"/>
-          </a:schemeClr>
-        </a:solidFill>
-        <a:round/>
-      </a:ln>
-    </cs:spPr>
-    <cs:defRPr sz="1197" kern="1200"/>
-  </cs:categoryAxis>
-  <cs:chartArea mods="allowNoFillOverride allowNoLineOverride">
-    <cs:lnRef idx="0"/>
-    <cs:fillRef idx="0"/>
-    <cs:effectRef idx="0"/>
-    <cs:fontRef idx="minor">
-      <a:schemeClr val="tx1"/>
-    </cs:fontRef>
-    <cs:spPr>
-      <a:solidFill>
-        <a:schemeClr val="bg1"/>
-      </a:solidFill>
-      <a:ln w="9525" cap="flat" cmpd="sng" algn="ctr">
-        <a:solidFill>
-          <a:schemeClr val="tx1">
-            <a:lumMod val="15000"/>
-            <a:lumOff val="85000"/>
-          </a:schemeClr>
-        </a:solidFill>
-        <a:round/>
-      </a:ln>
-    </cs:spPr>
-    <cs:defRPr sz="1330" kern="1200"/>
-  </cs:chartArea>
-  <cs:dataLabel>
-    <cs:lnRef idx="0"/>
-    <cs:fillRef idx="0"/>
-    <cs:effectRef idx="0"/>
-    <cs:fontRef idx="minor">
-      <a:schemeClr val="tx1">
-        <a:lumMod val="75000"/>
-        <a:lumOff val="25000"/>
-      </a:schemeClr>
-    </cs:fontRef>
-    <cs:defRPr sz="1197" kern="1200"/>
-  </cs:dataLabel>
-  <cs:dataLabelCallout>
-    <cs:lnRef idx="0"/>
-    <cs:fillRef idx="0"/>
-    <cs:effectRef idx="0"/>
-    <cs:fontRef idx="minor">
-      <a:schemeClr val="dk1">
-        <a:lumMod val="65000"/>
-        <a:lumOff val="35000"/>
-      </a:schemeClr>
-    </cs:fontRef>
-    <cs:spPr>
-      <a:solidFill>
-        <a:schemeClr val="lt1"/>
-      </a:solidFill>
-      <a:ln>
-        <a:solidFill>
-          <a:schemeClr val="dk1">
-            <a:lumMod val="25000"/>
-            <a:lumOff val="75000"/>
-          </a:schemeClr>
-        </a:solidFill>
-      </a:ln>
-    </cs:spPr>
-    <cs:defRPr sz="1197" kern="1200"/>
-    <cs:bodyPr rot="0" spcFirstLastPara="1" vertOverflow="clip" horzOverflow="clip" vert="horz" wrap="square" lIns="36576" tIns="18288" rIns="36576" bIns="18288" anchor="ctr" anchorCtr="1">
-      <a:spAutoFit/>
-    </cs:bodyPr>
-  </cs:dataLabelCallout>
-  <cs:dataPoint>
-    <cs:lnRef idx="0"/>
-    <cs:fillRef idx="1">
-      <cs:styleClr val="auto"/>
-    </cs:fillRef>
-    <cs:effectRef idx="0"/>
-    <cs:fontRef idx="minor">
-      <a:schemeClr val="tx1"/>
-    </cs:fontRef>
-  </cs:dataPoint>
-  <cs:dataPoint3D>
-    <cs:lnRef idx="0"/>
-    <cs:fillRef idx="1">
-      <cs:styleClr val="auto"/>
-    </cs:fillRef>
-    <cs:effectRef idx="0"/>
-    <cs:fontRef idx="minor">
-      <a:schemeClr val="tx1"/>
-    </cs:fontRef>
-  </cs:dataPoint3D>
-  <cs:dataPointLine>
-    <cs:lnRef idx="0">
-      <cs:styleClr val="auto"/>
-    </cs:lnRef>
-    <cs:fillRef idx="1"/>
-    <cs:effectRef idx="0"/>
-    <cs:fontRef idx="minor">
-      <a:schemeClr val="tx1"/>
-    </cs:fontRef>
-    <cs:spPr>
-      <a:ln w="19050" cap="rnd">
-        <a:solidFill>
-          <a:schemeClr val="phClr"/>
-        </a:solidFill>
-        <a:round/>
-      </a:ln>
-    </cs:spPr>
-  </cs:dataPointLine>
-  <cs:dataPointMarker>
-    <cs:lnRef idx="0">
-      <cs:styleClr val="auto"/>
-    </cs:lnRef>
-    <cs:fillRef idx="1">
-      <cs:styleClr val="auto"/>
-    </cs:fillRef>
-    <cs:effectRef idx="0"/>
-    <cs:fontRef idx="minor">
-      <a:schemeClr val="tx1"/>
-    </cs:fontRef>
-    <cs:spPr>
-      <a:ln w="9525">
-        <a:solidFill>
-          <a:schemeClr val="phClr"/>
-        </a:solidFill>
-      </a:ln>
-    </cs:spPr>
-  </cs:dataPointMarker>
-  <cs:dataPointMarkerLayout symbol="circle" size="5"/>
-  <cs:dataPointWireframe>
-    <cs:lnRef idx="0">
-      <cs:styleClr val="auto"/>
-    </cs:lnRef>
-    <cs:fillRef idx="0"/>
-    <cs:effectRef idx="0"/>
-    <cs:fontRef idx="minor">
-      <a:schemeClr val="dk1"/>
-    </cs:fontRef>
-    <cs:spPr>
-      <a:ln w="9525" cap="rnd">
-        <a:solidFill>
-          <a:schemeClr val="phClr"/>
-        </a:solidFill>
-        <a:round/>
-      </a:ln>
-    </cs:spPr>
-  </cs:dataPointWireframe>
-  <cs:dataTable>
-    <cs:lnRef idx="0"/>
-    <cs:fillRef idx="0"/>
-    <cs:effectRef idx="0"/>
-    <cs:fontRef idx="minor">
-      <a:schemeClr val="tx1">
-        <a:lumMod val="65000"/>
-        <a:lumOff val="35000"/>
-      </a:schemeClr>
-    </cs:fontRef>
-    <cs:spPr>
-      <a:noFill/>
-      <a:ln w="9525" cap="flat" cmpd="sng" algn="ctr">
-        <a:solidFill>
-          <a:schemeClr val="tx1">
-            <a:lumMod val="15000"/>
-            <a:lumOff val="85000"/>
-          </a:schemeClr>
-        </a:solidFill>
-        <a:round/>
-      </a:ln>
-    </cs:spPr>
-    <cs:defRPr sz="1197" kern="1200"/>
-  </cs:dataTable>
-  <cs:downBar>
-    <cs:lnRef idx="0"/>
-    <cs:fillRef idx="0"/>
-    <cs:effectRef idx="0"/>
-    <cs:fontRef idx="minor">
-      <a:schemeClr val="tx1"/>
-    </cs:fontRef>
-    <cs:spPr>
-      <a:solidFill>
-        <a:schemeClr val="dk1">
-          <a:lumMod val="75000"/>
-          <a:lumOff val="25000"/>
-        </a:schemeClr>
-      </a:solidFill>
-      <a:ln w="9525" cap="flat" cmpd="sng" algn="ctr">
-        <a:solidFill>
-          <a:schemeClr val="tx1">
-            <a:lumMod val="65000"/>
-            <a:lumOff val="35000"/>
-          </a:schemeClr>
-        </a:solidFill>
-        <a:round/>
-      </a:ln>
-    </cs:spPr>
-  </cs:downBar>
-  <cs:dropLine>
-    <cs:lnRef idx="0"/>
-    <cs:fillRef idx="0"/>
-    <cs:effectRef idx="0"/>
-    <cs:fontRef idx="minor">
-      <a:schemeClr val="tx1"/>
-    </cs:fontRef>
-    <cs:spPr>
-      <a:ln w="9525" cap="flat" cmpd="sng" algn="ctr">
-        <a:solidFill>
-          <a:schemeClr val="tx1">
-            <a:lumMod val="35000"/>
-            <a:lumOff val="65000"/>
-          </a:schemeClr>
-        </a:solidFill>
-        <a:round/>
-      </a:ln>
-    </cs:spPr>
-  </cs:dropLine>
-  <cs:errorBar>
-    <cs:lnRef idx="0"/>
-    <cs:fillRef idx="0"/>
-    <cs:effectRef idx="0"/>
-    <cs:fontRef idx="minor">
-      <a:schemeClr val="tx1"/>
-    </cs:fontRef>
-    <cs:spPr>
-      <a:ln w="9525" cap="flat" cmpd="sng" algn="ctr">
-        <a:solidFill>
-          <a:schemeClr val="tx1">
-            <a:lumMod val="65000"/>
-            <a:lumOff val="35000"/>
-          </a:schemeClr>
-        </a:solidFill>
-        <a:round/>
-      </a:ln>
-    </cs:spPr>
-  </cs:errorBar>
-  <cs:floor>
-    <cs:lnRef idx="0"/>
-    <cs:fillRef idx="0"/>
-    <cs:effectRef idx="0"/>
-    <cs:fontRef idx="minor">
-      <a:schemeClr val="tx1"/>
-    </cs:fontRef>
-    <cs:spPr>
-      <a:noFill/>
-      <a:ln>
-        <a:noFill/>
-      </a:ln>
-    </cs:spPr>
-  </cs:floor>
-  <cs:gridlineMajor>
-    <cs:lnRef idx="0"/>
-    <cs:fillRef idx="0"/>
-    <cs:effectRef idx="0"/>
-    <cs:fontRef idx="minor">
-      <a:schemeClr val="tx1"/>
-    </cs:fontRef>
-    <cs:spPr>
-      <a:ln w="9525" cap="flat" cmpd="sng" algn="ctr">
-        <a:solidFill>
-          <a:schemeClr val="tx1">
-            <a:lumMod val="15000"/>
-            <a:lumOff val="85000"/>
-          </a:schemeClr>
-        </a:solidFill>
-        <a:round/>
-      </a:ln>
-    </cs:spPr>
-  </cs:gridlineMajor>
-  <cs:gridlineMinor>
-    <cs:lnRef idx="0"/>
-    <cs:fillRef idx="0"/>
-    <cs:effectRef idx="0"/>
-    <cs:fontRef idx="minor">
-      <a:schemeClr val="tx1"/>
-    </cs:fontRef>
-    <cs:spPr>
-      <a:ln w="9525" cap="flat" cmpd="sng" algn="ctr">
-        <a:solidFill>
-          <a:schemeClr val="tx1">
-            <a:lumMod val="5000"/>
-            <a:lumOff val="95000"/>
-          </a:schemeClr>
-        </a:solidFill>
-        <a:round/>
-      </a:ln>
-    </cs:spPr>
-  </cs:gridlineMinor>
-  <cs:hiLoLine>
-    <cs:lnRef idx="0"/>
-    <cs:fillRef idx="0"/>
-    <cs:effectRef idx="0"/>
-    <cs:fontRef idx="minor">
-      <a:schemeClr val="tx1"/>
-    </cs:fontRef>
-    <cs:spPr>
-      <a:ln w="9525" cap="flat" cmpd="sng" algn="ctr">
-        <a:solidFill>
-          <a:schemeClr val="tx1">
-            <a:lumMod val="50000"/>
-            <a:lumOff val="50000"/>
-          </a:schemeClr>
-        </a:solidFill>
-        <a:round/>
-      </a:ln>
-    </cs:spPr>
-  </cs:hiLoLine>
-  <cs:leaderLine>
-    <cs:lnRef idx="0"/>
-    <cs:fillRef idx="0"/>
-    <cs:effectRef idx="0"/>
-    <cs:fontRef idx="minor">
-      <a:schemeClr val="tx1"/>
-    </cs:fontRef>
-    <cs:spPr>
-      <a:ln w="9525" cap="flat" cmpd="sng" algn="ctr">
-        <a:solidFill>
-          <a:schemeClr val="tx1">
-            <a:lumMod val="35000"/>
-            <a:lumOff val="65000"/>
-          </a:schemeClr>
-        </a:solidFill>
-        <a:round/>
-      </a:ln>
-    </cs:spPr>
-  </cs:leaderLine>
-  <cs:legend>
-    <cs:lnRef idx="0"/>
-    <cs:fillRef idx="0"/>
-    <cs:effectRef idx="0"/>
-    <cs:fontRef idx="minor">
-      <a:schemeClr val="tx1">
-        <a:lumMod val="65000"/>
-        <a:lumOff val="35000"/>
-      </a:schemeClr>
-    </cs:fontRef>
-    <cs:defRPr sz="1197" kern="1200"/>
-  </cs:legend>
-  <cs:plotArea mods="allowNoFillOverride allowNoLineOverride">
-    <cs:lnRef idx="0"/>
-    <cs:fillRef idx="0"/>
-    <cs:effectRef idx="0"/>
-    <cs:fontRef idx="minor">
-      <a:schemeClr val="tx1"/>
-    </cs:fontRef>
-  </cs:plotArea>
-  <cs:plotArea3D mods="allowNoFillOverride allowNoLineOverride">
-    <cs:lnRef idx="0"/>
-    <cs:fillRef idx="0"/>
-    <cs:effectRef idx="0"/>
-    <cs:fontRef idx="minor">
-      <a:schemeClr val="tx1"/>
-    </cs:fontRef>
-  </cs:plotArea3D>
-  <cs:seriesAxis>
-    <cs:lnRef idx="0"/>
-    <cs:fillRef idx="0"/>
-    <cs:effectRef idx="0"/>
-    <cs:fontRef idx="minor">
-      <a:schemeClr val="tx1">
-        <a:lumMod val="65000"/>
-        <a:lumOff val="35000"/>
-      </a:schemeClr>
-    </cs:fontRef>
-    <cs:defRPr sz="1197" kern="1200"/>
-  </cs:seriesAxis>
-  <cs:seriesLine>
-    <cs:lnRef idx="0"/>
-    <cs:fillRef idx="0"/>
-    <cs:effectRef idx="0"/>
-    <cs:fontRef idx="minor">
-      <a:schemeClr val="tx1"/>
-    </cs:fontRef>
-    <cs:spPr>
-      <a:ln w="9525" cap="flat" cmpd="sng" algn="ctr">
-        <a:solidFill>
-          <a:schemeClr val="tx1">
-            <a:lumMod val="35000"/>
-            <a:lumOff val="65000"/>
-          </a:schemeClr>
-        </a:solidFill>
-        <a:round/>
-      </a:ln>
-    </cs:spPr>
-  </cs:seriesLine>
-  <cs:title>
-    <cs:lnRef idx="0"/>
-    <cs:fillRef idx="0"/>
-    <cs:effectRef idx="0"/>
-    <cs:fontRef idx="minor">
-      <a:schemeClr val="tx1">
-        <a:lumMod val="65000"/>
-        <a:lumOff val="35000"/>
-      </a:schemeClr>
-    </cs:fontRef>
-    <cs:defRPr sz="1862" b="0" kern="1200" spc="0" baseline="0"/>
-  </cs:title>
-  <cs:trendline>
-    <cs:lnRef idx="0">
-      <cs:styleClr val="auto"/>
-    </cs:lnRef>
-    <cs:fillRef idx="0"/>
-    <cs:effectRef idx="0"/>
-    <cs:fontRef idx="minor">
-      <a:schemeClr val="tx1"/>
-    </cs:fontRef>
-    <cs:spPr>
-      <a:ln w="19050" cap="rnd">
-        <a:solidFill>
-          <a:schemeClr val="phClr"/>
-        </a:solidFill>
-        <a:prstDash val="sysDot"/>
-      </a:ln>
-    </cs:spPr>
-  </cs:trendline>
-  <cs:trendlineLabel>
-    <cs:lnRef idx="0"/>
-    <cs:fillRef idx="0"/>
-    <cs:effectRef idx="0"/>
-    <cs:fontRef idx="minor">
-      <a:schemeClr val="tx1">
-        <a:lumMod val="65000"/>
-        <a:lumOff val="35000"/>
-      </a:schemeClr>
-    </cs:fontRef>
-    <cs:defRPr sz="1197" kern="1200"/>
-  </cs:trendlineLabel>
-  <cs:upBar>
-    <cs:lnRef idx="0"/>
-    <cs:fillRef idx="0"/>
-    <cs:effectRef idx="0"/>
-    <cs:fontRef idx="minor">
-      <a:schemeClr val="tx1"/>
-    </cs:fontRef>
-    <cs:spPr>
-      <a:solidFill>
-        <a:schemeClr val="lt1"/>
-      </a:solidFill>
-      <a:ln w="9525" cap="flat" cmpd="sng" algn="ctr">
-        <a:solidFill>
-          <a:schemeClr val="tx1">
-            <a:lumMod val="65000"/>
-            <a:lumOff val="35000"/>
-          </a:schemeClr>
-        </a:solidFill>
-        <a:round/>
-      </a:ln>
-    </cs:spPr>
-  </cs:upBar>
-  <cs:valueAxis>
-    <cs:lnRef idx="0"/>
-    <cs:fillRef idx="0"/>
-    <cs:effectRef idx="0"/>
-    <cs:fontRef idx="minor">
-      <a:schemeClr val="tx1">
-        <a:lumMod val="65000"/>
-        <a:lumOff val="35000"/>
-      </a:schemeClr>
-    </cs:fontRef>
-    <cs:spPr>
-      <a:ln w="9525" cap="flat" cmpd="sng" algn="ctr">
-        <a:solidFill>
-          <a:schemeClr val="tx1">
-            <a:lumMod val="25000"/>
-            <a:lumOff val="75000"/>
-          </a:schemeClr>
-        </a:solidFill>
-        <a:round/>
-      </a:ln>
-    </cs:spPr>
-    <cs:defRPr sz="1197" kern="1200"/>
-  </cs:valueAxis>
-  <cs:wall>
-    <cs:lnRef idx="0"/>
-    <cs:fillRef idx="0"/>
-    <cs:effectRef idx="0"/>
-    <cs:fontRef idx="minor">
-      <a:schemeClr val="tx1"/>
-    </cs:fontRef>
-    <cs:spPr>
-      <a:noFill/>
-      <a:ln>
-        <a:noFill/>
-      </a:ln>
-    </cs:spPr>
-  </cs:wall>
-</cs:chartStyle>
-</file>
-
-<file path=ppt/charts/style2.xml><?xml version="1.0" encoding="utf-8"?>
-<cs:chartStyle xmlns:cs="http://schemas.microsoft.com/office/drawing/2012/chartStyle" xmlns:a="http://schemas.openxmlformats.org/drawingml/2006/main" id="240">
-  <cs:axisTitle>
-    <cs:lnRef idx="0"/>
-    <cs:fillRef idx="0"/>
-    <cs:effectRef idx="0"/>
-    <cs:fontRef idx="minor">
-      <a:schemeClr val="tx1">
-        <a:lumMod val="65000"/>
-        <a:lumOff val="35000"/>
-      </a:schemeClr>
-    </cs:fontRef>
-    <cs:defRPr sz="1330" kern="1200"/>
-  </cs:axisTitle>
-  <cs:categoryAxis>
-    <cs:lnRef idx="0"/>
-    <cs:fillRef idx="0"/>
-    <cs:effectRef idx="0"/>
-    <cs:fontRef idx="minor">
-      <a:schemeClr val="tx1">
-        <a:lumMod val="65000"/>
-        <a:lumOff val="35000"/>
-      </a:schemeClr>
-    </cs:fontRef>
-    <cs:spPr>
-      <a:ln w="9525" cap="flat" cmpd="sng" algn="ctr">
-        <a:solidFill>
-          <a:schemeClr val="tx1">
-            <a:lumMod val="25000"/>
-            <a:lumOff val="75000"/>
-          </a:schemeClr>
-        </a:solidFill>
-        <a:round/>
-      </a:ln>
-    </cs:spPr>
-    <cs:defRPr sz="1197" kern="1200"/>
-  </cs:categoryAxis>
-  <cs:chartArea mods="allowNoFillOverride allowNoLineOverride">
-    <cs:lnRef idx="0"/>
-    <cs:fillRef idx="0"/>
-    <cs:effectRef idx="0"/>
-    <cs:fontRef idx="minor">
-      <a:schemeClr val="tx1"/>
-    </cs:fontRef>
-    <cs:spPr>
-      <a:solidFill>
-        <a:schemeClr val="bg1"/>
-      </a:solidFill>
-      <a:ln w="9525" cap="flat" cmpd="sng" algn="ctr">
-        <a:solidFill>
-          <a:schemeClr val="tx1">
-            <a:lumMod val="15000"/>
-            <a:lumOff val="85000"/>
-          </a:schemeClr>
-        </a:solidFill>
-        <a:round/>
-      </a:ln>
-    </cs:spPr>
-    <cs:defRPr sz="1330" kern="1200"/>
-  </cs:chartArea>
-  <cs:dataLabel>
-    <cs:lnRef idx="0"/>
-    <cs:fillRef idx="0"/>
-    <cs:effectRef idx="0"/>
-    <cs:fontRef idx="minor">
-      <a:schemeClr val="tx1">
-        <a:lumMod val="75000"/>
-        <a:lumOff val="25000"/>
-      </a:schemeClr>
-    </cs:fontRef>
-    <cs:defRPr sz="1197" kern="1200"/>
-  </cs:dataLabel>
-  <cs:dataLabelCallout>
-    <cs:lnRef idx="0"/>
-    <cs:fillRef idx="0"/>
-    <cs:effectRef idx="0"/>
-    <cs:fontRef idx="minor">
-      <a:schemeClr val="dk1">
-        <a:lumMod val="65000"/>
-        <a:lumOff val="35000"/>
-      </a:schemeClr>
-    </cs:fontRef>
-    <cs:spPr>
-      <a:solidFill>
-        <a:schemeClr val="lt1"/>
-      </a:solidFill>
-      <a:ln>
-        <a:solidFill>
-          <a:schemeClr val="dk1">
-            <a:lumMod val="25000"/>
-            <a:lumOff val="75000"/>
-          </a:schemeClr>
-        </a:solidFill>
-      </a:ln>
-    </cs:spPr>
-    <cs:defRPr sz="1197" kern="1200"/>
-    <cs:bodyPr rot="0" spcFirstLastPara="1" vertOverflow="clip" horzOverflow="clip" vert="horz" wrap="square" lIns="36576" tIns="18288" rIns="36576" bIns="18288" anchor="ctr" anchorCtr="1">
-      <a:spAutoFit/>
-    </cs:bodyPr>
-  </cs:dataLabelCallout>
-  <cs:dataPoint>
-    <cs:lnRef idx="0"/>
-    <cs:fillRef idx="1">
-      <cs:styleClr val="auto"/>
-    </cs:fillRef>
-    <cs:effectRef idx="0"/>
-    <cs:fontRef idx="minor">
-      <a:schemeClr val="tx1"/>
-    </cs:fontRef>
-  </cs:dataPoint>
-  <cs:dataPoint3D>
-    <cs:lnRef idx="0"/>
-    <cs:fillRef idx="1">
-      <cs:styleClr val="auto"/>
-    </cs:fillRef>
-    <cs:effectRef idx="0"/>
-    <cs:fontRef idx="minor">
-      <a:schemeClr val="tx1"/>
-    </cs:fontRef>
-  </cs:dataPoint3D>
-  <cs:dataPointLine>
-    <cs:lnRef idx="0">
-      <cs:styleClr val="auto"/>
-    </cs:lnRef>
-    <cs:fillRef idx="1"/>
-    <cs:effectRef idx="0"/>
-    <cs:fontRef idx="minor">
-      <a:schemeClr val="tx1"/>
-    </cs:fontRef>
-    <cs:spPr>
-      <a:ln w="19050" cap="rnd">
-        <a:solidFill>
-          <a:schemeClr val="phClr"/>
-        </a:solidFill>
-        <a:round/>
-      </a:ln>
-    </cs:spPr>
-  </cs:dataPointLine>
-  <cs:dataPointMarker>
-    <cs:lnRef idx="0">
-      <cs:styleClr val="auto"/>
-    </cs:lnRef>
-    <cs:fillRef idx="1">
-      <cs:styleClr val="auto"/>
-    </cs:fillRef>
-    <cs:effectRef idx="0"/>
-    <cs:fontRef idx="minor">
-      <a:schemeClr val="tx1"/>
-    </cs:fontRef>
-    <cs:spPr>
-      <a:ln w="9525">
-        <a:solidFill>
-          <a:schemeClr val="phClr"/>
-        </a:solidFill>
-      </a:ln>
-    </cs:spPr>
-  </cs:dataPointMarker>
-  <cs:dataPointMarkerLayout symbol="circle" size="5"/>
-  <cs:dataPointWireframe>
-    <cs:lnRef idx="0">
-      <cs:styleClr val="auto"/>
-    </cs:lnRef>
-    <cs:fillRef idx="0"/>
-    <cs:effectRef idx="0"/>
-    <cs:fontRef idx="minor">
-      <a:schemeClr val="dk1"/>
-    </cs:fontRef>
-    <cs:spPr>
-      <a:ln w="9525" cap="rnd">
-        <a:solidFill>
-          <a:schemeClr val="phClr"/>
-        </a:solidFill>
-        <a:round/>
-      </a:ln>
-    </cs:spPr>
-  </cs:dataPointWireframe>
-  <cs:dataTable>
-    <cs:lnRef idx="0"/>
-    <cs:fillRef idx="0"/>
-    <cs:effectRef idx="0"/>
-    <cs:fontRef idx="minor">
-      <a:schemeClr val="tx1">
-        <a:lumMod val="65000"/>
-        <a:lumOff val="35000"/>
-      </a:schemeClr>
-    </cs:fontRef>
-    <cs:spPr>
-      <a:noFill/>
-      <a:ln w="9525" cap="flat" cmpd="sng" algn="ctr">
-        <a:solidFill>
-          <a:schemeClr val="tx1">
-            <a:lumMod val="15000"/>
-            <a:lumOff val="85000"/>
-          </a:schemeClr>
-        </a:solidFill>
-        <a:round/>
-      </a:ln>
-    </cs:spPr>
-    <cs:defRPr sz="1197" kern="1200"/>
-  </cs:dataTable>
-  <cs:downBar>
-    <cs:lnRef idx="0"/>
-    <cs:fillRef idx="0"/>
-    <cs:effectRef idx="0"/>
-    <cs:fontRef idx="minor">
-      <a:schemeClr val="tx1"/>
-    </cs:fontRef>
-    <cs:spPr>
-      <a:solidFill>
-        <a:schemeClr val="dk1">
-          <a:lumMod val="75000"/>
-          <a:lumOff val="25000"/>
-        </a:schemeClr>
-      </a:solidFill>
-      <a:ln w="9525" cap="flat" cmpd="sng" algn="ctr">
-        <a:solidFill>
-          <a:schemeClr val="tx1">
-            <a:lumMod val="65000"/>
-            <a:lumOff val="35000"/>
-          </a:schemeClr>
-        </a:solidFill>
-        <a:round/>
-      </a:ln>
-    </cs:spPr>
-  </cs:downBar>
-  <cs:dropLine>
-    <cs:lnRef idx="0"/>
-    <cs:fillRef idx="0"/>
-    <cs:effectRef idx="0"/>
-    <cs:fontRef idx="minor">
-      <a:schemeClr val="tx1"/>
-    </cs:fontRef>
-    <cs:spPr>
-      <a:ln w="9525" cap="flat" cmpd="sng" algn="ctr">
-        <a:solidFill>
-          <a:schemeClr val="tx1">
-            <a:lumMod val="35000"/>
-            <a:lumOff val="65000"/>
-          </a:schemeClr>
-        </a:solidFill>
-        <a:round/>
-      </a:ln>
-    </cs:spPr>
-  </cs:dropLine>
-  <cs:errorBar>
-    <cs:lnRef idx="0"/>
-    <cs:fillRef idx="0"/>
-    <cs:effectRef idx="0"/>
-    <cs:fontRef idx="minor">
-      <a:schemeClr val="tx1"/>
-    </cs:fontRef>
-    <cs:spPr>
-      <a:ln w="9525" cap="flat" cmpd="sng" algn="ctr">
-        <a:solidFill>
-          <a:schemeClr val="tx1">
-            <a:lumMod val="65000"/>
-            <a:lumOff val="35000"/>
-          </a:schemeClr>
-        </a:solidFill>
-        <a:round/>
-      </a:ln>
-    </cs:spPr>
-  </cs:errorBar>
-  <cs:floor>
-    <cs:lnRef idx="0"/>
-    <cs:fillRef idx="0"/>
-    <cs:effectRef idx="0"/>
-    <cs:fontRef idx="minor">
-      <a:schemeClr val="tx1"/>
-    </cs:fontRef>
-    <cs:spPr>
-      <a:noFill/>
-      <a:ln>
-        <a:noFill/>
-      </a:ln>
-    </cs:spPr>
-  </cs:floor>
-  <cs:gridlineMajor>
-    <cs:lnRef idx="0"/>
-    <cs:fillRef idx="0"/>
-    <cs:effectRef idx="0"/>
-    <cs:fontRef idx="minor">
-      <a:schemeClr val="tx1"/>
-    </cs:fontRef>
-    <cs:spPr>
-      <a:ln w="9525" cap="flat" cmpd="sng" algn="ctr">
-        <a:solidFill>
-          <a:schemeClr val="tx1">
-            <a:lumMod val="15000"/>
-            <a:lumOff val="85000"/>
-          </a:schemeClr>
-        </a:solidFill>
-        <a:round/>
-      </a:ln>
-    </cs:spPr>
-  </cs:gridlineMajor>
-  <cs:gridlineMinor>
-    <cs:lnRef idx="0"/>
-    <cs:fillRef idx="0"/>
-    <cs:effectRef idx="0"/>
-    <cs:fontRef idx="minor">
-      <a:schemeClr val="tx1"/>
-    </cs:fontRef>
-    <cs:spPr>
-      <a:ln w="9525" cap="flat" cmpd="sng" algn="ctr">
-        <a:solidFill>
-          <a:schemeClr val="tx1">
-            <a:lumMod val="5000"/>
-            <a:lumOff val="95000"/>
-          </a:schemeClr>
-        </a:solidFill>
-        <a:round/>
-      </a:ln>
-    </cs:spPr>
-  </cs:gridlineMinor>
-  <cs:hiLoLine>
-    <cs:lnRef idx="0"/>
-    <cs:fillRef idx="0"/>
-    <cs:effectRef idx="0"/>
-    <cs:fontRef idx="minor">
-      <a:schemeClr val="tx1"/>
-    </cs:fontRef>
-    <cs:spPr>
-      <a:ln w="9525" cap="flat" cmpd="sng" algn="ctr">
-        <a:solidFill>
-          <a:schemeClr val="tx1">
-            <a:lumMod val="50000"/>
-            <a:lumOff val="50000"/>
-          </a:schemeClr>
-        </a:solidFill>
-        <a:round/>
-      </a:ln>
-    </cs:spPr>
-  </cs:hiLoLine>
-  <cs:leaderLine>
-    <cs:lnRef idx="0"/>
-    <cs:fillRef idx="0"/>
-    <cs:effectRef idx="0"/>
-    <cs:fontRef idx="minor">
-      <a:schemeClr val="tx1"/>
-    </cs:fontRef>
-    <cs:spPr>
-      <a:ln w="9525" cap="flat" cmpd="sng" algn="ctr">
-        <a:solidFill>
-          <a:schemeClr val="tx1">
-            <a:lumMod val="35000"/>
-            <a:lumOff val="65000"/>
-          </a:schemeClr>
-        </a:solidFill>
-        <a:round/>
-      </a:ln>
-    </cs:spPr>
-  </cs:leaderLine>
-  <cs:legend>
-    <cs:lnRef idx="0"/>
-    <cs:fillRef idx="0"/>
-    <cs:effectRef idx="0"/>
-    <cs:fontRef idx="minor">
-      <a:schemeClr val="tx1">
-        <a:lumMod val="65000"/>
-        <a:lumOff val="35000"/>
-      </a:schemeClr>
-    </cs:fontRef>
-    <cs:defRPr sz="1197" kern="1200"/>
-  </cs:legend>
-  <cs:plotArea mods="allowNoFillOverride allowNoLineOverride">
-    <cs:lnRef idx="0"/>
-    <cs:fillRef idx="0"/>
-    <cs:effectRef idx="0"/>
-    <cs:fontRef idx="minor">
-      <a:schemeClr val="tx1"/>
-    </cs:fontRef>
-  </cs:plotArea>
-  <cs:plotArea3D mods="allowNoFillOverride allowNoLineOverride">
-    <cs:lnRef idx="0"/>
-    <cs:fillRef idx="0"/>
-    <cs:effectRef idx="0"/>
-    <cs:fontRef idx="minor">
-      <a:schemeClr val="tx1"/>
-    </cs:fontRef>
-  </cs:plotArea3D>
-  <cs:seriesAxis>
-    <cs:lnRef idx="0"/>
-    <cs:fillRef idx="0"/>
-    <cs:effectRef idx="0"/>
-    <cs:fontRef idx="minor">
-      <a:schemeClr val="tx1">
-        <a:lumMod val="65000"/>
-        <a:lumOff val="35000"/>
-      </a:schemeClr>
-    </cs:fontRef>
-    <cs:defRPr sz="1197" kern="1200"/>
-  </cs:seriesAxis>
-  <cs:seriesLine>
-    <cs:lnRef idx="0"/>
-    <cs:fillRef idx="0"/>
-    <cs:effectRef idx="0"/>
-    <cs:fontRef idx="minor">
-      <a:schemeClr val="tx1"/>
-    </cs:fontRef>
-    <cs:spPr>
-      <a:ln w="9525" cap="flat" cmpd="sng" algn="ctr">
-        <a:solidFill>
-          <a:schemeClr val="tx1">
-            <a:lumMod val="35000"/>
-            <a:lumOff val="65000"/>
-          </a:schemeClr>
-        </a:solidFill>
-        <a:round/>
-      </a:ln>
-    </cs:spPr>
-  </cs:seriesLine>
-  <cs:title>
-    <cs:lnRef idx="0"/>
-    <cs:fillRef idx="0"/>
-    <cs:effectRef idx="0"/>
-    <cs:fontRef idx="minor">
-      <a:schemeClr val="tx1">
-        <a:lumMod val="65000"/>
-        <a:lumOff val="35000"/>
-      </a:schemeClr>
-    </cs:fontRef>
-    <cs:defRPr sz="1862" b="0" kern="1200" spc="0" baseline="0"/>
-  </cs:title>
-  <cs:trendline>
-    <cs:lnRef idx="0">
-      <cs:styleClr val="auto"/>
-    </cs:lnRef>
-    <cs:fillRef idx="0"/>
-    <cs:effectRef idx="0"/>
-    <cs:fontRef idx="minor">
-      <a:schemeClr val="tx1"/>
-    </cs:fontRef>
-    <cs:spPr>
-      <a:ln w="19050" cap="rnd">
-        <a:solidFill>
-          <a:schemeClr val="phClr"/>
-        </a:solidFill>
-        <a:prstDash val="sysDot"/>
-      </a:ln>
-    </cs:spPr>
-  </cs:trendline>
-  <cs:trendlineLabel>
-    <cs:lnRef idx="0"/>
-    <cs:fillRef idx="0"/>
-    <cs:effectRef idx="0"/>
-    <cs:fontRef idx="minor">
-      <a:schemeClr val="tx1">
-        <a:lumMod val="65000"/>
-        <a:lumOff val="35000"/>
-      </a:schemeClr>
-    </cs:fontRef>
-    <cs:defRPr sz="1197" kern="1200"/>
-  </cs:trendlineLabel>
-  <cs:upBar>
-    <cs:lnRef idx="0"/>
-    <cs:fillRef idx="0"/>
-    <cs:effectRef idx="0"/>
-    <cs:fontRef idx="minor">
-      <a:schemeClr val="tx1"/>
-    </cs:fontRef>
-    <cs:spPr>
-      <a:solidFill>
-        <a:schemeClr val="lt1"/>
-      </a:solidFill>
-      <a:ln w="9525" cap="flat" cmpd="sng" algn="ctr">
-        <a:solidFill>
-          <a:schemeClr val="tx1">
-            <a:lumMod val="65000"/>
-            <a:lumOff val="35000"/>
-          </a:schemeClr>
-        </a:solidFill>
-        <a:round/>
-      </a:ln>
-    </cs:spPr>
-  </cs:upBar>
-  <cs:valueAxis>
-    <cs:lnRef idx="0"/>
-    <cs:fillRef idx="0"/>
-    <cs:effectRef idx="0"/>
-    <cs:fontRef idx="minor">
-      <a:schemeClr val="tx1">
-        <a:lumMod val="65000"/>
-        <a:lumOff val="35000"/>
-      </a:schemeClr>
-    </cs:fontRef>
-    <cs:spPr>
-      <a:ln w="9525" cap="flat" cmpd="sng" algn="ctr">
-        <a:solidFill>
-          <a:schemeClr val="tx1">
-            <a:lumMod val="25000"/>
-            <a:lumOff val="75000"/>
-          </a:schemeClr>
-        </a:solidFill>
-        <a:round/>
-      </a:ln>
-    </cs:spPr>
-    <cs:defRPr sz="1197" kern="1200"/>
-  </cs:valueAxis>
-  <cs:wall>
-    <cs:lnRef idx="0"/>
-    <cs:fillRef idx="0"/>
-    <cs:effectRef idx="0"/>
-    <cs:fontRef idx="minor">
-      <a:schemeClr val="tx1"/>
-    </cs:fontRef>
-    <cs:spPr>
-      <a:noFill/>
-      <a:ln>
-        <a:noFill/>
-      </a:ln>
-    </cs:spPr>
-  </cs:wall>
-</cs:chartStyle>
-</file>
-
-<file path=ppt/charts/style3.xml><?xml version="1.0" encoding="utf-8"?>
 <cs:chartStyle xmlns:cs="http://schemas.microsoft.com/office/drawing/2012/chartStyle" xmlns:a="http://schemas.openxmlformats.org/drawingml/2006/main" id="240">
   <cs:axisTitle>
     <cs:lnRef idx="0"/>
@@ -4984,7 +3077,7 @@
     </p:spTree>
     <p:extLst>
       <p:ext uri="{BB962C8B-B14F-4D97-AF65-F5344CB8AC3E}">
-        <p14:creationId xmlns:p14="http://schemas.microsoft.com/office/powerpoint/2010/main" val="3645620624"/>
+        <p14:creationId xmlns:p14="http://schemas.microsoft.com/office/powerpoint/2010/main" val="3305804682"/>
       </p:ext>
     </p:extLst>
   </p:cSld>
@@ -5068,7 +3161,7 @@
     </p:spTree>
     <p:extLst>
       <p:ext uri="{BB962C8B-B14F-4D97-AF65-F5344CB8AC3E}">
-        <p14:creationId xmlns:p14="http://schemas.microsoft.com/office/powerpoint/2010/main" val="3243894006"/>
+        <p14:creationId xmlns:p14="http://schemas.microsoft.com/office/powerpoint/2010/main" val="528471659"/>
       </p:ext>
     </p:extLst>
   </p:cSld>
@@ -5152,7 +3245,7 @@
     </p:spTree>
     <p:extLst>
       <p:ext uri="{BB962C8B-B14F-4D97-AF65-F5344CB8AC3E}">
-        <p14:creationId xmlns:p14="http://schemas.microsoft.com/office/powerpoint/2010/main" val="3305804682"/>
+        <p14:creationId xmlns:p14="http://schemas.microsoft.com/office/powerpoint/2010/main" val="3073846358"/>
       </p:ext>
     </p:extLst>
   </p:cSld>
@@ -5228,258 +3321,6 @@
             <a:fld id="{FE90CCE9-4AAE-4E1F-85AD-521A406D6524}" type="slidenum">
               <a:rPr lang="en-PH" smtClean="0"/>
               <a:t>26</a:t>
-            </a:fld>
-            <a:endParaRPr lang="en-PH"/>
-          </a:p>
-        </p:txBody>
-      </p:sp>
-    </p:spTree>
-    <p:extLst>
-      <p:ext uri="{BB962C8B-B14F-4D97-AF65-F5344CB8AC3E}">
-        <p14:creationId xmlns:p14="http://schemas.microsoft.com/office/powerpoint/2010/main" val="528471659"/>
-      </p:ext>
-    </p:extLst>
-  </p:cSld>
-  <p:clrMapOvr>
-    <a:masterClrMapping/>
-  </p:clrMapOvr>
-</p:notes>
-</file>
-
-<file path=ppt/notesSlides/notesSlide27.xml><?xml version="1.0" encoding="utf-8"?>
-<p:notes xmlns:a="http://schemas.openxmlformats.org/drawingml/2006/main" xmlns:r="http://schemas.openxmlformats.org/officeDocument/2006/relationships" xmlns:p="http://schemas.openxmlformats.org/presentationml/2006/main">
-  <p:cSld>
-    <p:spTree>
-      <p:nvGrpSpPr>
-        <p:cNvPr id="1" name=""/>
-        <p:cNvGrpSpPr/>
-        <p:nvPr/>
-      </p:nvGrpSpPr>
-      <p:grpSpPr>
-        <a:xfrm>
-          <a:off x="0" y="0"/>
-          <a:ext cx="0" cy="0"/>
-          <a:chOff x="0" y="0"/>
-          <a:chExt cx="0" cy="0"/>
-        </a:xfrm>
-      </p:grpSpPr>
-      <p:sp>
-        <p:nvSpPr>
-          <p:cNvPr id="2" name="Slide Image Placeholder 1"/>
-          <p:cNvSpPr>
-            <a:spLocks noGrp="1" noRot="1" noChangeAspect="1"/>
-          </p:cNvSpPr>
-          <p:nvPr>
-            <p:ph type="sldImg"/>
-          </p:nvPr>
-        </p:nvSpPr>
-        <p:spPr/>
-      </p:sp>
-      <p:sp>
-        <p:nvSpPr>
-          <p:cNvPr id="3" name="Notes Placeholder 2"/>
-          <p:cNvSpPr>
-            <a:spLocks noGrp="1"/>
-          </p:cNvSpPr>
-          <p:nvPr>
-            <p:ph type="body" idx="1"/>
-          </p:nvPr>
-        </p:nvSpPr>
-        <p:spPr/>
-        <p:txBody>
-          <a:bodyPr/>
-          <a:lstStyle/>
-          <a:p>
-            <a:endParaRPr lang="en-PH" dirty="0"/>
-          </a:p>
-        </p:txBody>
-      </p:sp>
-      <p:sp>
-        <p:nvSpPr>
-          <p:cNvPr id="4" name="Slide Number Placeholder 3"/>
-          <p:cNvSpPr>
-            <a:spLocks noGrp="1"/>
-          </p:cNvSpPr>
-          <p:nvPr>
-            <p:ph type="sldNum" sz="quarter" idx="5"/>
-          </p:nvPr>
-        </p:nvSpPr>
-        <p:spPr/>
-        <p:txBody>
-          <a:bodyPr/>
-          <a:lstStyle/>
-          <a:p>
-            <a:fld id="{FE90CCE9-4AAE-4E1F-85AD-521A406D6524}" type="slidenum">
-              <a:rPr lang="en-PH" smtClean="0"/>
-              <a:t>27</a:t>
-            </a:fld>
-            <a:endParaRPr lang="en-PH"/>
-          </a:p>
-        </p:txBody>
-      </p:sp>
-    </p:spTree>
-    <p:extLst>
-      <p:ext uri="{BB962C8B-B14F-4D97-AF65-F5344CB8AC3E}">
-        <p14:creationId xmlns:p14="http://schemas.microsoft.com/office/powerpoint/2010/main" val="2107455783"/>
-      </p:ext>
-    </p:extLst>
-  </p:cSld>
-  <p:clrMapOvr>
-    <a:masterClrMapping/>
-  </p:clrMapOvr>
-</p:notes>
-</file>
-
-<file path=ppt/notesSlides/notesSlide28.xml><?xml version="1.0" encoding="utf-8"?>
-<p:notes xmlns:a="http://schemas.openxmlformats.org/drawingml/2006/main" xmlns:r="http://schemas.openxmlformats.org/officeDocument/2006/relationships" xmlns:p="http://schemas.openxmlformats.org/presentationml/2006/main">
-  <p:cSld>
-    <p:spTree>
-      <p:nvGrpSpPr>
-        <p:cNvPr id="1" name=""/>
-        <p:cNvGrpSpPr/>
-        <p:nvPr/>
-      </p:nvGrpSpPr>
-      <p:grpSpPr>
-        <a:xfrm>
-          <a:off x="0" y="0"/>
-          <a:ext cx="0" cy="0"/>
-          <a:chOff x="0" y="0"/>
-          <a:chExt cx="0" cy="0"/>
-        </a:xfrm>
-      </p:grpSpPr>
-      <p:sp>
-        <p:nvSpPr>
-          <p:cNvPr id="2" name="Slide Image Placeholder 1"/>
-          <p:cNvSpPr>
-            <a:spLocks noGrp="1" noRot="1" noChangeAspect="1"/>
-          </p:cNvSpPr>
-          <p:nvPr>
-            <p:ph type="sldImg"/>
-          </p:nvPr>
-        </p:nvSpPr>
-        <p:spPr/>
-      </p:sp>
-      <p:sp>
-        <p:nvSpPr>
-          <p:cNvPr id="3" name="Notes Placeholder 2"/>
-          <p:cNvSpPr>
-            <a:spLocks noGrp="1"/>
-          </p:cNvSpPr>
-          <p:nvPr>
-            <p:ph type="body" idx="1"/>
-          </p:nvPr>
-        </p:nvSpPr>
-        <p:spPr/>
-        <p:txBody>
-          <a:bodyPr/>
-          <a:lstStyle/>
-          <a:p>
-            <a:endParaRPr lang="en-PH" dirty="0"/>
-          </a:p>
-        </p:txBody>
-      </p:sp>
-      <p:sp>
-        <p:nvSpPr>
-          <p:cNvPr id="4" name="Slide Number Placeholder 3"/>
-          <p:cNvSpPr>
-            <a:spLocks noGrp="1"/>
-          </p:cNvSpPr>
-          <p:nvPr>
-            <p:ph type="sldNum" sz="quarter" idx="5"/>
-          </p:nvPr>
-        </p:nvSpPr>
-        <p:spPr/>
-        <p:txBody>
-          <a:bodyPr/>
-          <a:lstStyle/>
-          <a:p>
-            <a:fld id="{FE90CCE9-4AAE-4E1F-85AD-521A406D6524}" type="slidenum">
-              <a:rPr lang="en-PH" smtClean="0"/>
-              <a:t>28</a:t>
-            </a:fld>
-            <a:endParaRPr lang="en-PH"/>
-          </a:p>
-        </p:txBody>
-      </p:sp>
-    </p:spTree>
-    <p:extLst>
-      <p:ext uri="{BB962C8B-B14F-4D97-AF65-F5344CB8AC3E}">
-        <p14:creationId xmlns:p14="http://schemas.microsoft.com/office/powerpoint/2010/main" val="3073846358"/>
-      </p:ext>
-    </p:extLst>
-  </p:cSld>
-  <p:clrMapOvr>
-    <a:masterClrMapping/>
-  </p:clrMapOvr>
-</p:notes>
-</file>
-
-<file path=ppt/notesSlides/notesSlide29.xml><?xml version="1.0" encoding="utf-8"?>
-<p:notes xmlns:a="http://schemas.openxmlformats.org/drawingml/2006/main" xmlns:r="http://schemas.openxmlformats.org/officeDocument/2006/relationships" xmlns:p="http://schemas.openxmlformats.org/presentationml/2006/main">
-  <p:cSld>
-    <p:spTree>
-      <p:nvGrpSpPr>
-        <p:cNvPr id="1" name=""/>
-        <p:cNvGrpSpPr/>
-        <p:nvPr/>
-      </p:nvGrpSpPr>
-      <p:grpSpPr>
-        <a:xfrm>
-          <a:off x="0" y="0"/>
-          <a:ext cx="0" cy="0"/>
-          <a:chOff x="0" y="0"/>
-          <a:chExt cx="0" cy="0"/>
-        </a:xfrm>
-      </p:grpSpPr>
-      <p:sp>
-        <p:nvSpPr>
-          <p:cNvPr id="2" name="Slide Image Placeholder 1"/>
-          <p:cNvSpPr>
-            <a:spLocks noGrp="1" noRot="1" noChangeAspect="1"/>
-          </p:cNvSpPr>
-          <p:nvPr>
-            <p:ph type="sldImg"/>
-          </p:nvPr>
-        </p:nvSpPr>
-        <p:spPr/>
-      </p:sp>
-      <p:sp>
-        <p:nvSpPr>
-          <p:cNvPr id="3" name="Notes Placeholder 2"/>
-          <p:cNvSpPr>
-            <a:spLocks noGrp="1"/>
-          </p:cNvSpPr>
-          <p:nvPr>
-            <p:ph type="body" idx="1"/>
-          </p:nvPr>
-        </p:nvSpPr>
-        <p:spPr/>
-        <p:txBody>
-          <a:bodyPr/>
-          <a:lstStyle/>
-          <a:p>
-            <a:endParaRPr lang="en-PH" dirty="0"/>
-          </a:p>
-        </p:txBody>
-      </p:sp>
-      <p:sp>
-        <p:nvSpPr>
-          <p:cNvPr id="4" name="Slide Number Placeholder 3"/>
-          <p:cNvSpPr>
-            <a:spLocks noGrp="1"/>
-          </p:cNvSpPr>
-          <p:nvPr>
-            <p:ph type="sldNum" sz="quarter" idx="5"/>
-          </p:nvPr>
-        </p:nvSpPr>
-        <p:spPr/>
-        <p:txBody>
-          <a:bodyPr/>
-          <a:lstStyle/>
-          <a:p>
-            <a:fld id="{FE90CCE9-4AAE-4E1F-85AD-521A406D6524}" type="slidenum">
-              <a:rPr lang="en-PH" smtClean="0"/>
-              <a:t>29</a:t>
             </a:fld>
             <a:endParaRPr lang="en-PH"/>
           </a:p>
@@ -10113,21 +7954,16 @@
           <a:prstGeom prst="ellipse">
             <a:avLst/>
           </a:prstGeom>
-          <a:solidFill>
-            <a:srgbClr val="FF0000"/>
-          </a:solidFill>
         </p:spPr>
         <p:style>
-          <a:lnRef idx="2">
-            <a:schemeClr val="accent1">
-              <a:shade val="15000"/>
-            </a:schemeClr>
+          <a:lnRef idx="0">
+            <a:schemeClr val="accent6"/>
           </a:lnRef>
-          <a:fillRef idx="1">
-            <a:schemeClr val="accent1"/>
+          <a:fillRef idx="3">
+            <a:schemeClr val="accent6"/>
           </a:fillRef>
-          <a:effectRef idx="0">
-            <a:schemeClr val="accent1"/>
+          <a:effectRef idx="3">
+            <a:schemeClr val="accent6"/>
           </a:effectRef>
           <a:fontRef idx="minor">
             <a:schemeClr val="lt1"/>
@@ -10162,21 +7998,16 @@
           <a:prstGeom prst="ellipse">
             <a:avLst/>
           </a:prstGeom>
-          <a:solidFill>
-            <a:srgbClr val="FF0000"/>
-          </a:solidFill>
         </p:spPr>
         <p:style>
-          <a:lnRef idx="2">
-            <a:schemeClr val="accent1">
-              <a:shade val="15000"/>
-            </a:schemeClr>
+          <a:lnRef idx="0">
+            <a:schemeClr val="accent6"/>
           </a:lnRef>
-          <a:fillRef idx="1">
-            <a:schemeClr val="accent1"/>
+          <a:fillRef idx="3">
+            <a:schemeClr val="accent6"/>
           </a:fillRef>
-          <a:effectRef idx="0">
-            <a:schemeClr val="accent1"/>
+          <a:effectRef idx="3">
+            <a:schemeClr val="accent6"/>
           </a:effectRef>
           <a:fontRef idx="minor">
             <a:schemeClr val="lt1"/>
@@ -10211,21 +8042,16 @@
           <a:prstGeom prst="ellipse">
             <a:avLst/>
           </a:prstGeom>
-          <a:solidFill>
-            <a:srgbClr val="FF0000"/>
-          </a:solidFill>
         </p:spPr>
         <p:style>
-          <a:lnRef idx="2">
-            <a:schemeClr val="accent1">
-              <a:shade val="15000"/>
-            </a:schemeClr>
+          <a:lnRef idx="0">
+            <a:schemeClr val="accent6"/>
           </a:lnRef>
-          <a:fillRef idx="1">
-            <a:schemeClr val="accent1"/>
+          <a:fillRef idx="3">
+            <a:schemeClr val="accent6"/>
           </a:fillRef>
-          <a:effectRef idx="0">
-            <a:schemeClr val="accent1"/>
+          <a:effectRef idx="3">
+            <a:schemeClr val="accent6"/>
           </a:effectRef>
           <a:fontRef idx="minor">
             <a:schemeClr val="lt1"/>
@@ -11790,21 +9616,16 @@
           <a:prstGeom prst="ellipse">
             <a:avLst/>
           </a:prstGeom>
-          <a:solidFill>
-            <a:srgbClr val="FF0000"/>
-          </a:solidFill>
         </p:spPr>
         <p:style>
-          <a:lnRef idx="2">
-            <a:schemeClr val="accent1">
-              <a:shade val="15000"/>
-            </a:schemeClr>
+          <a:lnRef idx="0">
+            <a:schemeClr val="accent6"/>
           </a:lnRef>
-          <a:fillRef idx="1">
-            <a:schemeClr val="accent1"/>
+          <a:fillRef idx="3">
+            <a:schemeClr val="accent6"/>
           </a:fillRef>
-          <a:effectRef idx="0">
-            <a:schemeClr val="accent1"/>
+          <a:effectRef idx="3">
+            <a:schemeClr val="accent6"/>
           </a:effectRef>
           <a:fontRef idx="minor">
             <a:schemeClr val="lt1"/>
@@ -11839,21 +9660,16 @@
           <a:prstGeom prst="ellipse">
             <a:avLst/>
           </a:prstGeom>
-          <a:solidFill>
-            <a:srgbClr val="FF0000"/>
-          </a:solidFill>
         </p:spPr>
         <p:style>
-          <a:lnRef idx="2">
-            <a:schemeClr val="accent1">
-              <a:shade val="15000"/>
-            </a:schemeClr>
+          <a:lnRef idx="0">
+            <a:schemeClr val="accent6"/>
           </a:lnRef>
-          <a:fillRef idx="1">
-            <a:schemeClr val="accent1"/>
+          <a:fillRef idx="3">
+            <a:schemeClr val="accent6"/>
           </a:fillRef>
-          <a:effectRef idx="0">
-            <a:schemeClr val="accent1"/>
+          <a:effectRef idx="3">
+            <a:schemeClr val="accent6"/>
           </a:effectRef>
           <a:fontRef idx="minor">
             <a:schemeClr val="lt1"/>
@@ -11888,21 +9704,16 @@
           <a:prstGeom prst="ellipse">
             <a:avLst/>
           </a:prstGeom>
-          <a:solidFill>
-            <a:srgbClr val="FF0000"/>
-          </a:solidFill>
         </p:spPr>
         <p:style>
-          <a:lnRef idx="2">
-            <a:schemeClr val="accent1">
-              <a:shade val="15000"/>
-            </a:schemeClr>
+          <a:lnRef idx="0">
+            <a:schemeClr val="accent6"/>
           </a:lnRef>
-          <a:fillRef idx="1">
-            <a:schemeClr val="accent1"/>
+          <a:fillRef idx="3">
+            <a:schemeClr val="accent6"/>
           </a:fillRef>
-          <a:effectRef idx="0">
-            <a:schemeClr val="accent1"/>
+          <a:effectRef idx="3">
+            <a:schemeClr val="accent6"/>
           </a:effectRef>
           <a:fontRef idx="minor">
             <a:schemeClr val="lt1"/>
@@ -13352,21 +11163,16 @@
           <a:prstGeom prst="ellipse">
             <a:avLst/>
           </a:prstGeom>
-          <a:solidFill>
-            <a:srgbClr val="FF0000"/>
-          </a:solidFill>
         </p:spPr>
         <p:style>
-          <a:lnRef idx="2">
-            <a:schemeClr val="accent1">
-              <a:shade val="15000"/>
-            </a:schemeClr>
+          <a:lnRef idx="0">
+            <a:schemeClr val="accent6"/>
           </a:lnRef>
-          <a:fillRef idx="1">
-            <a:schemeClr val="accent1"/>
+          <a:fillRef idx="3">
+            <a:schemeClr val="accent6"/>
           </a:fillRef>
-          <a:effectRef idx="0">
-            <a:schemeClr val="accent1"/>
+          <a:effectRef idx="3">
+            <a:schemeClr val="accent6"/>
           </a:effectRef>
           <a:fontRef idx="minor">
             <a:schemeClr val="lt1"/>
@@ -13401,21 +11207,16 @@
           <a:prstGeom prst="ellipse">
             <a:avLst/>
           </a:prstGeom>
-          <a:solidFill>
-            <a:srgbClr val="FF0000"/>
-          </a:solidFill>
         </p:spPr>
         <p:style>
-          <a:lnRef idx="2">
-            <a:schemeClr val="accent1">
-              <a:shade val="15000"/>
-            </a:schemeClr>
+          <a:lnRef idx="0">
+            <a:schemeClr val="accent6"/>
           </a:lnRef>
-          <a:fillRef idx="1">
-            <a:schemeClr val="accent1"/>
+          <a:fillRef idx="3">
+            <a:schemeClr val="accent6"/>
           </a:fillRef>
-          <a:effectRef idx="0">
-            <a:schemeClr val="accent1"/>
+          <a:effectRef idx="3">
+            <a:schemeClr val="accent6"/>
           </a:effectRef>
           <a:fontRef idx="minor">
             <a:schemeClr val="lt1"/>
@@ -13450,21 +11251,16 @@
           <a:prstGeom prst="ellipse">
             <a:avLst/>
           </a:prstGeom>
-          <a:solidFill>
-            <a:srgbClr val="FF0000"/>
-          </a:solidFill>
         </p:spPr>
         <p:style>
-          <a:lnRef idx="2">
-            <a:schemeClr val="accent1">
-              <a:shade val="15000"/>
-            </a:schemeClr>
+          <a:lnRef idx="0">
+            <a:schemeClr val="accent6"/>
           </a:lnRef>
-          <a:fillRef idx="1">
-            <a:schemeClr val="accent1"/>
+          <a:fillRef idx="3">
+            <a:schemeClr val="accent6"/>
           </a:fillRef>
-          <a:effectRef idx="0">
-            <a:schemeClr val="accent1"/>
+          <a:effectRef idx="3">
+            <a:schemeClr val="accent6"/>
           </a:effectRef>
           <a:fontRef idx="minor">
             <a:schemeClr val="lt1"/>
@@ -15462,21 +13258,16 @@
               <a:prstGeom prst="ellipse">
                 <a:avLst/>
               </a:prstGeom>
-              <a:solidFill>
-                <a:srgbClr val="FF0000"/>
-              </a:solidFill>
             </p:spPr>
             <p:style>
-              <a:lnRef idx="2">
-                <a:schemeClr val="accent1">
-                  <a:shade val="15000"/>
-                </a:schemeClr>
+              <a:lnRef idx="0">
+                <a:schemeClr val="accent6"/>
               </a:lnRef>
-              <a:fillRef idx="1">
-                <a:schemeClr val="accent1"/>
+              <a:fillRef idx="3">
+                <a:schemeClr val="accent6"/>
               </a:fillRef>
-              <a:effectRef idx="0">
-                <a:schemeClr val="accent1"/>
+              <a:effectRef idx="3">
+                <a:schemeClr val="accent6"/>
               </a:effectRef>
               <a:fontRef idx="minor">
                 <a:schemeClr val="lt1"/>
@@ -15511,21 +13302,16 @@
               <a:prstGeom prst="ellipse">
                 <a:avLst/>
               </a:prstGeom>
-              <a:solidFill>
-                <a:srgbClr val="FF0000"/>
-              </a:solidFill>
             </p:spPr>
             <p:style>
-              <a:lnRef idx="2">
-                <a:schemeClr val="accent1">
-                  <a:shade val="15000"/>
-                </a:schemeClr>
+              <a:lnRef idx="0">
+                <a:schemeClr val="accent6"/>
               </a:lnRef>
-              <a:fillRef idx="1">
-                <a:schemeClr val="accent1"/>
+              <a:fillRef idx="3">
+                <a:schemeClr val="accent6"/>
               </a:fillRef>
-              <a:effectRef idx="0">
-                <a:schemeClr val="accent1"/>
+              <a:effectRef idx="3">
+                <a:schemeClr val="accent6"/>
               </a:effectRef>
               <a:fontRef idx="minor">
                 <a:schemeClr val="lt1"/>
@@ -15560,21 +13346,16 @@
               <a:prstGeom prst="ellipse">
                 <a:avLst/>
               </a:prstGeom>
-              <a:solidFill>
-                <a:srgbClr val="FF0000"/>
-              </a:solidFill>
             </p:spPr>
             <p:style>
-              <a:lnRef idx="2">
-                <a:schemeClr val="accent1">
-                  <a:shade val="15000"/>
-                </a:schemeClr>
+              <a:lnRef idx="0">
+                <a:schemeClr val="accent6"/>
               </a:lnRef>
-              <a:fillRef idx="1">
-                <a:schemeClr val="accent1"/>
+              <a:fillRef idx="3">
+                <a:schemeClr val="accent6"/>
               </a:fillRef>
-              <a:effectRef idx="0">
-                <a:schemeClr val="accent1"/>
+              <a:effectRef idx="3">
+                <a:schemeClr val="accent6"/>
               </a:effectRef>
               <a:fontRef idx="minor">
                 <a:schemeClr val="lt1"/>
@@ -17264,21 +15045,16 @@
               <a:prstGeom prst="ellipse">
                 <a:avLst/>
               </a:prstGeom>
-              <a:solidFill>
-                <a:srgbClr val="FF0000"/>
-              </a:solidFill>
             </p:spPr>
             <p:style>
-              <a:lnRef idx="2">
-                <a:schemeClr val="accent1">
-                  <a:shade val="15000"/>
-                </a:schemeClr>
+              <a:lnRef idx="0">
+                <a:schemeClr val="accent6"/>
               </a:lnRef>
-              <a:fillRef idx="1">
-                <a:schemeClr val="accent1"/>
+              <a:fillRef idx="3">
+                <a:schemeClr val="accent6"/>
               </a:fillRef>
-              <a:effectRef idx="0">
-                <a:schemeClr val="accent1"/>
+              <a:effectRef idx="3">
+                <a:schemeClr val="accent6"/>
               </a:effectRef>
               <a:fontRef idx="minor">
                 <a:schemeClr val="lt1"/>
@@ -17313,21 +15089,16 @@
               <a:prstGeom prst="ellipse">
                 <a:avLst/>
               </a:prstGeom>
-              <a:solidFill>
-                <a:srgbClr val="FF0000"/>
-              </a:solidFill>
             </p:spPr>
             <p:style>
-              <a:lnRef idx="2">
-                <a:schemeClr val="accent1">
-                  <a:shade val="15000"/>
-                </a:schemeClr>
+              <a:lnRef idx="0">
+                <a:schemeClr val="accent6"/>
               </a:lnRef>
-              <a:fillRef idx="1">
-                <a:schemeClr val="accent1"/>
+              <a:fillRef idx="3">
+                <a:schemeClr val="accent6"/>
               </a:fillRef>
-              <a:effectRef idx="0">
-                <a:schemeClr val="accent1"/>
+              <a:effectRef idx="3">
+                <a:schemeClr val="accent6"/>
               </a:effectRef>
               <a:fontRef idx="minor">
                 <a:schemeClr val="lt1"/>
@@ -17362,21 +15133,16 @@
               <a:prstGeom prst="ellipse">
                 <a:avLst/>
               </a:prstGeom>
-              <a:solidFill>
-                <a:srgbClr val="FF0000"/>
-              </a:solidFill>
             </p:spPr>
             <p:style>
-              <a:lnRef idx="2">
-                <a:schemeClr val="accent1">
-                  <a:shade val="15000"/>
-                </a:schemeClr>
+              <a:lnRef idx="0">
+                <a:schemeClr val="accent6"/>
               </a:lnRef>
-              <a:fillRef idx="1">
-                <a:schemeClr val="accent1"/>
+              <a:fillRef idx="3">
+                <a:schemeClr val="accent6"/>
               </a:fillRef>
-              <a:effectRef idx="0">
-                <a:schemeClr val="accent1"/>
+              <a:effectRef idx="3">
+                <a:schemeClr val="accent6"/>
               </a:effectRef>
               <a:fontRef idx="minor">
                 <a:schemeClr val="lt1"/>
@@ -19039,21 +16805,16 @@
               <a:prstGeom prst="ellipse">
                 <a:avLst/>
               </a:prstGeom>
-              <a:solidFill>
-                <a:srgbClr val="FF0000"/>
-              </a:solidFill>
             </p:spPr>
             <p:style>
-              <a:lnRef idx="2">
-                <a:schemeClr val="accent1">
-                  <a:shade val="15000"/>
-                </a:schemeClr>
+              <a:lnRef idx="0">
+                <a:schemeClr val="accent6"/>
               </a:lnRef>
-              <a:fillRef idx="1">
-                <a:schemeClr val="accent1"/>
+              <a:fillRef idx="3">
+                <a:schemeClr val="accent6"/>
               </a:fillRef>
-              <a:effectRef idx="0">
-                <a:schemeClr val="accent1"/>
+              <a:effectRef idx="3">
+                <a:schemeClr val="accent6"/>
               </a:effectRef>
               <a:fontRef idx="minor">
                 <a:schemeClr val="lt1"/>
@@ -19088,21 +16849,16 @@
               <a:prstGeom prst="ellipse">
                 <a:avLst/>
               </a:prstGeom>
-              <a:solidFill>
-                <a:srgbClr val="FF0000"/>
-              </a:solidFill>
             </p:spPr>
             <p:style>
-              <a:lnRef idx="2">
-                <a:schemeClr val="accent1">
-                  <a:shade val="15000"/>
-                </a:schemeClr>
+              <a:lnRef idx="0">
+                <a:schemeClr val="accent6"/>
               </a:lnRef>
-              <a:fillRef idx="1">
-                <a:schemeClr val="accent1"/>
+              <a:fillRef idx="3">
+                <a:schemeClr val="accent6"/>
               </a:fillRef>
-              <a:effectRef idx="0">
-                <a:schemeClr val="accent1"/>
+              <a:effectRef idx="3">
+                <a:schemeClr val="accent6"/>
               </a:effectRef>
               <a:fontRef idx="minor">
                 <a:schemeClr val="lt1"/>
@@ -19137,21 +16893,16 @@
               <a:prstGeom prst="ellipse">
                 <a:avLst/>
               </a:prstGeom>
-              <a:solidFill>
-                <a:srgbClr val="FF0000"/>
-              </a:solidFill>
             </p:spPr>
             <p:style>
-              <a:lnRef idx="2">
-                <a:schemeClr val="accent1">
-                  <a:shade val="15000"/>
-                </a:schemeClr>
+              <a:lnRef idx="0">
+                <a:schemeClr val="accent6"/>
               </a:lnRef>
-              <a:fillRef idx="1">
-                <a:schemeClr val="accent1"/>
+              <a:fillRef idx="3">
+                <a:schemeClr val="accent6"/>
               </a:fillRef>
-              <a:effectRef idx="0">
-                <a:schemeClr val="accent1"/>
+              <a:effectRef idx="3">
+                <a:schemeClr val="accent6"/>
               </a:effectRef>
               <a:fontRef idx="minor">
                 <a:schemeClr val="lt1"/>
@@ -20548,21 +18299,16 @@
               <a:prstGeom prst="ellipse">
                 <a:avLst/>
               </a:prstGeom>
-              <a:solidFill>
-                <a:srgbClr val="FF0000"/>
-              </a:solidFill>
             </p:spPr>
             <p:style>
-              <a:lnRef idx="2">
-                <a:schemeClr val="accent1">
-                  <a:shade val="15000"/>
-                </a:schemeClr>
+              <a:lnRef idx="0">
+                <a:schemeClr val="accent6"/>
               </a:lnRef>
-              <a:fillRef idx="1">
-                <a:schemeClr val="accent1"/>
+              <a:fillRef idx="3">
+                <a:schemeClr val="accent6"/>
               </a:fillRef>
-              <a:effectRef idx="0">
-                <a:schemeClr val="accent1"/>
+              <a:effectRef idx="3">
+                <a:schemeClr val="accent6"/>
               </a:effectRef>
               <a:fontRef idx="minor">
                 <a:schemeClr val="lt1"/>
@@ -20597,21 +18343,16 @@
               <a:prstGeom prst="ellipse">
                 <a:avLst/>
               </a:prstGeom>
-              <a:solidFill>
-                <a:srgbClr val="FF0000"/>
-              </a:solidFill>
             </p:spPr>
             <p:style>
-              <a:lnRef idx="2">
-                <a:schemeClr val="accent1">
-                  <a:shade val="15000"/>
-                </a:schemeClr>
+              <a:lnRef idx="0">
+                <a:schemeClr val="accent6"/>
               </a:lnRef>
-              <a:fillRef idx="1">
-                <a:schemeClr val="accent1"/>
+              <a:fillRef idx="3">
+                <a:schemeClr val="accent6"/>
               </a:fillRef>
-              <a:effectRef idx="0">
-                <a:schemeClr val="accent1"/>
+              <a:effectRef idx="3">
+                <a:schemeClr val="accent6"/>
               </a:effectRef>
               <a:fontRef idx="minor">
                 <a:schemeClr val="lt1"/>
@@ -20646,21 +18387,16 @@
               <a:prstGeom prst="ellipse">
                 <a:avLst/>
               </a:prstGeom>
-              <a:solidFill>
-                <a:srgbClr val="FF0000"/>
-              </a:solidFill>
             </p:spPr>
             <p:style>
-              <a:lnRef idx="2">
-                <a:schemeClr val="accent1">
-                  <a:shade val="15000"/>
-                </a:schemeClr>
+              <a:lnRef idx="0">
+                <a:schemeClr val="accent6"/>
               </a:lnRef>
-              <a:fillRef idx="1">
-                <a:schemeClr val="accent1"/>
+              <a:fillRef idx="3">
+                <a:schemeClr val="accent6"/>
               </a:fillRef>
-              <a:effectRef idx="0">
-                <a:schemeClr val="accent1"/>
+              <a:effectRef idx="3">
+                <a:schemeClr val="accent6"/>
               </a:effectRef>
               <a:fontRef idx="minor">
                 <a:schemeClr val="lt1"/>
@@ -22098,21 +19834,16 @@
               <a:prstGeom prst="ellipse">
                 <a:avLst/>
               </a:prstGeom>
-              <a:solidFill>
-                <a:srgbClr val="FF0000"/>
-              </a:solidFill>
             </p:spPr>
             <p:style>
-              <a:lnRef idx="2">
-                <a:schemeClr val="accent1">
-                  <a:shade val="15000"/>
-                </a:schemeClr>
+              <a:lnRef idx="0">
+                <a:schemeClr val="accent6"/>
               </a:lnRef>
-              <a:fillRef idx="1">
-                <a:schemeClr val="accent1"/>
+              <a:fillRef idx="3">
+                <a:schemeClr val="accent6"/>
               </a:fillRef>
-              <a:effectRef idx="0">
-                <a:schemeClr val="accent1"/>
+              <a:effectRef idx="3">
+                <a:schemeClr val="accent6"/>
               </a:effectRef>
               <a:fontRef idx="minor">
                 <a:schemeClr val="lt1"/>
@@ -22147,21 +19878,16 @@
               <a:prstGeom prst="ellipse">
                 <a:avLst/>
               </a:prstGeom>
-              <a:solidFill>
-                <a:srgbClr val="FF0000"/>
-              </a:solidFill>
             </p:spPr>
             <p:style>
-              <a:lnRef idx="2">
-                <a:schemeClr val="accent1">
-                  <a:shade val="15000"/>
-                </a:schemeClr>
+              <a:lnRef idx="0">
+                <a:schemeClr val="accent6"/>
               </a:lnRef>
-              <a:fillRef idx="1">
-                <a:schemeClr val="accent1"/>
+              <a:fillRef idx="3">
+                <a:schemeClr val="accent6"/>
               </a:fillRef>
-              <a:effectRef idx="0">
-                <a:schemeClr val="accent1"/>
+              <a:effectRef idx="3">
+                <a:schemeClr val="accent6"/>
               </a:effectRef>
               <a:fontRef idx="minor">
                 <a:schemeClr val="lt1"/>
@@ -22196,21 +19922,16 @@
               <a:prstGeom prst="ellipse">
                 <a:avLst/>
               </a:prstGeom>
-              <a:solidFill>
-                <a:srgbClr val="FF0000"/>
-              </a:solidFill>
             </p:spPr>
             <p:style>
-              <a:lnRef idx="2">
-                <a:schemeClr val="accent1">
-                  <a:shade val="15000"/>
-                </a:schemeClr>
+              <a:lnRef idx="0">
+                <a:schemeClr val="accent6"/>
               </a:lnRef>
-              <a:fillRef idx="1">
-                <a:schemeClr val="accent1"/>
+              <a:fillRef idx="3">
+                <a:schemeClr val="accent6"/>
               </a:fillRef>
-              <a:effectRef idx="0">
-                <a:schemeClr val="accent1"/>
+              <a:effectRef idx="3">
+                <a:schemeClr val="accent6"/>
               </a:effectRef>
               <a:fontRef idx="minor">
                 <a:schemeClr val="lt1"/>
@@ -23612,21 +21333,16 @@
               <a:prstGeom prst="ellipse">
                 <a:avLst/>
               </a:prstGeom>
-              <a:solidFill>
-                <a:srgbClr val="FF0000"/>
-              </a:solidFill>
             </p:spPr>
             <p:style>
-              <a:lnRef idx="2">
-                <a:schemeClr val="accent1">
-                  <a:shade val="15000"/>
-                </a:schemeClr>
+              <a:lnRef idx="0">
+                <a:schemeClr val="accent6"/>
               </a:lnRef>
-              <a:fillRef idx="1">
-                <a:schemeClr val="accent1"/>
+              <a:fillRef idx="3">
+                <a:schemeClr val="accent6"/>
               </a:fillRef>
-              <a:effectRef idx="0">
-                <a:schemeClr val="accent1"/>
+              <a:effectRef idx="3">
+                <a:schemeClr val="accent6"/>
               </a:effectRef>
               <a:fontRef idx="minor">
                 <a:schemeClr val="lt1"/>
@@ -23661,21 +21377,16 @@
               <a:prstGeom prst="ellipse">
                 <a:avLst/>
               </a:prstGeom>
-              <a:solidFill>
-                <a:srgbClr val="FF0000"/>
-              </a:solidFill>
             </p:spPr>
             <p:style>
-              <a:lnRef idx="2">
-                <a:schemeClr val="accent1">
-                  <a:shade val="15000"/>
-                </a:schemeClr>
+              <a:lnRef idx="0">
+                <a:schemeClr val="accent6"/>
               </a:lnRef>
-              <a:fillRef idx="1">
-                <a:schemeClr val="accent1"/>
+              <a:fillRef idx="3">
+                <a:schemeClr val="accent6"/>
               </a:fillRef>
-              <a:effectRef idx="0">
-                <a:schemeClr val="accent1"/>
+              <a:effectRef idx="3">
+                <a:schemeClr val="accent6"/>
               </a:effectRef>
               <a:fontRef idx="minor">
                 <a:schemeClr val="lt1"/>
@@ -23710,21 +21421,16 @@
               <a:prstGeom prst="ellipse">
                 <a:avLst/>
               </a:prstGeom>
-              <a:solidFill>
-                <a:srgbClr val="FF0000"/>
-              </a:solidFill>
             </p:spPr>
             <p:style>
-              <a:lnRef idx="2">
-                <a:schemeClr val="accent1">
-                  <a:shade val="15000"/>
-                </a:schemeClr>
+              <a:lnRef idx="0">
+                <a:schemeClr val="accent6"/>
               </a:lnRef>
-              <a:fillRef idx="1">
-                <a:schemeClr val="accent1"/>
+              <a:fillRef idx="3">
+                <a:schemeClr val="accent6"/>
               </a:fillRef>
-              <a:effectRef idx="0">
-                <a:schemeClr val="accent1"/>
+              <a:effectRef idx="3">
+                <a:schemeClr val="accent6"/>
               </a:effectRef>
               <a:fontRef idx="minor">
                 <a:schemeClr val="lt1"/>
@@ -25086,21 +22792,16 @@
               <a:prstGeom prst="ellipse">
                 <a:avLst/>
               </a:prstGeom>
-              <a:solidFill>
-                <a:srgbClr val="FF0000"/>
-              </a:solidFill>
             </p:spPr>
             <p:style>
-              <a:lnRef idx="2">
-                <a:schemeClr val="accent1">
-                  <a:shade val="15000"/>
-                </a:schemeClr>
+              <a:lnRef idx="0">
+                <a:schemeClr val="accent6"/>
               </a:lnRef>
-              <a:fillRef idx="1">
-                <a:schemeClr val="accent1"/>
+              <a:fillRef idx="3">
+                <a:schemeClr val="accent6"/>
               </a:fillRef>
-              <a:effectRef idx="0">
-                <a:schemeClr val="accent1"/>
+              <a:effectRef idx="3">
+                <a:schemeClr val="accent6"/>
               </a:effectRef>
               <a:fontRef idx="minor">
                 <a:schemeClr val="lt1"/>
@@ -25135,21 +22836,16 @@
               <a:prstGeom prst="ellipse">
                 <a:avLst/>
               </a:prstGeom>
-              <a:solidFill>
-                <a:srgbClr val="FF0000"/>
-              </a:solidFill>
             </p:spPr>
             <p:style>
-              <a:lnRef idx="2">
-                <a:schemeClr val="accent1">
-                  <a:shade val="15000"/>
-                </a:schemeClr>
+              <a:lnRef idx="0">
+                <a:schemeClr val="accent6"/>
               </a:lnRef>
-              <a:fillRef idx="1">
-                <a:schemeClr val="accent1"/>
+              <a:fillRef idx="3">
+                <a:schemeClr val="accent6"/>
               </a:fillRef>
-              <a:effectRef idx="0">
-                <a:schemeClr val="accent1"/>
+              <a:effectRef idx="3">
+                <a:schemeClr val="accent6"/>
               </a:effectRef>
               <a:fontRef idx="minor">
                 <a:schemeClr val="lt1"/>
@@ -25184,21 +22880,16 @@
               <a:prstGeom prst="ellipse">
                 <a:avLst/>
               </a:prstGeom>
-              <a:solidFill>
-                <a:srgbClr val="FF0000"/>
-              </a:solidFill>
             </p:spPr>
             <p:style>
-              <a:lnRef idx="2">
-                <a:schemeClr val="accent1">
-                  <a:shade val="15000"/>
-                </a:schemeClr>
+              <a:lnRef idx="0">
+                <a:schemeClr val="accent6"/>
               </a:lnRef>
-              <a:fillRef idx="1">
-                <a:schemeClr val="accent1"/>
+              <a:fillRef idx="3">
+                <a:schemeClr val="accent6"/>
               </a:fillRef>
-              <a:effectRef idx="0">
-                <a:schemeClr val="accent1"/>
+              <a:effectRef idx="3">
+                <a:schemeClr val="accent6"/>
               </a:effectRef>
               <a:fontRef idx="minor">
                 <a:schemeClr val="lt1"/>
@@ -28299,21 +25990,16 @@
               <a:prstGeom prst="ellipse">
                 <a:avLst/>
               </a:prstGeom>
-              <a:solidFill>
-                <a:srgbClr val="FF0000"/>
-              </a:solidFill>
             </p:spPr>
             <p:style>
-              <a:lnRef idx="2">
-                <a:schemeClr val="accent1">
-                  <a:shade val="15000"/>
-                </a:schemeClr>
+              <a:lnRef idx="0">
+                <a:schemeClr val="accent6"/>
               </a:lnRef>
-              <a:fillRef idx="1">
-                <a:schemeClr val="accent1"/>
+              <a:fillRef idx="3">
+                <a:schemeClr val="accent6"/>
               </a:fillRef>
-              <a:effectRef idx="0">
-                <a:schemeClr val="accent1"/>
+              <a:effectRef idx="3">
+                <a:schemeClr val="accent6"/>
               </a:effectRef>
               <a:fontRef idx="minor">
                 <a:schemeClr val="lt1"/>
@@ -28348,21 +26034,16 @@
               <a:prstGeom prst="ellipse">
                 <a:avLst/>
               </a:prstGeom>
-              <a:solidFill>
-                <a:srgbClr val="FF0000"/>
-              </a:solidFill>
             </p:spPr>
             <p:style>
-              <a:lnRef idx="2">
-                <a:schemeClr val="accent1">
-                  <a:shade val="15000"/>
-                </a:schemeClr>
+              <a:lnRef idx="0">
+                <a:schemeClr val="accent6"/>
               </a:lnRef>
-              <a:fillRef idx="1">
-                <a:schemeClr val="accent1"/>
+              <a:fillRef idx="3">
+                <a:schemeClr val="accent6"/>
               </a:fillRef>
-              <a:effectRef idx="0">
-                <a:schemeClr val="accent1"/>
+              <a:effectRef idx="3">
+                <a:schemeClr val="accent6"/>
               </a:effectRef>
               <a:fontRef idx="minor">
                 <a:schemeClr val="lt1"/>
@@ -28397,21 +26078,16 @@
               <a:prstGeom prst="ellipse">
                 <a:avLst/>
               </a:prstGeom>
-              <a:solidFill>
-                <a:srgbClr val="FF0000"/>
-              </a:solidFill>
             </p:spPr>
             <p:style>
-              <a:lnRef idx="2">
-                <a:schemeClr val="accent1">
-                  <a:shade val="15000"/>
-                </a:schemeClr>
+              <a:lnRef idx="0">
+                <a:schemeClr val="accent6"/>
               </a:lnRef>
-              <a:fillRef idx="1">
-                <a:schemeClr val="accent1"/>
+              <a:fillRef idx="3">
+                <a:schemeClr val="accent6"/>
               </a:fillRef>
-              <a:effectRef idx="0">
-                <a:schemeClr val="accent1"/>
+              <a:effectRef idx="3">
+                <a:schemeClr val="accent6"/>
               </a:effectRef>
               <a:fontRef idx="minor">
                 <a:schemeClr val="lt1"/>
@@ -29767,21 +27443,16 @@
               <a:prstGeom prst="ellipse">
                 <a:avLst/>
               </a:prstGeom>
-              <a:solidFill>
-                <a:srgbClr val="FF0000"/>
-              </a:solidFill>
             </p:spPr>
             <p:style>
-              <a:lnRef idx="2">
-                <a:schemeClr val="accent1">
-                  <a:shade val="15000"/>
-                </a:schemeClr>
+              <a:lnRef idx="0">
+                <a:schemeClr val="accent6"/>
               </a:lnRef>
-              <a:fillRef idx="1">
-                <a:schemeClr val="accent1"/>
+              <a:fillRef idx="3">
+                <a:schemeClr val="accent6"/>
               </a:fillRef>
-              <a:effectRef idx="0">
-                <a:schemeClr val="accent1"/>
+              <a:effectRef idx="3">
+                <a:schemeClr val="accent6"/>
               </a:effectRef>
               <a:fontRef idx="minor">
                 <a:schemeClr val="lt1"/>
@@ -29816,21 +27487,16 @@
               <a:prstGeom prst="ellipse">
                 <a:avLst/>
               </a:prstGeom>
-              <a:solidFill>
-                <a:srgbClr val="FF0000"/>
-              </a:solidFill>
             </p:spPr>
             <p:style>
-              <a:lnRef idx="2">
-                <a:schemeClr val="accent1">
-                  <a:shade val="15000"/>
-                </a:schemeClr>
+              <a:lnRef idx="0">
+                <a:schemeClr val="accent6"/>
               </a:lnRef>
-              <a:fillRef idx="1">
-                <a:schemeClr val="accent1"/>
+              <a:fillRef idx="3">
+                <a:schemeClr val="accent6"/>
               </a:fillRef>
-              <a:effectRef idx="0">
-                <a:schemeClr val="accent1"/>
+              <a:effectRef idx="3">
+                <a:schemeClr val="accent6"/>
               </a:effectRef>
               <a:fontRef idx="minor">
                 <a:schemeClr val="lt1"/>
@@ -29865,21 +27531,16 @@
               <a:prstGeom prst="ellipse">
                 <a:avLst/>
               </a:prstGeom>
-              <a:solidFill>
-                <a:srgbClr val="FF0000"/>
-              </a:solidFill>
             </p:spPr>
             <p:style>
-              <a:lnRef idx="2">
-                <a:schemeClr val="accent1">
-                  <a:shade val="15000"/>
-                </a:schemeClr>
+              <a:lnRef idx="0">
+                <a:schemeClr val="accent6"/>
               </a:lnRef>
-              <a:fillRef idx="1">
-                <a:schemeClr val="accent1"/>
+              <a:fillRef idx="3">
+                <a:schemeClr val="accent6"/>
               </a:fillRef>
-              <a:effectRef idx="0">
-                <a:schemeClr val="accent1"/>
+              <a:effectRef idx="3">
+                <a:schemeClr val="accent6"/>
               </a:effectRef>
               <a:fontRef idx="minor">
                 <a:schemeClr val="lt1"/>
@@ -30287,563 +27948,7 @@
 </file>
 
 <file path=ppt/slides/slide23.xml><?xml version="1.0" encoding="utf-8"?>
-<p:sld xmlns:a="http://schemas.openxmlformats.org/drawingml/2006/main" xmlns:r="http://schemas.openxmlformats.org/officeDocument/2006/relationships" xmlns:p="http://schemas.openxmlformats.org/presentationml/2006/main" show="0">
-  <p:cSld>
-    <p:bg>
-      <p:bgPr>
-        <a:blipFill dpi="0" rotWithShape="1">
-          <a:blip r:embed="rId3">
-            <a:alphaModFix amt="99000"/>
-            <a:lum/>
-          </a:blip>
-          <a:srcRect/>
-          <a:stretch>
-            <a:fillRect t="89000" r="85000" b="-1000"/>
-          </a:stretch>
-        </a:blipFill>
-        <a:effectLst/>
-      </p:bgPr>
-    </p:bg>
-    <p:spTree>
-      <p:nvGrpSpPr>
-        <p:cNvPr id="1" name=""/>
-        <p:cNvGrpSpPr/>
-        <p:nvPr/>
-      </p:nvGrpSpPr>
-      <p:grpSpPr>
-        <a:xfrm>
-          <a:off x="0" y="0"/>
-          <a:ext cx="0" cy="0"/>
-          <a:chOff x="0" y="0"/>
-          <a:chExt cx="0" cy="0"/>
-        </a:xfrm>
-      </p:grpSpPr>
-      <p:sp>
-        <p:nvSpPr>
-          <p:cNvPr id="4" name="Footer Placeholder 3">
-            <a:extLst>
-              <a:ext uri="{FF2B5EF4-FFF2-40B4-BE49-F238E27FC236}">
-                <a16:creationId xmlns:a16="http://schemas.microsoft.com/office/drawing/2014/main" id="{638E7DE1-45EE-476A-A474-0F3C264AEDA3}"/>
-              </a:ext>
-            </a:extLst>
-          </p:cNvPr>
-          <p:cNvSpPr>
-            <a:spLocks noGrp="1"/>
-          </p:cNvSpPr>
-          <p:nvPr>
-            <p:ph type="ftr" sz="quarter" idx="11"/>
-          </p:nvPr>
-        </p:nvSpPr>
-        <p:spPr>
-          <a:xfrm>
-            <a:off x="0" y="6139541"/>
-            <a:ext cx="12192000" cy="718459"/>
-          </a:xfrm>
-          <a:ln w="28575">
-            <a:solidFill>
-              <a:schemeClr val="accent5">
-                <a:lumMod val="50000"/>
-              </a:schemeClr>
-            </a:solidFill>
-          </a:ln>
-        </p:spPr>
-        <p:txBody>
-          <a:bodyPr/>
-          <a:lstStyle/>
-          <a:p>
-            <a:pPr algn="r"/>
-            <a:r>
-              <a:rPr lang="en-US" b="1">
-                <a:solidFill>
-                  <a:schemeClr val="tx1"/>
-                </a:solidFill>
-              </a:rPr>
-              <a:t>CCMACLRL</a:t>
-            </a:r>
-            <a:endParaRPr lang="en-PH" dirty="0"/>
-          </a:p>
-        </p:txBody>
-      </p:sp>
-      <p:grpSp>
-        <p:nvGrpSpPr>
-          <p:cNvPr id="13" name="Group 12">
-            <a:extLst>
-              <a:ext uri="{FF2B5EF4-FFF2-40B4-BE49-F238E27FC236}">
-                <a16:creationId xmlns:a16="http://schemas.microsoft.com/office/drawing/2014/main" id="{B847FF68-A91B-2306-C28C-39FB0BDFD09F}"/>
-              </a:ext>
-            </a:extLst>
-          </p:cNvPr>
-          <p:cNvGrpSpPr/>
-          <p:nvPr/>
-        </p:nvGrpSpPr>
-        <p:grpSpPr>
-          <a:xfrm>
-            <a:off x="1321714" y="807902"/>
-            <a:ext cx="7420958" cy="5242196"/>
-            <a:chOff x="809914" y="1401319"/>
-            <a:chExt cx="9484577" cy="5737132"/>
-          </a:xfrm>
-        </p:grpSpPr>
-        <p:sp>
-          <p:nvSpPr>
-            <p:cNvPr id="14" name="TextBox 13">
-              <a:extLst>
-                <a:ext uri="{FF2B5EF4-FFF2-40B4-BE49-F238E27FC236}">
-                  <a16:creationId xmlns:a16="http://schemas.microsoft.com/office/drawing/2014/main" id="{084F5374-3AC0-85CA-66C7-F24156C6A0DF}"/>
-                </a:ext>
-              </a:extLst>
-            </p:cNvPr>
-            <p:cNvSpPr txBox="1"/>
-            <p:nvPr/>
-          </p:nvSpPr>
-          <p:spPr>
-            <a:xfrm>
-              <a:off x="4472677" y="6683724"/>
-              <a:ext cx="1310528" cy="454727"/>
-            </a:xfrm>
-            <a:prstGeom prst="rect">
-              <a:avLst/>
-            </a:prstGeom>
-            <a:noFill/>
-          </p:spPr>
-          <p:txBody>
-            <a:bodyPr wrap="square" rtlCol="0">
-              <a:spAutoFit/>
-            </a:bodyPr>
-            <a:lstStyle/>
-            <a:p>
-              <a:r>
-                <a:rPr lang="en-US" sz="2100" b="1" dirty="0">
-                  <a:solidFill>
-                    <a:srgbClr val="FF0000"/>
-                  </a:solidFill>
-                </a:rPr>
-                <a:t>Weight</a:t>
-              </a:r>
-              <a:endParaRPr lang="en-PH" sz="2100" b="1" dirty="0">
-                <a:solidFill>
-                  <a:srgbClr val="FF0000"/>
-                </a:solidFill>
-              </a:endParaRPr>
-            </a:p>
-          </p:txBody>
-        </p:sp>
-        <p:sp>
-          <p:nvSpPr>
-            <p:cNvPr id="15" name="TextBox 14">
-              <a:extLst>
-                <a:ext uri="{FF2B5EF4-FFF2-40B4-BE49-F238E27FC236}">
-                  <a16:creationId xmlns:a16="http://schemas.microsoft.com/office/drawing/2014/main" id="{7F0357A3-6E68-1E80-AB92-3D9150586F47}"/>
-                </a:ext>
-              </a:extLst>
-            </p:cNvPr>
-            <p:cNvSpPr txBox="1"/>
-            <p:nvPr/>
-          </p:nvSpPr>
-          <p:spPr>
-            <a:xfrm rot="16200000">
-              <a:off x="-1089327" y="3607646"/>
-              <a:ext cx="4329522" cy="531040"/>
-            </a:xfrm>
-            <a:prstGeom prst="rect">
-              <a:avLst/>
-            </a:prstGeom>
-            <a:noFill/>
-          </p:spPr>
-          <p:txBody>
-            <a:bodyPr wrap="none" rtlCol="0">
-              <a:spAutoFit/>
-            </a:bodyPr>
-            <a:lstStyle/>
-            <a:p>
-              <a:r>
-                <a:rPr lang="en-US" sz="2100" b="1" dirty="0">
-                  <a:solidFill>
-                    <a:srgbClr val="00B050"/>
-                  </a:solidFill>
-                </a:rPr>
-                <a:t>Probability of passing an exam (Y)</a:t>
-              </a:r>
-              <a:endParaRPr lang="en-PH" sz="2100" b="1" dirty="0">
-                <a:solidFill>
-                  <a:srgbClr val="00B050"/>
-                </a:solidFill>
-              </a:endParaRPr>
-            </a:p>
-          </p:txBody>
-        </p:sp>
-        <p:graphicFrame>
-          <p:nvGraphicFramePr>
-            <p:cNvPr id="16" name="Chart 15">
-              <a:extLst>
-                <a:ext uri="{FF2B5EF4-FFF2-40B4-BE49-F238E27FC236}">
-                  <a16:creationId xmlns:a16="http://schemas.microsoft.com/office/drawing/2014/main" id="{614BDE44-E08A-A944-79A7-498D41D8F800}"/>
-                </a:ext>
-              </a:extLst>
-            </p:cNvPr>
-            <p:cNvGraphicFramePr/>
-            <p:nvPr/>
-          </p:nvGraphicFramePr>
-          <p:xfrm>
-            <a:off x="1485680" y="1401319"/>
-            <a:ext cx="8808811" cy="5282405"/>
-          </p:xfrm>
-          <a:graphic>
-            <a:graphicData uri="http://schemas.openxmlformats.org/drawingml/2006/chart">
-              <c:chart xmlns:c="http://schemas.openxmlformats.org/drawingml/2006/chart" xmlns:r="http://schemas.openxmlformats.org/officeDocument/2006/relationships" r:id="rId4"/>
-            </a:graphicData>
-          </a:graphic>
-        </p:graphicFrame>
-      </p:grpSp>
-    </p:spTree>
-    <p:extLst>
-      <p:ext uri="{BB962C8B-B14F-4D97-AF65-F5344CB8AC3E}">
-        <p14:creationId xmlns:p14="http://schemas.microsoft.com/office/powerpoint/2010/main" val="3723630269"/>
-      </p:ext>
-    </p:extLst>
-  </p:cSld>
-  <p:clrMapOvr>
-    <a:masterClrMapping/>
-  </p:clrMapOvr>
-</p:sld>
-</file>
-
-<file path=ppt/slides/slide24.xml><?xml version="1.0" encoding="utf-8"?>
-<p:sld xmlns:a="http://schemas.openxmlformats.org/drawingml/2006/main" xmlns:r="http://schemas.openxmlformats.org/officeDocument/2006/relationships" xmlns:p="http://schemas.openxmlformats.org/presentationml/2006/main" show="0">
-  <p:cSld>
-    <p:bg>
-      <p:bgPr>
-        <a:blipFill dpi="0" rotWithShape="1">
-          <a:blip r:embed="rId3">
-            <a:alphaModFix amt="99000"/>
-            <a:lum/>
-          </a:blip>
-          <a:srcRect/>
-          <a:stretch>
-            <a:fillRect t="89000" r="85000" b="-1000"/>
-          </a:stretch>
-        </a:blipFill>
-        <a:effectLst/>
-      </p:bgPr>
-    </p:bg>
-    <p:spTree>
-      <p:nvGrpSpPr>
-        <p:cNvPr id="1" name=""/>
-        <p:cNvGrpSpPr/>
-        <p:nvPr/>
-      </p:nvGrpSpPr>
-      <p:grpSpPr>
-        <a:xfrm>
-          <a:off x="0" y="0"/>
-          <a:ext cx="0" cy="0"/>
-          <a:chOff x="0" y="0"/>
-          <a:chExt cx="0" cy="0"/>
-        </a:xfrm>
-      </p:grpSpPr>
-      <p:sp>
-        <p:nvSpPr>
-          <p:cNvPr id="4" name="Footer Placeholder 3">
-            <a:extLst>
-              <a:ext uri="{FF2B5EF4-FFF2-40B4-BE49-F238E27FC236}">
-                <a16:creationId xmlns:a16="http://schemas.microsoft.com/office/drawing/2014/main" id="{638E7DE1-45EE-476A-A474-0F3C264AEDA3}"/>
-              </a:ext>
-            </a:extLst>
-          </p:cNvPr>
-          <p:cNvSpPr>
-            <a:spLocks noGrp="1"/>
-          </p:cNvSpPr>
-          <p:nvPr>
-            <p:ph type="ftr" sz="quarter" idx="11"/>
-          </p:nvPr>
-        </p:nvSpPr>
-        <p:spPr>
-          <a:xfrm>
-            <a:off x="0" y="6139541"/>
-            <a:ext cx="12192000" cy="718459"/>
-          </a:xfrm>
-          <a:ln w="28575">
-            <a:solidFill>
-              <a:schemeClr val="accent5">
-                <a:lumMod val="50000"/>
-              </a:schemeClr>
-            </a:solidFill>
-          </a:ln>
-        </p:spPr>
-        <p:txBody>
-          <a:bodyPr/>
-          <a:lstStyle/>
-          <a:p>
-            <a:pPr algn="r"/>
-            <a:r>
-              <a:rPr lang="en-US" b="1">
-                <a:solidFill>
-                  <a:schemeClr val="tx1"/>
-                </a:solidFill>
-              </a:rPr>
-              <a:t>CCMACLRL</a:t>
-            </a:r>
-            <a:endParaRPr lang="en-PH" dirty="0"/>
-          </a:p>
-        </p:txBody>
-      </p:sp>
-      <p:grpSp>
-        <p:nvGrpSpPr>
-          <p:cNvPr id="10" name="Group 9">
-            <a:extLst>
-              <a:ext uri="{FF2B5EF4-FFF2-40B4-BE49-F238E27FC236}">
-                <a16:creationId xmlns:a16="http://schemas.microsoft.com/office/drawing/2014/main" id="{177388A9-A3FA-A7FF-D04A-11C3D55A6DAD}"/>
-              </a:ext>
-            </a:extLst>
-          </p:cNvPr>
-          <p:cNvGrpSpPr/>
-          <p:nvPr/>
-        </p:nvGrpSpPr>
-        <p:grpSpPr>
-          <a:xfrm>
-            <a:off x="1321714" y="807902"/>
-            <a:ext cx="9548571" cy="5242196"/>
-            <a:chOff x="1688250" y="363071"/>
-            <a:chExt cx="9548571" cy="5242196"/>
-          </a:xfrm>
-        </p:grpSpPr>
-        <p:grpSp>
-          <p:nvGrpSpPr>
-            <p:cNvPr id="13" name="Group 12">
-              <a:extLst>
-                <a:ext uri="{FF2B5EF4-FFF2-40B4-BE49-F238E27FC236}">
-                  <a16:creationId xmlns:a16="http://schemas.microsoft.com/office/drawing/2014/main" id="{B847FF68-A91B-2306-C28C-39FB0BDFD09F}"/>
-                </a:ext>
-              </a:extLst>
-            </p:cNvPr>
-            <p:cNvGrpSpPr/>
-            <p:nvPr/>
-          </p:nvGrpSpPr>
-          <p:grpSpPr>
-            <a:xfrm>
-              <a:off x="1688250" y="363071"/>
-              <a:ext cx="7420958" cy="5242196"/>
-              <a:chOff x="809914" y="1401319"/>
-              <a:chExt cx="9484577" cy="5737132"/>
-            </a:xfrm>
-          </p:grpSpPr>
-          <p:sp>
-            <p:nvSpPr>
-              <p:cNvPr id="14" name="TextBox 13">
-                <a:extLst>
-                  <a:ext uri="{FF2B5EF4-FFF2-40B4-BE49-F238E27FC236}">
-                    <a16:creationId xmlns:a16="http://schemas.microsoft.com/office/drawing/2014/main" id="{084F5374-3AC0-85CA-66C7-F24156C6A0DF}"/>
-                  </a:ext>
-                </a:extLst>
-              </p:cNvPr>
-              <p:cNvSpPr txBox="1"/>
-              <p:nvPr/>
-            </p:nvSpPr>
-            <p:spPr>
-              <a:xfrm>
-                <a:off x="4472677" y="6683724"/>
-                <a:ext cx="1310528" cy="454727"/>
-              </a:xfrm>
-              <a:prstGeom prst="rect">
-                <a:avLst/>
-              </a:prstGeom>
-              <a:noFill/>
-            </p:spPr>
-            <p:txBody>
-              <a:bodyPr wrap="square" rtlCol="0">
-                <a:spAutoFit/>
-              </a:bodyPr>
-              <a:lstStyle/>
-              <a:p>
-                <a:r>
-                  <a:rPr lang="en-US" sz="2100" b="1" dirty="0">
-                    <a:solidFill>
-                      <a:srgbClr val="FF0000"/>
-                    </a:solidFill>
-                  </a:rPr>
-                  <a:t>Weight</a:t>
-                </a:r>
-                <a:endParaRPr lang="en-PH" sz="2100" b="1" dirty="0">
-                  <a:solidFill>
-                    <a:srgbClr val="FF0000"/>
-                  </a:solidFill>
-                </a:endParaRPr>
-              </a:p>
-            </p:txBody>
-          </p:sp>
-          <p:sp>
-            <p:nvSpPr>
-              <p:cNvPr id="15" name="TextBox 14">
-                <a:extLst>
-                  <a:ext uri="{FF2B5EF4-FFF2-40B4-BE49-F238E27FC236}">
-                    <a16:creationId xmlns:a16="http://schemas.microsoft.com/office/drawing/2014/main" id="{7F0357A3-6E68-1E80-AB92-3D9150586F47}"/>
-                  </a:ext>
-                </a:extLst>
-              </p:cNvPr>
-              <p:cNvSpPr txBox="1"/>
-              <p:nvPr/>
-            </p:nvSpPr>
-            <p:spPr>
-              <a:xfrm rot="16200000">
-                <a:off x="-1089327" y="3607646"/>
-                <a:ext cx="4329522" cy="531040"/>
-              </a:xfrm>
-              <a:prstGeom prst="rect">
-                <a:avLst/>
-              </a:prstGeom>
-              <a:noFill/>
-            </p:spPr>
-            <p:txBody>
-              <a:bodyPr wrap="none" rtlCol="0">
-                <a:spAutoFit/>
-              </a:bodyPr>
-              <a:lstStyle/>
-              <a:p>
-                <a:r>
-                  <a:rPr lang="en-US" sz="2100" b="1" dirty="0">
-                    <a:solidFill>
-                      <a:srgbClr val="00B050"/>
-                    </a:solidFill>
-                  </a:rPr>
-                  <a:t>Probability of passing an exam (Y)</a:t>
-                </a:r>
-                <a:endParaRPr lang="en-PH" sz="2100" b="1" dirty="0">
-                  <a:solidFill>
-                    <a:srgbClr val="00B050"/>
-                  </a:solidFill>
-                </a:endParaRPr>
-              </a:p>
-            </p:txBody>
-          </p:sp>
-          <p:graphicFrame>
-            <p:nvGraphicFramePr>
-              <p:cNvPr id="16" name="Chart 15">
-                <a:extLst>
-                  <a:ext uri="{FF2B5EF4-FFF2-40B4-BE49-F238E27FC236}">
-                    <a16:creationId xmlns:a16="http://schemas.microsoft.com/office/drawing/2014/main" id="{614BDE44-E08A-A944-79A7-498D41D8F800}"/>
-                  </a:ext>
-                </a:extLst>
-              </p:cNvPr>
-              <p:cNvGraphicFramePr/>
-              <p:nvPr/>
-            </p:nvGraphicFramePr>
-            <p:xfrm>
-              <a:off x="1485680" y="1401319"/>
-              <a:ext cx="8808811" cy="5282405"/>
-            </p:xfrm>
-            <a:graphic>
-              <a:graphicData uri="http://schemas.openxmlformats.org/drawingml/2006/chart">
-                <c:chart xmlns:c="http://schemas.openxmlformats.org/drawingml/2006/chart" xmlns:r="http://schemas.openxmlformats.org/officeDocument/2006/relationships" r:id="rId4"/>
-              </a:graphicData>
-            </a:graphic>
-          </p:graphicFrame>
-        </p:grpSp>
-        <p:cxnSp>
-          <p:nvCxnSpPr>
-            <p:cNvPr id="3" name="Straight Connector 2">
-              <a:extLst>
-                <a:ext uri="{FF2B5EF4-FFF2-40B4-BE49-F238E27FC236}">
-                  <a16:creationId xmlns:a16="http://schemas.microsoft.com/office/drawing/2014/main" id="{16D9D47F-B72F-D3B8-BF4A-738807CD4655}"/>
-                </a:ext>
-              </a:extLst>
-            </p:cNvPr>
-            <p:cNvCxnSpPr>
-              <a:cxnSpLocks/>
-            </p:cNvCxnSpPr>
-            <p:nvPr/>
-          </p:nvCxnSpPr>
-          <p:spPr>
-            <a:xfrm>
-              <a:off x="2644346" y="2619632"/>
-              <a:ext cx="6381320" cy="0"/>
-            </a:xfrm>
-            <a:prstGeom prst="line">
-              <a:avLst/>
-            </a:prstGeom>
-            <a:ln w="38100" cap="flat" cmpd="sng" algn="ctr">
-              <a:solidFill>
-                <a:srgbClr val="FFC000"/>
-              </a:solidFill>
-              <a:prstDash val="dash"/>
-              <a:round/>
-              <a:headEnd type="none" w="med" len="med"/>
-              <a:tailEnd type="none" w="med" len="med"/>
-            </a:ln>
-          </p:spPr>
-          <p:style>
-            <a:lnRef idx="0">
-              <a:scrgbClr r="0" g="0" b="0"/>
-            </a:lnRef>
-            <a:fillRef idx="0">
-              <a:scrgbClr r="0" g="0" b="0"/>
-            </a:fillRef>
-            <a:effectRef idx="0">
-              <a:scrgbClr r="0" g="0" b="0"/>
-            </a:effectRef>
-            <a:fontRef idx="minor">
-              <a:schemeClr val="tx1"/>
-            </a:fontRef>
-          </p:style>
-        </p:cxnSp>
-        <p:sp>
-          <p:nvSpPr>
-            <p:cNvPr id="9" name="TextBox 8">
-              <a:extLst>
-                <a:ext uri="{FF2B5EF4-FFF2-40B4-BE49-F238E27FC236}">
-                  <a16:creationId xmlns:a16="http://schemas.microsoft.com/office/drawing/2014/main" id="{C4198940-6A2D-E8FD-7CD0-4EF1391BB657}"/>
-                </a:ext>
-              </a:extLst>
-            </p:cNvPr>
-            <p:cNvSpPr txBox="1"/>
-            <p:nvPr/>
-          </p:nvSpPr>
-          <p:spPr>
-            <a:xfrm>
-              <a:off x="9255445" y="2391588"/>
-              <a:ext cx="1981376" cy="415498"/>
-            </a:xfrm>
-            <a:prstGeom prst="rect">
-              <a:avLst/>
-            </a:prstGeom>
-            <a:noFill/>
-          </p:spPr>
-          <p:txBody>
-            <a:bodyPr wrap="none" rtlCol="0">
-              <a:spAutoFit/>
-            </a:bodyPr>
-            <a:lstStyle/>
-            <a:p>
-              <a:r>
-                <a:rPr lang="en-US" sz="2100" b="1" dirty="0">
-                  <a:solidFill>
-                    <a:srgbClr val="FFC000"/>
-                  </a:solidFill>
-                </a:rPr>
-                <a:t>Threshold Value</a:t>
-              </a:r>
-              <a:endParaRPr lang="en-PH" sz="2100" b="1" dirty="0">
-                <a:solidFill>
-                  <a:srgbClr val="FFC000"/>
-                </a:solidFill>
-              </a:endParaRPr>
-            </a:p>
-          </p:txBody>
-        </p:sp>
-      </p:grpSp>
-    </p:spTree>
-    <p:extLst>
-      <p:ext uri="{BB962C8B-B14F-4D97-AF65-F5344CB8AC3E}">
-        <p14:creationId xmlns:p14="http://schemas.microsoft.com/office/powerpoint/2010/main" val="120881209"/>
-      </p:ext>
-    </p:extLst>
-  </p:cSld>
-  <p:clrMapOvr>
-    <a:masterClrMapping/>
-  </p:clrMapOvr>
-</p:sld>
-</file>
-
-<file path=ppt/slides/slide25.xml><?xml version="1.0" encoding="utf-8"?>
-<p:sld xmlns:a="http://schemas.openxmlformats.org/drawingml/2006/main" xmlns:r="http://schemas.openxmlformats.org/officeDocument/2006/relationships" xmlns:p="http://schemas.openxmlformats.org/presentationml/2006/main" show="0">
+<p:sld xmlns:a="http://schemas.openxmlformats.org/drawingml/2006/main" xmlns:r="http://schemas.openxmlformats.org/officeDocument/2006/relationships" xmlns:p="http://schemas.openxmlformats.org/presentationml/2006/main">
   <p:cSld>
     <p:bg>
       <p:bgPr>
@@ -31086,7 +28191,7 @@
 </p:sld>
 </file>
 
-<file path=ppt/slides/slide26.xml><?xml version="1.0" encoding="utf-8"?>
+<file path=ppt/slides/slide24.xml><?xml version="1.0" encoding="utf-8"?>
 <p:sld xmlns:a="http://schemas.openxmlformats.org/drawingml/2006/main" xmlns:r="http://schemas.openxmlformats.org/officeDocument/2006/relationships" xmlns:p="http://schemas.openxmlformats.org/presentationml/2006/main">
   <p:cSld>
     <p:bg>
@@ -31719,7 +28824,7 @@
 </p:sld>
 </file>
 
-<file path=ppt/slides/slide27.xml><?xml version="1.0" encoding="utf-8"?>
+<file path=ppt/slides/slide25.xml><?xml version="1.0" encoding="utf-8"?>
 <p:sld xmlns:a="http://schemas.openxmlformats.org/drawingml/2006/main" xmlns:r="http://schemas.openxmlformats.org/officeDocument/2006/relationships" xmlns:p="http://schemas.openxmlformats.org/presentationml/2006/main">
   <p:cSld>
     <p:bg>
@@ -31832,14 +28937,14 @@
           </a:p>
         </p:txBody>
       </p:sp>
-      <mc:AlternateContent xmlns:mc="http://schemas.openxmlformats.org/markup-compatibility/2006" xmlns:a14="http://schemas.microsoft.com/office/drawing/2010/main">
-        <mc:Choice Requires="a14">
+      <mc:AlternateContent xmlns:mc="http://schemas.openxmlformats.org/markup-compatibility/2006">
+        <mc:Choice xmlns:a14="http://schemas.microsoft.com/office/drawing/2010/main" Requires="a14">
           <p:sp>
             <p:nvSpPr>
               <p:cNvPr id="5" name="TextBox 4">
                 <a:extLst>
                   <a:ext uri="{FF2B5EF4-FFF2-40B4-BE49-F238E27FC236}">
-                    <a16:creationId xmlns:a16="http://schemas.microsoft.com/office/drawing/2014/main" id="{40EDF580-9A65-6EB7-8EAB-1C4D1081AB3E}"/>
+                    <a16:creationId xmlns:a16="http://schemas.microsoft.com/office/drawing/2014/main" id="{15647060-1D72-183C-DFCC-3A8C191B5A4C}"/>
                   </a:ext>
                 </a:extLst>
               </p:cNvPr>
@@ -31848,16 +28953,21 @@
             </p:nvSpPr>
             <p:spPr>
               <a:xfrm>
-                <a:off x="3995427" y="1877982"/>
-                <a:ext cx="4465773" cy="769441"/>
+                <a:off x="2802950" y="1323956"/>
+                <a:ext cx="6586098" cy="1736822"/>
               </a:xfrm>
               <a:prstGeom prst="rect">
                 <a:avLst/>
               </a:prstGeom>
               <a:noFill/>
+              <a:ln w="38100">
+                <a:solidFill>
+                  <a:schemeClr val="tx1"/>
+                </a:solidFill>
+              </a:ln>
             </p:spPr>
             <p:txBody>
-              <a:bodyPr wrap="none" lIns="0" tIns="0" rIns="0" bIns="0" rtlCol="0">
+              <a:bodyPr wrap="square">
                 <a:spAutoFit/>
               </a:bodyPr>
               <a:lstStyle/>
@@ -31870,261 +28980,37 @@
                     </m:oMathParaPr>
                     <m:oMath xmlns:m="http://schemas.openxmlformats.org/officeDocument/2006/math">
                       <m:r>
-                        <a:rPr lang="en-US" sz="5000" b="0" i="1" smtClean="0">
-                          <a:solidFill>
-                            <a:srgbClr val="00B050"/>
-                          </a:solidFill>
-                          <a:latin typeface="Cambria Math" panose="02040503050406030204" pitchFamily="18" charset="0"/>
-                        </a:rPr>
-                        <m:t>𝑦</m:t>
-                      </m:r>
-                      <m:r>
-                        <a:rPr lang="en-US" sz="5000" b="0" i="1" smtClean="0">
-                          <a:latin typeface="Cambria Math" panose="02040503050406030204" pitchFamily="18" charset="0"/>
-                        </a:rPr>
-                        <m:t>=</m:t>
-                      </m:r>
-                      <m:sSub>
-                        <m:sSubPr>
-                          <m:ctrlPr>
-                            <a:rPr lang="en-US" sz="5000" i="1">
-                              <a:solidFill>
-                                <a:srgbClr val="00B0F0"/>
-                              </a:solidFill>
-                              <a:latin typeface="Cambria Math" panose="02040503050406030204" pitchFamily="18" charset="0"/>
-                            </a:rPr>
-                          </m:ctrlPr>
-                        </m:sSubPr>
-                        <m:e>
-                          <m:r>
-                            <a:rPr lang="en-US" sz="5000" b="1" i="1">
-                              <a:solidFill>
-                                <a:srgbClr val="00B0F0"/>
-                              </a:solidFill>
-                              <a:latin typeface="Cambria Math" panose="02040503050406030204" pitchFamily="18" charset="0"/>
-                              <a:ea typeface="Cambria Math" panose="02040503050406030204" pitchFamily="18" charset="0"/>
-                            </a:rPr>
-                            <m:t>𝜷</m:t>
-                          </m:r>
-                        </m:e>
-                        <m:sub>
-                          <m:r>
-                            <a:rPr lang="en-US" sz="5000" i="1">
-                              <a:solidFill>
-                                <a:srgbClr val="00B0F0"/>
-                              </a:solidFill>
-                              <a:latin typeface="Cambria Math" panose="02040503050406030204" pitchFamily="18" charset="0"/>
-                            </a:rPr>
-                            <m:t>1</m:t>
-                          </m:r>
-                        </m:sub>
-                      </m:sSub>
-                      <m:d>
-                        <m:dPr>
-                          <m:ctrlPr>
-                            <a:rPr lang="en-US" sz="5000" b="0" i="1" smtClean="0">
-                              <a:latin typeface="Cambria Math" panose="02040503050406030204" pitchFamily="18" charset="0"/>
-                            </a:rPr>
-                          </m:ctrlPr>
-                        </m:dPr>
-                        <m:e>
-                          <m:r>
-                            <a:rPr lang="en-US" sz="5000" b="0" i="1" smtClean="0">
-                              <a:solidFill>
-                                <a:srgbClr val="FF0000"/>
-                              </a:solidFill>
-                              <a:latin typeface="Cambria Math" panose="02040503050406030204" pitchFamily="18" charset="0"/>
-                            </a:rPr>
-                            <m:t>𝑥</m:t>
-                          </m:r>
-                        </m:e>
-                      </m:d>
-                      <m:r>
-                        <a:rPr lang="en-US" sz="5000" b="0" i="1" smtClean="0">
-                          <a:latin typeface="Cambria Math" panose="02040503050406030204" pitchFamily="18" charset="0"/>
-                        </a:rPr>
-                        <m:t>+</m:t>
-                      </m:r>
-                      <m:sSub>
-                        <m:sSubPr>
-                          <m:ctrlPr>
-                            <a:rPr lang="en-US" sz="5000" i="1">
-                              <a:latin typeface="Cambria Math" panose="02040503050406030204" pitchFamily="18" charset="0"/>
-                            </a:rPr>
-                          </m:ctrlPr>
-                        </m:sSubPr>
-                        <m:e>
-                          <m:r>
-                            <a:rPr lang="en-US" sz="5000" b="1" i="1">
-                              <a:solidFill>
-                                <a:srgbClr val="FFC000"/>
-                              </a:solidFill>
-                              <a:latin typeface="Cambria Math" panose="02040503050406030204" pitchFamily="18" charset="0"/>
-                              <a:ea typeface="Cambria Math" panose="02040503050406030204" pitchFamily="18" charset="0"/>
-                            </a:rPr>
-                            <m:t>𝜷</m:t>
-                          </m:r>
-                        </m:e>
-                        <m:sub>
-                          <m:r>
-                            <a:rPr lang="en-US" sz="5000" b="1" i="1">
-                              <a:solidFill>
-                                <a:srgbClr val="FFC000"/>
-                              </a:solidFill>
-                              <a:latin typeface="Cambria Math" panose="02040503050406030204" pitchFamily="18" charset="0"/>
-                            </a:rPr>
-                            <m:t>𝟎</m:t>
-                          </m:r>
-                        </m:sub>
-                      </m:sSub>
-                    </m:oMath>
-                  </m:oMathPara>
-                </a14:m>
-                <a:endParaRPr lang="en-PH" sz="5000" dirty="0"/>
-              </a:p>
-            </p:txBody>
-          </p:sp>
-        </mc:Choice>
-        <mc:Fallback xmlns="">
-          <p:sp>
-            <p:nvSpPr>
-              <p:cNvPr id="5" name="TextBox 4">
-                <a:extLst>
-                  <a:ext uri="{FF2B5EF4-FFF2-40B4-BE49-F238E27FC236}">
-                    <a16:creationId xmlns:a16="http://schemas.microsoft.com/office/drawing/2014/main" id="{40EDF580-9A65-6EB7-8EAB-1C4D1081AB3E}"/>
-                  </a:ext>
-                </a:extLst>
-              </p:cNvPr>
-              <p:cNvSpPr txBox="1">
-                <a:spLocks noRot="1" noChangeAspect="1" noMove="1" noResize="1" noEditPoints="1" noAdjustHandles="1" noChangeArrowheads="1" noChangeShapeType="1" noTextEdit="1"/>
-              </p:cNvSpPr>
-              <p:nvPr/>
-            </p:nvSpPr>
-            <p:spPr>
-              <a:xfrm>
-                <a:off x="3995427" y="1877982"/>
-                <a:ext cx="4465773" cy="769441"/>
-              </a:xfrm>
-              <a:prstGeom prst="rect">
-                <a:avLst/>
-              </a:prstGeom>
-              <a:blipFill>
-                <a:blip r:embed="rId4"/>
-                <a:stretch>
-                  <a:fillRect/>
-                </a:stretch>
-              </a:blipFill>
-            </p:spPr>
-            <p:txBody>
-              <a:bodyPr/>
-              <a:lstStyle/>
-              <a:p>
-                <a:r>
-                  <a:rPr lang="en-PH">
-                    <a:noFill/>
-                  </a:rPr>
-                  <a:t> </a:t>
-                </a:r>
-              </a:p>
-            </p:txBody>
-          </p:sp>
-        </mc:Fallback>
-      </mc:AlternateContent>
-      <mc:AlternateContent xmlns:mc="http://schemas.openxmlformats.org/markup-compatibility/2006" xmlns:a14="http://schemas.microsoft.com/office/drawing/2010/main">
-        <mc:Choice Requires="a14">
-          <p:sp>
-            <p:nvSpPr>
-              <p:cNvPr id="7" name="TextBox 6">
-                <a:extLst>
-                  <a:ext uri="{FF2B5EF4-FFF2-40B4-BE49-F238E27FC236}">
-                    <a16:creationId xmlns:a16="http://schemas.microsoft.com/office/drawing/2014/main" id="{36763D08-F2AD-BB90-49CB-BDD42FEC5A9B}"/>
-                  </a:ext>
-                </a:extLst>
-              </p:cNvPr>
-              <p:cNvSpPr txBox="1"/>
-              <p:nvPr/>
-            </p:nvSpPr>
-            <p:spPr>
-              <a:xfrm>
-                <a:off x="2863326" y="3833580"/>
-                <a:ext cx="6465346" cy="1475469"/>
-              </a:xfrm>
-              <a:prstGeom prst="rect">
-                <a:avLst/>
-              </a:prstGeom>
-              <a:noFill/>
-            </p:spPr>
-            <p:txBody>
-              <a:bodyPr wrap="square" lIns="0" tIns="0" rIns="0" bIns="0" rtlCol="0">
-                <a:spAutoFit/>
-              </a:bodyPr>
-              <a:lstStyle/>
-              <a:p>
-                <a:pPr/>
-                <a14:m>
-                  <m:oMathPara xmlns:m="http://schemas.openxmlformats.org/officeDocument/2006/math">
-                    <m:oMathParaPr>
-                      <m:jc m:val="centerGroup"/>
-                    </m:oMathParaPr>
-                    <m:oMath xmlns:m="http://schemas.openxmlformats.org/officeDocument/2006/math">
-                      <m:r>
-                        <a:rPr lang="en-US" sz="5000" b="0" i="1" smtClean="0">
+                        <a:rPr lang="en-GB" sz="5000" b="0" i="1" dirty="0" smtClean="0">
                           <a:latin typeface="Cambria Math" panose="02040503050406030204" pitchFamily="18" charset="0"/>
                         </a:rPr>
                         <m:t>𝑝</m:t>
                       </m:r>
                       <m:r>
-                        <a:rPr lang="en-US" sz="5000" b="0" i="1" smtClean="0">
+                        <a:rPr lang="en-GB" sz="5000" b="0" i="1" dirty="0" smtClean="0">
                           <a:latin typeface="Cambria Math" panose="02040503050406030204" pitchFamily="18" charset="0"/>
                         </a:rPr>
-                        <m:t>(</m:t>
-                      </m:r>
-                      <m:r>
-                        <a:rPr lang="en-US" sz="5000" b="0" i="1" smtClean="0">
-                          <a:latin typeface="Cambria Math" panose="02040503050406030204" pitchFamily="18" charset="0"/>
-                        </a:rPr>
-                        <m:t>𝑥</m:t>
-                      </m:r>
-                      <m:r>
-                        <a:rPr lang="en-US" sz="5000" b="0" i="1" smtClean="0">
-                          <a:latin typeface="Cambria Math" panose="02040503050406030204" pitchFamily="18" charset="0"/>
-                        </a:rPr>
-                        <m:t>)=</m:t>
+                        <m:t>=</m:t>
                       </m:r>
                       <m:f>
                         <m:fPr>
                           <m:ctrlPr>
-                            <a:rPr lang="en-US" sz="5000" i="1" smtClean="0">
+                            <a:rPr lang="en-GB" sz="5000" b="0" i="1" dirty="0" smtClean="0">
                               <a:latin typeface="Cambria Math" panose="02040503050406030204" pitchFamily="18" charset="0"/>
                             </a:rPr>
                           </m:ctrlPr>
                         </m:fPr>
                         <m:num>
-                          <m:r>
-                            <a:rPr lang="en-US" sz="5000" b="0" i="1" smtClean="0">
-                              <a:latin typeface="Cambria Math" panose="02040503050406030204" pitchFamily="18" charset="0"/>
-                            </a:rPr>
-                            <m:t>1</m:t>
-                          </m:r>
-                        </m:num>
-                        <m:den>
                           <m:sSup>
                             <m:sSupPr>
                               <m:ctrlPr>
-                                <a:rPr lang="en-US" sz="5000" i="1" smtClean="0">
+                                <a:rPr lang="en-GB" sz="5000" i="1" dirty="0">
                                   <a:latin typeface="Cambria Math" panose="02040503050406030204" pitchFamily="18" charset="0"/>
                                 </a:rPr>
                               </m:ctrlPr>
                             </m:sSupPr>
                             <m:e>
                               <m:r>
-                                <a:rPr lang="en-US" sz="5000" b="0" i="1" smtClean="0">
-                                  <a:latin typeface="Cambria Math" panose="02040503050406030204" pitchFamily="18" charset="0"/>
-                                </a:rPr>
-                                <m:t>1+ </m:t>
-                              </m:r>
-                              <m:r>
-                                <a:rPr lang="en-US" sz="5000" b="0" i="1" smtClean="0">
+                                <a:rPr lang="en-GB" sz="5000" i="1" dirty="0">
                                   <a:latin typeface="Cambria Math" panose="02040503050406030204" pitchFamily="18" charset="0"/>
                                 </a:rPr>
                                 <m:t>𝑒</m:t>
@@ -32132,19 +29018,129 @@
                             </m:e>
                             <m:sup>
                               <m:r>
-                                <a:rPr lang="en-US" sz="5000" b="0" i="1" smtClean="0">
+                                <a:rPr lang="en-US" sz="5000" b="1" i="1">
+                                  <a:solidFill>
+                                    <a:srgbClr val="0070C0"/>
+                                  </a:solidFill>
+                                  <a:latin typeface="Cambria Math" panose="02040503050406030204" pitchFamily="18" charset="0"/>
+                                  <a:ea typeface="Cambria Math" panose="02040503050406030204" pitchFamily="18" charset="0"/>
+                                </a:rPr>
+                                <m:t>𝒎</m:t>
+                              </m:r>
+                              <m:d>
+                                <m:dPr>
+                                  <m:ctrlPr>
+                                    <a:rPr lang="en-US" sz="5000" b="1" i="1">
+                                      <a:latin typeface="Cambria Math" panose="02040503050406030204" pitchFamily="18" charset="0"/>
+                                      <a:ea typeface="Cambria Math" panose="02040503050406030204" pitchFamily="18" charset="0"/>
+                                    </a:rPr>
+                                  </m:ctrlPr>
+                                </m:dPr>
+                                <m:e>
+                                  <m:r>
+                                    <a:rPr lang="en-US" sz="5000" b="1" i="1">
+                                      <a:solidFill>
+                                        <a:srgbClr val="FF0000"/>
+                                      </a:solidFill>
+                                      <a:latin typeface="Cambria Math" panose="02040503050406030204" pitchFamily="18" charset="0"/>
+                                      <a:ea typeface="Cambria Math" panose="02040503050406030204" pitchFamily="18" charset="0"/>
+                                    </a:rPr>
+                                    <m:t>𝒙</m:t>
+                                  </m:r>
+                                </m:e>
+                              </m:d>
+                              <m:r>
+                                <a:rPr lang="en-US" sz="5000" b="1" i="1">
+                                  <a:latin typeface="Cambria Math" panose="02040503050406030204" pitchFamily="18" charset="0"/>
+                                  <a:ea typeface="Cambria Math" panose="02040503050406030204" pitchFamily="18" charset="0"/>
+                                </a:rPr>
+                                <m:t>+</m:t>
+                              </m:r>
+                              <m:r>
+                                <a:rPr lang="en-US" sz="5000" b="1" i="1">
+                                  <a:solidFill>
+                                    <a:srgbClr val="7030A0"/>
+                                  </a:solidFill>
+                                  <a:latin typeface="Cambria Math" panose="02040503050406030204" pitchFamily="18" charset="0"/>
+                                  <a:ea typeface="Cambria Math" panose="02040503050406030204" pitchFamily="18" charset="0"/>
+                                </a:rPr>
+                                <m:t>𝒃</m:t>
+                              </m:r>
+                            </m:sup>
+                          </m:sSup>
+                        </m:num>
+                        <m:den>
+                          <m:r>
+                            <a:rPr lang="en-GB" sz="5000" b="0" i="1" dirty="0" smtClean="0">
+                              <a:latin typeface="Cambria Math" panose="02040503050406030204" pitchFamily="18" charset="0"/>
+                            </a:rPr>
+                            <m:t>1+</m:t>
+                          </m:r>
+                          <m:sSup>
+                            <m:sSupPr>
+                              <m:ctrlPr>
+                                <a:rPr lang="en-GB" sz="5000" i="1" dirty="0">
                                   <a:latin typeface="Cambria Math" panose="02040503050406030204" pitchFamily="18" charset="0"/>
                                 </a:rPr>
-                                <m:t>−</m:t>
+                              </m:ctrlPr>
+                            </m:sSupPr>
+                            <m:e>
+                              <m:r>
+                                <a:rPr lang="en-GB" sz="5000" i="1" dirty="0">
+                                  <a:latin typeface="Cambria Math" panose="02040503050406030204" pitchFamily="18" charset="0"/>
+                                </a:rPr>
+                                <m:t>𝑒</m:t>
+                              </m:r>
+                            </m:e>
+                            <m:sup>
+                              <m:r>
+                                <a:rPr lang="en-US" sz="5000" b="1" i="1">
+                                  <a:solidFill>
+                                    <a:srgbClr val="0070C0"/>
+                                  </a:solidFill>
+                                  <a:latin typeface="Cambria Math" panose="02040503050406030204" pitchFamily="18" charset="0"/>
+                                  <a:ea typeface="Cambria Math" panose="02040503050406030204" pitchFamily="18" charset="0"/>
+                                </a:rPr>
+                                <m:t>𝒎</m:t>
+                              </m:r>
+                              <m:d>
+                                <m:dPr>
+                                  <m:ctrlPr>
+                                    <a:rPr lang="en-US" sz="5000" b="1" i="1">
+                                      <a:latin typeface="Cambria Math" panose="02040503050406030204" pitchFamily="18" charset="0"/>
+                                      <a:ea typeface="Cambria Math" panose="02040503050406030204" pitchFamily="18" charset="0"/>
+                                    </a:rPr>
+                                  </m:ctrlPr>
+                                </m:dPr>
+                                <m:e>
+                                  <m:r>
+                                    <a:rPr lang="en-US" sz="5000" b="1" i="1">
+                                      <a:solidFill>
+                                        <a:srgbClr val="FF0000"/>
+                                      </a:solidFill>
+                                      <a:latin typeface="Cambria Math" panose="02040503050406030204" pitchFamily="18" charset="0"/>
+                                      <a:ea typeface="Cambria Math" panose="02040503050406030204" pitchFamily="18" charset="0"/>
+                                    </a:rPr>
+                                    <m:t>𝒙</m:t>
+                                  </m:r>
+                                </m:e>
+                              </m:d>
+                              <m:r>
+                                <a:rPr lang="en-US" sz="5000" b="1" i="1">
+                                  <a:latin typeface="Cambria Math" panose="02040503050406030204" pitchFamily="18" charset="0"/>
+                                  <a:ea typeface="Cambria Math" panose="02040503050406030204" pitchFamily="18" charset="0"/>
+                                </a:rPr>
+                                <m:t>+</m:t>
                               </m:r>
                               <m:r>
-                                <a:rPr lang="en-US" sz="5000" b="0" i="1" smtClean="0">
+                                <a:rPr lang="en-US" sz="5000" b="1" i="1">
                                   <a:solidFill>
-                                    <a:srgbClr val="00B050"/>
+                                    <a:srgbClr val="7030A0"/>
                                   </a:solidFill>
                                   <a:latin typeface="Cambria Math" panose="02040503050406030204" pitchFamily="18" charset="0"/>
+                                  <a:ea typeface="Cambria Math" panose="02040503050406030204" pitchFamily="18" charset="0"/>
                                 </a:rPr>
-                                <m:t>𝑦</m:t>
+                                <m:t>𝒃</m:t>
                               </m:r>
                             </m:sup>
                           </m:sSup>
@@ -32158,13 +29154,13 @@
             </p:txBody>
           </p:sp>
         </mc:Choice>
-        <mc:Fallback xmlns="">
+        <mc:Fallback>
           <p:sp>
             <p:nvSpPr>
-              <p:cNvPr id="7" name="TextBox 6">
+              <p:cNvPr id="5" name="TextBox 4">
                 <a:extLst>
                   <a:ext uri="{FF2B5EF4-FFF2-40B4-BE49-F238E27FC236}">
-                    <a16:creationId xmlns:a16="http://schemas.microsoft.com/office/drawing/2014/main" id="{36763D08-F2AD-BB90-49CB-BDD42FEC5A9B}"/>
+                    <a16:creationId xmlns:a16="http://schemas.microsoft.com/office/drawing/2014/main" id="{15647060-1D72-183C-DFCC-3A8C191B5A4C}"/>
                   </a:ext>
                 </a:extLst>
               </p:cNvPr>
@@ -32175,386 +29171,8 @@
             </p:nvSpPr>
             <p:spPr>
               <a:xfrm>
-                <a:off x="2863326" y="3833580"/>
-                <a:ext cx="6465346" cy="1475469"/>
-              </a:xfrm>
-              <a:prstGeom prst="rect">
-                <a:avLst/>
-              </a:prstGeom>
-              <a:blipFill>
-                <a:blip r:embed="rId5"/>
-                <a:stretch>
-                  <a:fillRect/>
-                </a:stretch>
-              </a:blipFill>
-            </p:spPr>
-            <p:txBody>
-              <a:bodyPr/>
-              <a:lstStyle/>
-              <a:p>
-                <a:r>
-                  <a:rPr lang="en-PH">
-                    <a:noFill/>
-                  </a:rPr>
-                  <a:t> </a:t>
-                </a:r>
-              </a:p>
-            </p:txBody>
-          </p:sp>
-        </mc:Fallback>
-      </mc:AlternateContent>
-    </p:spTree>
-    <p:extLst>
-      <p:ext uri="{BB962C8B-B14F-4D97-AF65-F5344CB8AC3E}">
-        <p14:creationId xmlns:p14="http://schemas.microsoft.com/office/powerpoint/2010/main" val="3510163224"/>
-      </p:ext>
-    </p:extLst>
-  </p:cSld>
-  <p:clrMapOvr>
-    <a:masterClrMapping/>
-  </p:clrMapOvr>
-</p:sld>
-</file>
-
-<file path=ppt/slides/slide28.xml><?xml version="1.0" encoding="utf-8"?>
-<p:sld xmlns:a="http://schemas.openxmlformats.org/drawingml/2006/main" xmlns:r="http://schemas.openxmlformats.org/officeDocument/2006/relationships" xmlns:p="http://schemas.openxmlformats.org/presentationml/2006/main">
-  <p:cSld>
-    <p:bg>
-      <p:bgPr>
-        <a:blipFill dpi="0" rotWithShape="1">
-          <a:blip r:embed="rId3">
-            <a:alphaModFix amt="99000"/>
-            <a:lum/>
-          </a:blip>
-          <a:srcRect/>
-          <a:stretch>
-            <a:fillRect t="89000" r="85000" b="-1000"/>
-          </a:stretch>
-        </a:blipFill>
-        <a:effectLst/>
-      </p:bgPr>
-    </p:bg>
-    <p:spTree>
-      <p:nvGrpSpPr>
-        <p:cNvPr id="1" name=""/>
-        <p:cNvGrpSpPr/>
-        <p:nvPr/>
-      </p:nvGrpSpPr>
-      <p:grpSpPr>
-        <a:xfrm>
-          <a:off x="0" y="0"/>
-          <a:ext cx="0" cy="0"/>
-          <a:chOff x="0" y="0"/>
-          <a:chExt cx="0" cy="0"/>
-        </a:xfrm>
-      </p:grpSpPr>
-      <p:sp>
-        <p:nvSpPr>
-          <p:cNvPr id="4" name="Footer Placeholder 3">
-            <a:extLst>
-              <a:ext uri="{FF2B5EF4-FFF2-40B4-BE49-F238E27FC236}">
-                <a16:creationId xmlns:a16="http://schemas.microsoft.com/office/drawing/2014/main" id="{638E7DE1-45EE-476A-A474-0F3C264AEDA3}"/>
-              </a:ext>
-            </a:extLst>
-          </p:cNvPr>
-          <p:cNvSpPr>
-            <a:spLocks noGrp="1"/>
-          </p:cNvSpPr>
-          <p:nvPr>
-            <p:ph type="ftr" sz="quarter" idx="11"/>
-          </p:nvPr>
-        </p:nvSpPr>
-        <p:spPr>
-          <a:xfrm>
-            <a:off x="0" y="6139541"/>
-            <a:ext cx="12192000" cy="718459"/>
-          </a:xfrm>
-          <a:ln w="28575">
-            <a:solidFill>
-              <a:schemeClr val="accent5">
-                <a:lumMod val="50000"/>
-              </a:schemeClr>
-            </a:solidFill>
-          </a:ln>
-        </p:spPr>
-        <p:txBody>
-          <a:bodyPr/>
-          <a:lstStyle/>
-          <a:p>
-            <a:pPr algn="r"/>
-            <a:r>
-              <a:rPr lang="en-US" b="1">
-                <a:solidFill>
-                  <a:schemeClr val="tx1"/>
-                </a:solidFill>
-              </a:rPr>
-              <a:t>CCMACLRL</a:t>
-            </a:r>
-            <a:endParaRPr lang="en-PH" dirty="0"/>
-          </a:p>
-        </p:txBody>
-      </p:sp>
-      <p:sp>
-        <p:nvSpPr>
-          <p:cNvPr id="2" name="Title 1">
-            <a:extLst>
-              <a:ext uri="{FF2B5EF4-FFF2-40B4-BE49-F238E27FC236}">
-                <a16:creationId xmlns:a16="http://schemas.microsoft.com/office/drawing/2014/main" id="{E8FE4DC5-50CE-9CEE-1720-B3DB36475851}"/>
-              </a:ext>
-            </a:extLst>
-          </p:cNvPr>
-          <p:cNvSpPr>
-            <a:spLocks noGrp="1"/>
-          </p:cNvSpPr>
-          <p:nvPr>
-            <p:ph type="ctrTitle"/>
-          </p:nvPr>
-        </p:nvSpPr>
-        <p:spPr>
-          <a:xfrm>
-            <a:off x="459205" y="329031"/>
-            <a:ext cx="11273589" cy="718459"/>
-          </a:xfrm>
-        </p:spPr>
-        <p:txBody>
-          <a:bodyPr>
-            <a:noAutofit/>
-          </a:bodyPr>
-          <a:lstStyle/>
-          <a:p>
-            <a:r>
-              <a:rPr lang="en-PH" sz="5000" b="1" dirty="0"/>
-              <a:t>Logistic/Sigmoid Function</a:t>
-            </a:r>
-          </a:p>
-        </p:txBody>
-      </p:sp>
-      <mc:AlternateContent xmlns:mc="http://schemas.openxmlformats.org/markup-compatibility/2006" xmlns:a14="http://schemas.microsoft.com/office/drawing/2010/main">
-        <mc:Choice Requires="a14">
-          <p:sp>
-            <p:nvSpPr>
-              <p:cNvPr id="3" name="TextBox 2">
-                <a:extLst>
-                  <a:ext uri="{FF2B5EF4-FFF2-40B4-BE49-F238E27FC236}">
-                    <a16:creationId xmlns:a16="http://schemas.microsoft.com/office/drawing/2014/main" id="{99BDC381-E981-7889-DAA8-7B8C15C92FA2}"/>
-                  </a:ext>
-                </a:extLst>
-              </p:cNvPr>
-              <p:cNvSpPr txBox="1"/>
-              <p:nvPr/>
-            </p:nvSpPr>
-            <p:spPr>
-              <a:xfrm>
-                <a:off x="2863327" y="1607907"/>
-                <a:ext cx="6465346" cy="1475469"/>
-              </a:xfrm>
-              <a:prstGeom prst="rect">
-                <a:avLst/>
-              </a:prstGeom>
-              <a:noFill/>
-            </p:spPr>
-            <p:txBody>
-              <a:bodyPr wrap="square" lIns="0" tIns="0" rIns="0" bIns="0" rtlCol="0">
-                <a:spAutoFit/>
-              </a:bodyPr>
-              <a:lstStyle/>
-              <a:p>
-                <a:pPr/>
-                <a14:m>
-                  <m:oMathPara xmlns:m="http://schemas.openxmlformats.org/officeDocument/2006/math">
-                    <m:oMathParaPr>
-                      <m:jc m:val="centerGroup"/>
-                    </m:oMathParaPr>
-                    <m:oMath xmlns:m="http://schemas.openxmlformats.org/officeDocument/2006/math">
-                      <m:r>
-                        <a:rPr lang="en-US" sz="5000" b="0" i="1" smtClean="0">
-                          <a:latin typeface="Cambria Math" panose="02040503050406030204" pitchFamily="18" charset="0"/>
-                        </a:rPr>
-                        <m:t>𝑝</m:t>
-                      </m:r>
-                      <m:r>
-                        <a:rPr lang="en-US" sz="5000" b="0" i="1" smtClean="0">
-                          <a:latin typeface="Cambria Math" panose="02040503050406030204" pitchFamily="18" charset="0"/>
-                        </a:rPr>
-                        <m:t>(</m:t>
-                      </m:r>
-                      <m:r>
-                        <a:rPr lang="en-US" sz="5000" b="0" i="1" smtClean="0">
-                          <a:latin typeface="Cambria Math" panose="02040503050406030204" pitchFamily="18" charset="0"/>
-                        </a:rPr>
-                        <m:t>𝑥</m:t>
-                      </m:r>
-                      <m:r>
-                        <a:rPr lang="en-US" sz="5000" b="0" i="1" smtClean="0">
-                          <a:latin typeface="Cambria Math" panose="02040503050406030204" pitchFamily="18" charset="0"/>
-                        </a:rPr>
-                        <m:t>)=</m:t>
-                      </m:r>
-                      <m:f>
-                        <m:fPr>
-                          <m:ctrlPr>
-                            <a:rPr lang="en-US" sz="5000" i="1" smtClean="0">
-                              <a:latin typeface="Cambria Math" panose="02040503050406030204" pitchFamily="18" charset="0"/>
-                            </a:rPr>
-                          </m:ctrlPr>
-                        </m:fPr>
-                        <m:num>
-                          <m:r>
-                            <a:rPr lang="en-US" sz="5000" b="0" i="1" smtClean="0">
-                              <a:latin typeface="Cambria Math" panose="02040503050406030204" pitchFamily="18" charset="0"/>
-                            </a:rPr>
-                            <m:t>1</m:t>
-                          </m:r>
-                        </m:num>
-                        <m:den>
-                          <m:sSup>
-                            <m:sSupPr>
-                              <m:ctrlPr>
-                                <a:rPr lang="en-US" sz="5000" i="1" smtClean="0">
-                                  <a:latin typeface="Cambria Math" panose="02040503050406030204" pitchFamily="18" charset="0"/>
-                                </a:rPr>
-                              </m:ctrlPr>
-                            </m:sSupPr>
-                            <m:e>
-                              <m:r>
-                                <a:rPr lang="en-US" sz="5000" b="0" i="1" smtClean="0">
-                                  <a:latin typeface="Cambria Math" panose="02040503050406030204" pitchFamily="18" charset="0"/>
-                                </a:rPr>
-                                <m:t>1+ </m:t>
-                              </m:r>
-                              <m:r>
-                                <a:rPr lang="en-US" sz="5000" b="0" i="1" smtClean="0">
-                                  <a:latin typeface="Cambria Math" panose="02040503050406030204" pitchFamily="18" charset="0"/>
-                                </a:rPr>
-                                <m:t>𝑒</m:t>
-                              </m:r>
-                            </m:e>
-                            <m:sup>
-                              <m:r>
-                                <a:rPr lang="en-US" sz="5000" b="0" i="1" smtClean="0">
-                                  <a:latin typeface="Cambria Math" panose="02040503050406030204" pitchFamily="18" charset="0"/>
-                                </a:rPr>
-                                <m:t>−(</m:t>
-                              </m:r>
-                              <m:sSub>
-                                <m:sSubPr>
-                                  <m:ctrlPr>
-                                    <a:rPr lang="en-US" sz="5000" b="0" i="1" smtClean="0">
-                                      <a:latin typeface="Cambria Math" panose="02040503050406030204" pitchFamily="18" charset="0"/>
-                                    </a:rPr>
-                                  </m:ctrlPr>
-                                </m:sSubPr>
-                                <m:e>
-                                  <m:r>
-                                    <a:rPr lang="en-US" sz="5000" b="1" i="1" smtClean="0">
-                                      <a:solidFill>
-                                        <a:srgbClr val="FFC000"/>
-                                      </a:solidFill>
-                                      <a:latin typeface="Cambria Math" panose="02040503050406030204" pitchFamily="18" charset="0"/>
-                                      <a:ea typeface="Cambria Math" panose="02040503050406030204" pitchFamily="18" charset="0"/>
-                                    </a:rPr>
-                                    <m:t>𝜷</m:t>
-                                  </m:r>
-                                </m:e>
-                                <m:sub>
-                                  <m:r>
-                                    <a:rPr lang="en-US" sz="5000" b="1" i="1" smtClean="0">
-                                      <a:solidFill>
-                                        <a:srgbClr val="FFC000"/>
-                                      </a:solidFill>
-                                      <a:latin typeface="Cambria Math" panose="02040503050406030204" pitchFamily="18" charset="0"/>
-                                    </a:rPr>
-                                    <m:t>𝟎</m:t>
-                                  </m:r>
-                                </m:sub>
-                              </m:sSub>
-                              <m:r>
-                                <a:rPr lang="en-US" sz="5000" b="0" i="1" smtClean="0">
-                                  <a:latin typeface="Cambria Math" panose="02040503050406030204" pitchFamily="18" charset="0"/>
-                                </a:rPr>
-                                <m:t>+ </m:t>
-                              </m:r>
-                              <m:sSub>
-                                <m:sSubPr>
-                                  <m:ctrlPr>
-                                    <a:rPr lang="en-US" sz="5000" b="0" i="1" smtClean="0">
-                                      <a:solidFill>
-                                        <a:srgbClr val="00B0F0"/>
-                                      </a:solidFill>
-                                      <a:latin typeface="Cambria Math" panose="02040503050406030204" pitchFamily="18" charset="0"/>
-                                    </a:rPr>
-                                  </m:ctrlPr>
-                                </m:sSubPr>
-                                <m:e>
-                                  <m:r>
-                                    <a:rPr lang="en-US" sz="5000" b="1" i="1" smtClean="0">
-                                      <a:solidFill>
-                                        <a:srgbClr val="00B0F0"/>
-                                      </a:solidFill>
-                                      <a:latin typeface="Cambria Math" panose="02040503050406030204" pitchFamily="18" charset="0"/>
-                                      <a:ea typeface="Cambria Math" panose="02040503050406030204" pitchFamily="18" charset="0"/>
-                                    </a:rPr>
-                                    <m:t>𝜷</m:t>
-                                  </m:r>
-                                </m:e>
-                                <m:sub>
-                                  <m:r>
-                                    <a:rPr lang="en-US" sz="5000" b="0" i="1" smtClean="0">
-                                      <a:solidFill>
-                                        <a:srgbClr val="00B0F0"/>
-                                      </a:solidFill>
-                                      <a:latin typeface="Cambria Math" panose="02040503050406030204" pitchFamily="18" charset="0"/>
-                                    </a:rPr>
-                                    <m:t>1</m:t>
-                                  </m:r>
-                                </m:sub>
-                              </m:sSub>
-                              <m:r>
-                                <a:rPr lang="en-US" sz="5000" b="1" i="1" smtClean="0">
-                                  <a:solidFill>
-                                    <a:srgbClr val="FF0000"/>
-                                  </a:solidFill>
-                                  <a:latin typeface="Cambria Math" panose="02040503050406030204" pitchFamily="18" charset="0"/>
-                                </a:rPr>
-                                <m:t>𝒙</m:t>
-                              </m:r>
-                              <m:r>
-                                <a:rPr lang="en-US" sz="5000" b="0" i="1" smtClean="0">
-                                  <a:latin typeface="Cambria Math" panose="02040503050406030204" pitchFamily="18" charset="0"/>
-                                </a:rPr>
-                                <m:t>)</m:t>
-                              </m:r>
-                            </m:sup>
-                          </m:sSup>
-                        </m:den>
-                      </m:f>
-                    </m:oMath>
-                  </m:oMathPara>
-                </a14:m>
-                <a:endParaRPr lang="en-US" sz="5000" dirty="0"/>
-              </a:p>
-            </p:txBody>
-          </p:sp>
-        </mc:Choice>
-        <mc:Fallback xmlns="">
-          <p:sp>
-            <p:nvSpPr>
-              <p:cNvPr id="3" name="TextBox 2">
-                <a:extLst>
-                  <a:ext uri="{FF2B5EF4-FFF2-40B4-BE49-F238E27FC236}">
-                    <a16:creationId xmlns:a16="http://schemas.microsoft.com/office/drawing/2014/main" id="{99BDC381-E981-7889-DAA8-7B8C15C92FA2}"/>
-                  </a:ext>
-                </a:extLst>
-              </p:cNvPr>
-              <p:cNvSpPr txBox="1">
-                <a:spLocks noRot="1" noChangeAspect="1" noMove="1" noResize="1" noEditPoints="1" noAdjustHandles="1" noChangeArrowheads="1" noChangeShapeType="1" noTextEdit="1"/>
-              </p:cNvSpPr>
-              <p:nvPr/>
-            </p:nvSpPr>
-            <p:spPr>
-              <a:xfrm>
-                <a:off x="2863327" y="1607907"/>
-                <a:ext cx="6465346" cy="1475469"/>
+                <a:off x="2802950" y="1323956"/>
+                <a:ext cx="6586098" cy="1736822"/>
               </a:xfrm>
               <a:prstGeom prst="rect">
                 <a:avLst/>
@@ -32562,9 +29180,14 @@
               <a:blipFill>
                 <a:blip r:embed="rId4"/>
                 <a:stretch>
-                  <a:fillRect l="-1765" t="-1709" r="-1373" b="-29060"/>
+                  <a:fillRect b="-7092"/>
                 </a:stretch>
               </a:blipFill>
+              <a:ln w="38100">
+                <a:solidFill>
+                  <a:schemeClr val="tx1"/>
+                </a:solidFill>
+              </a:ln>
             </p:spPr>
             <p:txBody>
               <a:bodyPr/>
@@ -32581,14 +29204,14 @@
           </p:sp>
         </mc:Fallback>
       </mc:AlternateContent>
-      <mc:AlternateContent xmlns:mc="http://schemas.openxmlformats.org/markup-compatibility/2006" xmlns:a14="http://schemas.microsoft.com/office/drawing/2010/main">
-        <mc:Choice Requires="a14">
+      <mc:AlternateContent xmlns:mc="http://schemas.openxmlformats.org/markup-compatibility/2006">
+        <mc:Choice xmlns:a14="http://schemas.microsoft.com/office/drawing/2010/main" Requires="a14">
           <p:sp>
             <p:nvSpPr>
-              <p:cNvPr id="6" name="TextBox 5">
+              <p:cNvPr id="7" name="TextBox 6">
                 <a:extLst>
                   <a:ext uri="{FF2B5EF4-FFF2-40B4-BE49-F238E27FC236}">
-                    <a16:creationId xmlns:a16="http://schemas.microsoft.com/office/drawing/2014/main" id="{1AEF1E5C-4FBE-6538-55E1-FFBBB6C4623D}"/>
+                    <a16:creationId xmlns:a16="http://schemas.microsoft.com/office/drawing/2014/main" id="{0C3C7956-D8B9-0FD2-A999-8BC755C3FD50}"/>
                   </a:ext>
                 </a:extLst>
               </p:cNvPr>
@@ -32598,7 +29221,7 @@
             <p:spPr>
               <a:xfrm>
                 <a:off x="1861071" y="3297894"/>
-                <a:ext cx="9208548" cy="2377959"/>
+                <a:ext cx="9208548" cy="2397388"/>
               </a:xfrm>
               <a:prstGeom prst="rect">
                 <a:avLst/>
@@ -32616,7 +29239,7 @@
                     <a:latin typeface="Calibri Body"/>
                     <a:ea typeface="Cambria Math" panose="02040503050406030204" pitchFamily="18" charset="0"/>
                   </a:rPr>
-                  <a:t>where:</a:t>
+                  <a:t>Where:</a:t>
                 </a:r>
               </a:p>
               <a:p>
@@ -32626,15 +29249,19 @@
                 </a:endParaRPr>
               </a:p>
               <a:p>
-                <a:r>
-                  <a:rPr lang="en-US" sz="3000" b="1" dirty="0">
-                    <a:solidFill>
-                      <a:srgbClr val="FF0000"/>
-                    </a:solidFill>
-                    <a:latin typeface="Calibri Body"/>
-                  </a:rPr>
-                  <a:t>X</a:t>
-                </a:r>
+                <a14:m>
+                  <m:oMath xmlns:m="http://schemas.openxmlformats.org/officeDocument/2006/math">
+                    <m:r>
+                      <a:rPr lang="en-US" sz="3200" b="1" i="1" smtClean="0">
+                        <a:solidFill>
+                          <a:srgbClr val="FF0000"/>
+                        </a:solidFill>
+                        <a:latin typeface="Cambria Math" panose="02040503050406030204" pitchFamily="18" charset="0"/>
+                      </a:rPr>
+                      <m:t>𝒙</m:t>
+                    </m:r>
+                  </m:oMath>
+                </a14:m>
                 <a:r>
                   <a:rPr lang="en-US" sz="3000" dirty="0">
                     <a:latin typeface="Calibri Body"/>
@@ -32651,41 +29278,16 @@
               <a:p>
                 <a14:m>
                   <m:oMath xmlns:m="http://schemas.openxmlformats.org/officeDocument/2006/math">
-                    <m:sSub>
-                      <m:sSubPr>
-                        <m:ctrlPr>
-                          <a:rPr lang="en-US" sz="3200" b="1" i="1" smtClean="0">
-                            <a:solidFill>
-                              <a:srgbClr val="00B0F0"/>
-                            </a:solidFill>
-                            <a:latin typeface="Cambria Math" panose="02040503050406030204" pitchFamily="18" charset="0"/>
-                          </a:rPr>
-                        </m:ctrlPr>
-                      </m:sSubPr>
-                      <m:e>
-                        <m:r>
-                          <a:rPr lang="en-US" sz="3200" b="1" i="1">
-                            <a:solidFill>
-                              <a:srgbClr val="00B0F0"/>
-                            </a:solidFill>
-                            <a:latin typeface="Cambria Math" panose="02040503050406030204" pitchFamily="18" charset="0"/>
-                            <a:ea typeface="Cambria Math" panose="02040503050406030204" pitchFamily="18" charset="0"/>
-                          </a:rPr>
-                          <m:t>𝜷</m:t>
-                        </m:r>
-                      </m:e>
-                      <m:sub>
-                        <m:r>
-                          <a:rPr lang="en-US" sz="3200" b="1" i="1">
-                            <a:solidFill>
-                              <a:srgbClr val="00B0F0"/>
-                            </a:solidFill>
-                            <a:latin typeface="Cambria Math" panose="02040503050406030204" pitchFamily="18" charset="0"/>
-                          </a:rPr>
-                          <m:t>𝟏</m:t>
-                        </m:r>
-                      </m:sub>
-                    </m:sSub>
+                    <m:r>
+                      <a:rPr lang="en-US" sz="3200" b="1" i="1">
+                        <a:solidFill>
+                          <a:srgbClr val="0070C0"/>
+                        </a:solidFill>
+                        <a:latin typeface="Cambria Math" panose="02040503050406030204" pitchFamily="18" charset="0"/>
+                        <a:ea typeface="Cambria Math" panose="02040503050406030204" pitchFamily="18" charset="0"/>
+                      </a:rPr>
+                      <m:t>𝒎</m:t>
+                    </m:r>
                   </m:oMath>
                 </a14:m>
                 <a:r>
@@ -32710,46 +29312,15 @@
               <a:p>
                 <a14:m>
                   <m:oMath xmlns:m="http://schemas.openxmlformats.org/officeDocument/2006/math">
-                    <m:sSub>
-                      <m:sSubPr>
-                        <m:ctrlPr>
-                          <a:rPr lang="en-US" sz="3200" b="1" i="1" smtClean="0">
-                            <a:solidFill>
-                              <a:srgbClr val="FFC000"/>
-                            </a:solidFill>
-                            <a:latin typeface="Cambria Math" panose="02040503050406030204" pitchFamily="18" charset="0"/>
-                          </a:rPr>
-                        </m:ctrlPr>
-                      </m:sSubPr>
-                      <m:e>
-                        <m:r>
-                          <a:rPr lang="en-US" sz="3200" b="1" i="1" smtClean="0">
-                            <a:solidFill>
-                              <a:srgbClr val="FFC000"/>
-                            </a:solidFill>
-                            <a:latin typeface="Cambria Math" panose="02040503050406030204" pitchFamily="18" charset="0"/>
-                            <a:ea typeface="Cambria Math" panose="02040503050406030204" pitchFamily="18" charset="0"/>
-                          </a:rPr>
-                          <m:t>𝜷</m:t>
-                        </m:r>
-                      </m:e>
-                      <m:sub>
-                        <m:r>
-                          <a:rPr lang="en-US" sz="3200" b="1" i="1" smtClean="0">
-                            <a:solidFill>
-                              <a:srgbClr val="FFC000"/>
-                            </a:solidFill>
-                            <a:latin typeface="Cambria Math" panose="02040503050406030204" pitchFamily="18" charset="0"/>
-                          </a:rPr>
-                          <m:t>𝟎</m:t>
-                        </m:r>
-                      </m:sub>
-                    </m:sSub>
                     <m:r>
-                      <a:rPr lang="en-US" sz="3200" b="0" i="1" smtClean="0">
+                      <a:rPr lang="en-US" sz="3200" b="1" i="1">
+                        <a:solidFill>
+                          <a:srgbClr val="7030A0"/>
+                        </a:solidFill>
                         <a:latin typeface="Cambria Math" panose="02040503050406030204" pitchFamily="18" charset="0"/>
+                        <a:ea typeface="Cambria Math" panose="02040503050406030204" pitchFamily="18" charset="0"/>
                       </a:rPr>
-                      <m:t> </m:t>
+                      <m:t>𝒃</m:t>
                     </m:r>
                   </m:oMath>
                 </a14:m>
@@ -32757,7 +29328,7 @@
                   <a:rPr lang="en-US" sz="3000" dirty="0">
                     <a:latin typeface="Calibri Body"/>
                   </a:rPr>
-                  <a:t>is the </a:t>
+                  <a:t> is the </a:t>
                 </a:r>
                 <a:r>
                   <a:rPr lang="en-US" sz="3000" b="1" dirty="0">
@@ -32769,13 +29340,13 @@
             </p:txBody>
           </p:sp>
         </mc:Choice>
-        <mc:Fallback xmlns="">
+        <mc:Fallback>
           <p:sp>
             <p:nvSpPr>
-              <p:cNvPr id="6" name="TextBox 5">
+              <p:cNvPr id="7" name="TextBox 6">
                 <a:extLst>
                   <a:ext uri="{FF2B5EF4-FFF2-40B4-BE49-F238E27FC236}">
-                    <a16:creationId xmlns:a16="http://schemas.microsoft.com/office/drawing/2014/main" id="{1AEF1E5C-4FBE-6538-55E1-FFBBB6C4623D}"/>
+                    <a16:creationId xmlns:a16="http://schemas.microsoft.com/office/drawing/2014/main" id="{0C3C7956-D8B9-0FD2-A999-8BC755C3FD50}"/>
                   </a:ext>
                 </a:extLst>
               </p:cNvPr>
@@ -32787,7 +29358,7 @@
             <p:spPr>
               <a:xfrm>
                 <a:off x="1861071" y="3297894"/>
-                <a:ext cx="9208548" cy="2377959"/>
+                <a:ext cx="9208548" cy="2397388"/>
               </a:xfrm>
               <a:prstGeom prst="rect">
                 <a:avLst/>
@@ -32795,7 +29366,7 @@
               <a:blipFill>
                 <a:blip r:embed="rId5"/>
                 <a:stretch>
-                  <a:fillRect l="-1515" t="-2660" b="-6915"/>
+                  <a:fillRect l="-1377" t="-2632" b="-6842"/>
                 </a:stretch>
               </a:blipFill>
             </p:spPr>
@@ -32827,8 +29398,8 @@
 </p:sld>
 </file>
 
-<file path=ppt/slides/slide29.xml><?xml version="1.0" encoding="utf-8"?>
-<p:sld xmlns:a="http://schemas.openxmlformats.org/drawingml/2006/main" xmlns:r="http://schemas.openxmlformats.org/officeDocument/2006/relationships" xmlns:p="http://schemas.openxmlformats.org/presentationml/2006/main" show="0">
+<file path=ppt/slides/slide26.xml><?xml version="1.0" encoding="utf-8"?>
+<p:sld xmlns:a="http://schemas.openxmlformats.org/drawingml/2006/main" xmlns:r="http://schemas.openxmlformats.org/officeDocument/2006/relationships" xmlns:p="http://schemas.openxmlformats.org/presentationml/2006/main">
   <p:cSld>
     <p:bg>
       <p:bgPr>
@@ -33078,10 +29649,10 @@
       </p:sp>
       <p:grpSp>
         <p:nvGrpSpPr>
-          <p:cNvPr id="47" name="Group 46">
+          <p:cNvPr id="36" name="Group 35">
             <a:extLst>
               <a:ext uri="{FF2B5EF4-FFF2-40B4-BE49-F238E27FC236}">
-                <a16:creationId xmlns:a16="http://schemas.microsoft.com/office/drawing/2014/main" id="{E371626C-5979-3E9D-46CD-5E985C06FE1C}"/>
+                <a16:creationId xmlns:a16="http://schemas.microsoft.com/office/drawing/2014/main" id="{14B403EA-42F9-94A6-CF89-2AA8F3CF59E9}"/>
               </a:ext>
             </a:extLst>
           </p:cNvPr>
@@ -33090,18 +29661,65 @@
         </p:nvGrpSpPr>
         <p:grpSpPr>
           <a:xfrm>
-            <a:off x="3723452" y="467662"/>
-            <a:ext cx="8057783" cy="5753941"/>
-            <a:chOff x="1367113" y="385600"/>
-            <a:chExt cx="8057783" cy="5753941"/>
+            <a:off x="5123443" y="467662"/>
+            <a:ext cx="6657792" cy="5753941"/>
+            <a:chOff x="1008977" y="279182"/>
+            <a:chExt cx="6657792" cy="5753941"/>
           </a:xfrm>
         </p:grpSpPr>
+        <p:cxnSp>
+          <p:nvCxnSpPr>
+            <p:cNvPr id="27" name="Straight Connector 26">
+              <a:extLst>
+                <a:ext uri="{FF2B5EF4-FFF2-40B4-BE49-F238E27FC236}">
+                  <a16:creationId xmlns:a16="http://schemas.microsoft.com/office/drawing/2014/main" id="{38102AB9-C26C-9027-4A21-B63B851FC1F7}"/>
+                </a:ext>
+              </a:extLst>
+            </p:cNvPr>
+            <p:cNvCxnSpPr>
+              <a:cxnSpLocks/>
+            </p:cNvCxnSpPr>
+            <p:nvPr/>
+          </p:nvCxnSpPr>
+          <p:spPr>
+            <a:xfrm flipV="1">
+              <a:off x="1368810" y="279182"/>
+              <a:ext cx="0" cy="4723167"/>
+            </a:xfrm>
+            <a:prstGeom prst="line">
+              <a:avLst/>
+            </a:prstGeom>
+            <a:ln w="76200" cap="flat" cmpd="sng" algn="ctr">
+              <a:solidFill>
+                <a:schemeClr val="dk1"/>
+              </a:solidFill>
+              <a:prstDash val="solid"/>
+              <a:round/>
+              <a:headEnd type="none" w="med" len="med"/>
+              <a:tailEnd type="none" w="med" len="med"/>
+            </a:ln>
+          </p:spPr>
+          <p:style>
+            <a:lnRef idx="0">
+              <a:scrgbClr r="0" g="0" b="0"/>
+            </a:lnRef>
+            <a:fillRef idx="0">
+              <a:scrgbClr r="0" g="0" b="0"/>
+            </a:fillRef>
+            <a:effectRef idx="0">
+              <a:scrgbClr r="0" g="0" b="0"/>
+            </a:effectRef>
+            <a:fontRef idx="minor">
+              <a:schemeClr val="tx1"/>
+            </a:fontRef>
+          </p:style>
+        </p:cxnSp>
         <p:grpSp>
           <p:nvGrpSpPr>
-            <p:cNvPr id="36" name="Group 35">
+            <p:cNvPr id="35" name="Group 34">
               <a:extLst>
                 <a:ext uri="{FF2B5EF4-FFF2-40B4-BE49-F238E27FC236}">
-                  <a16:creationId xmlns:a16="http://schemas.microsoft.com/office/drawing/2014/main" id="{14B403EA-42F9-94A6-CF89-2AA8F3CF59E9}"/>
+                  <a16:creationId xmlns:a16="http://schemas.microsoft.com/office/drawing/2014/main" id="{F9E6B759-70CF-B9D5-B267-1CBE2DFFFBC4}"/>
                 </a:ext>
               </a:extLst>
             </p:cNvPr>
@@ -33110,18 +29728,18 @@
           </p:nvGrpSpPr>
           <p:grpSpPr>
             <a:xfrm>
-              <a:off x="2767104" y="385600"/>
-              <a:ext cx="6657792" cy="5753941"/>
-              <a:chOff x="1008977" y="279182"/>
-              <a:chExt cx="6657792" cy="5753941"/>
+              <a:off x="1008977" y="883495"/>
+              <a:ext cx="6657792" cy="5149628"/>
+              <a:chOff x="1008977" y="883495"/>
+              <a:chExt cx="6657792" cy="5149628"/>
             </a:xfrm>
           </p:grpSpPr>
           <p:cxnSp>
             <p:nvCxnSpPr>
-              <p:cNvPr id="27" name="Straight Connector 26">
+              <p:cNvPr id="5" name="Straight Connector 4">
                 <a:extLst>
                   <a:ext uri="{FF2B5EF4-FFF2-40B4-BE49-F238E27FC236}">
-                    <a16:creationId xmlns:a16="http://schemas.microsoft.com/office/drawing/2014/main" id="{38102AB9-C26C-9027-4A21-B63B851FC1F7}"/>
+                    <a16:creationId xmlns:a16="http://schemas.microsoft.com/office/drawing/2014/main" id="{884A4BC7-30D6-D271-3D09-0C3573F57326}"/>
                   </a:ext>
                 </a:extLst>
               </p:cNvPr>
@@ -33131,9 +29749,9 @@
               <p:nvPr/>
             </p:nvCxnSpPr>
             <p:spPr>
-              <a:xfrm flipV="1">
-                <a:off x="1368810" y="279182"/>
-                <a:ext cx="0" cy="4723167"/>
+              <a:xfrm>
+                <a:off x="1344992" y="4965404"/>
+                <a:ext cx="6321777" cy="0"/>
               </a:xfrm>
               <a:prstGeom prst="line">
                 <a:avLst/>
@@ -33163,860 +29781,802 @@
               </a:fontRef>
             </p:style>
           </p:cxnSp>
-          <p:grpSp>
-            <p:nvGrpSpPr>
-              <p:cNvPr id="35" name="Group 34">
+          <p:cxnSp>
+            <p:nvCxnSpPr>
+              <p:cNvPr id="7" name="Straight Connector 6">
                 <a:extLst>
                   <a:ext uri="{FF2B5EF4-FFF2-40B4-BE49-F238E27FC236}">
-                    <a16:creationId xmlns:a16="http://schemas.microsoft.com/office/drawing/2014/main" id="{F9E6B759-70CF-B9D5-B267-1CBE2DFFFBC4}"/>
+                    <a16:creationId xmlns:a16="http://schemas.microsoft.com/office/drawing/2014/main" id="{308D0B7E-7B43-7D54-4AF9-FA8E36DAC53D}"/>
                   </a:ext>
                 </a:extLst>
               </p:cNvPr>
-              <p:cNvGrpSpPr/>
+              <p:cNvCxnSpPr>
+                <a:cxnSpLocks/>
+              </p:cNvCxnSpPr>
               <p:nvPr/>
-            </p:nvGrpSpPr>
-            <p:grpSpPr>
+            </p:nvCxnSpPr>
+            <p:spPr>
               <a:xfrm>
-                <a:off x="1008977" y="883495"/>
-                <a:ext cx="6657792" cy="5149628"/>
-                <a:chOff x="1008977" y="883495"/>
-                <a:chExt cx="6657792" cy="5149628"/>
+                <a:off x="2187860" y="4605571"/>
+                <a:ext cx="0" cy="719666"/>
               </a:xfrm>
-            </p:grpSpPr>
-            <p:cxnSp>
-              <p:nvCxnSpPr>
-                <p:cNvPr id="5" name="Straight Connector 4">
-                  <a:extLst>
-                    <a:ext uri="{FF2B5EF4-FFF2-40B4-BE49-F238E27FC236}">
-                      <a16:creationId xmlns:a16="http://schemas.microsoft.com/office/drawing/2014/main" id="{884A4BC7-30D6-D271-3D09-0C3573F57326}"/>
-                    </a:ext>
-                  </a:extLst>
-                </p:cNvPr>
-                <p:cNvCxnSpPr>
-                  <a:cxnSpLocks/>
-                </p:cNvCxnSpPr>
-                <p:nvPr/>
-              </p:nvCxnSpPr>
-              <p:spPr>
-                <a:xfrm>
-                  <a:off x="1344992" y="4965404"/>
-                  <a:ext cx="6321777" cy="0"/>
-                </a:xfrm>
-                <a:prstGeom prst="line">
-                  <a:avLst/>
-                </a:prstGeom>
-                <a:ln w="76200" cap="flat" cmpd="sng" algn="ctr">
-                  <a:solidFill>
-                    <a:schemeClr val="dk1"/>
-                  </a:solidFill>
-                  <a:prstDash val="solid"/>
-                  <a:round/>
-                  <a:headEnd type="none" w="med" len="med"/>
-                  <a:tailEnd type="none" w="med" len="med"/>
-                </a:ln>
-              </p:spPr>
-              <p:style>
-                <a:lnRef idx="0">
-                  <a:scrgbClr r="0" g="0" b="0"/>
-                </a:lnRef>
-                <a:fillRef idx="0">
-                  <a:scrgbClr r="0" g="0" b="0"/>
-                </a:fillRef>
-                <a:effectRef idx="0">
-                  <a:scrgbClr r="0" g="0" b="0"/>
-                </a:effectRef>
-                <a:fontRef idx="minor">
+              <a:prstGeom prst="line">
+                <a:avLst/>
+              </a:prstGeom>
+              <a:ln w="76200">
+                <a:solidFill>
                   <a:schemeClr val="tx1"/>
-                </a:fontRef>
-              </p:style>
-            </p:cxnSp>
-            <p:cxnSp>
-              <p:nvCxnSpPr>
-                <p:cNvPr id="7" name="Straight Connector 6">
-                  <a:extLst>
-                    <a:ext uri="{FF2B5EF4-FFF2-40B4-BE49-F238E27FC236}">
-                      <a16:creationId xmlns:a16="http://schemas.microsoft.com/office/drawing/2014/main" id="{308D0B7E-7B43-7D54-4AF9-FA8E36DAC53D}"/>
-                    </a:ext>
-                  </a:extLst>
-                </p:cNvPr>
-                <p:cNvCxnSpPr>
-                  <a:cxnSpLocks/>
-                </p:cNvCxnSpPr>
-                <p:nvPr/>
-              </p:nvCxnSpPr>
-              <p:spPr>
-                <a:xfrm>
-                  <a:off x="2187860" y="4605571"/>
-                  <a:ext cx="0" cy="719666"/>
-                </a:xfrm>
-                <a:prstGeom prst="line">
-                  <a:avLst/>
-                </a:prstGeom>
-                <a:ln w="76200">
-                  <a:solidFill>
-                    <a:schemeClr val="tx1"/>
-                  </a:solidFill>
-                </a:ln>
-              </p:spPr>
-              <p:style>
-                <a:lnRef idx="1">
-                  <a:schemeClr val="accent1"/>
-                </a:lnRef>
-                <a:fillRef idx="0">
-                  <a:schemeClr val="accent1"/>
-                </a:fillRef>
-                <a:effectRef idx="0">
-                  <a:schemeClr val="accent1"/>
-                </a:effectRef>
-                <a:fontRef idx="minor">
+                </a:solidFill>
+              </a:ln>
+            </p:spPr>
+            <p:style>
+              <a:lnRef idx="1">
+                <a:schemeClr val="accent1"/>
+              </a:lnRef>
+              <a:fillRef idx="0">
+                <a:schemeClr val="accent1"/>
+              </a:fillRef>
+              <a:effectRef idx="0">
+                <a:schemeClr val="accent1"/>
+              </a:effectRef>
+              <a:fontRef idx="minor">
+                <a:schemeClr val="tx1"/>
+              </a:fontRef>
+            </p:style>
+          </p:cxnSp>
+          <p:cxnSp>
+            <p:nvCxnSpPr>
+              <p:cNvPr id="8" name="Straight Connector 7">
+                <a:extLst>
+                  <a:ext uri="{FF2B5EF4-FFF2-40B4-BE49-F238E27FC236}">
+                    <a16:creationId xmlns:a16="http://schemas.microsoft.com/office/drawing/2014/main" id="{6FBD7D33-8AC9-9A29-DA94-A8AD96B3861E}"/>
+                  </a:ext>
+                </a:extLst>
+              </p:cNvPr>
+              <p:cNvCxnSpPr>
+                <a:cxnSpLocks/>
+              </p:cNvCxnSpPr>
+              <p:nvPr/>
+            </p:nvCxnSpPr>
+            <p:spPr>
+              <a:xfrm>
+                <a:off x="4215409" y="4605571"/>
+                <a:ext cx="0" cy="719666"/>
+              </a:xfrm>
+              <a:prstGeom prst="line">
+                <a:avLst/>
+              </a:prstGeom>
+              <a:ln w="76200">
+                <a:solidFill>
                   <a:schemeClr val="tx1"/>
-                </a:fontRef>
-              </p:style>
-            </p:cxnSp>
-            <p:cxnSp>
-              <p:nvCxnSpPr>
-                <p:cNvPr id="8" name="Straight Connector 7">
-                  <a:extLst>
-                    <a:ext uri="{FF2B5EF4-FFF2-40B4-BE49-F238E27FC236}">
-                      <a16:creationId xmlns:a16="http://schemas.microsoft.com/office/drawing/2014/main" id="{6FBD7D33-8AC9-9A29-DA94-A8AD96B3861E}"/>
-                    </a:ext>
-                  </a:extLst>
-                </p:cNvPr>
-                <p:cNvCxnSpPr>
-                  <a:cxnSpLocks/>
-                </p:cNvCxnSpPr>
-                <p:nvPr/>
-              </p:nvCxnSpPr>
-              <p:spPr>
-                <a:xfrm>
-                  <a:off x="4215409" y="4605571"/>
-                  <a:ext cx="0" cy="719666"/>
-                </a:xfrm>
-                <a:prstGeom prst="line">
-                  <a:avLst/>
-                </a:prstGeom>
-                <a:ln w="76200">
-                  <a:solidFill>
-                    <a:schemeClr val="tx1"/>
-                  </a:solidFill>
-                </a:ln>
-              </p:spPr>
-              <p:style>
-                <a:lnRef idx="1">
-                  <a:schemeClr val="accent1"/>
-                </a:lnRef>
-                <a:fillRef idx="0">
-                  <a:schemeClr val="accent1"/>
-                </a:fillRef>
-                <a:effectRef idx="0">
-                  <a:schemeClr val="accent1"/>
-                </a:effectRef>
-                <a:fontRef idx="minor">
+                </a:solidFill>
+              </a:ln>
+            </p:spPr>
+            <p:style>
+              <a:lnRef idx="1">
+                <a:schemeClr val="accent1"/>
+              </a:lnRef>
+              <a:fillRef idx="0">
+                <a:schemeClr val="accent1"/>
+              </a:fillRef>
+              <a:effectRef idx="0">
+                <a:schemeClr val="accent1"/>
+              </a:effectRef>
+              <a:fontRef idx="minor">
+                <a:schemeClr val="tx1"/>
+              </a:fontRef>
+            </p:style>
+          </p:cxnSp>
+          <p:cxnSp>
+            <p:nvCxnSpPr>
+              <p:cNvPr id="11" name="Straight Connector 10">
+                <a:extLst>
+                  <a:ext uri="{FF2B5EF4-FFF2-40B4-BE49-F238E27FC236}">
+                    <a16:creationId xmlns:a16="http://schemas.microsoft.com/office/drawing/2014/main" id="{3A454E02-867B-AF4A-810E-9B67A5512ADE}"/>
+                  </a:ext>
+                </a:extLst>
+              </p:cNvPr>
+              <p:cNvCxnSpPr>
+                <a:cxnSpLocks/>
+              </p:cNvCxnSpPr>
+              <p:nvPr/>
+            </p:nvCxnSpPr>
+            <p:spPr>
+              <a:xfrm>
+                <a:off x="6242958" y="4605571"/>
+                <a:ext cx="0" cy="719666"/>
+              </a:xfrm>
+              <a:prstGeom prst="line">
+                <a:avLst/>
+              </a:prstGeom>
+              <a:ln w="76200">
+                <a:solidFill>
                   <a:schemeClr val="tx1"/>
-                </a:fontRef>
-              </p:style>
-            </p:cxnSp>
-            <p:cxnSp>
-              <p:nvCxnSpPr>
-                <p:cNvPr id="11" name="Straight Connector 10">
-                  <a:extLst>
-                    <a:ext uri="{FF2B5EF4-FFF2-40B4-BE49-F238E27FC236}">
-                      <a16:creationId xmlns:a16="http://schemas.microsoft.com/office/drawing/2014/main" id="{3A454E02-867B-AF4A-810E-9B67A5512ADE}"/>
-                    </a:ext>
-                  </a:extLst>
-                </p:cNvPr>
-                <p:cNvCxnSpPr>
-                  <a:cxnSpLocks/>
-                </p:cNvCxnSpPr>
-                <p:nvPr/>
-              </p:nvCxnSpPr>
-              <p:spPr>
-                <a:xfrm>
-                  <a:off x="6242958" y="4605571"/>
-                  <a:ext cx="0" cy="719666"/>
-                </a:xfrm>
-                <a:prstGeom prst="line">
-                  <a:avLst/>
-                </a:prstGeom>
-                <a:ln w="76200">
-                  <a:solidFill>
-                    <a:schemeClr val="tx1"/>
-                  </a:solidFill>
-                </a:ln>
-              </p:spPr>
-              <p:style>
-                <a:lnRef idx="1">
-                  <a:schemeClr val="accent1"/>
-                </a:lnRef>
-                <a:fillRef idx="0">
-                  <a:schemeClr val="accent1"/>
-                </a:fillRef>
-                <a:effectRef idx="0">
-                  <a:schemeClr val="accent1"/>
-                </a:effectRef>
-                <a:fontRef idx="minor">
+                </a:solidFill>
+              </a:ln>
+            </p:spPr>
+            <p:style>
+              <a:lnRef idx="1">
+                <a:schemeClr val="accent1"/>
+              </a:lnRef>
+              <a:fillRef idx="0">
+                <a:schemeClr val="accent1"/>
+              </a:fillRef>
+              <a:effectRef idx="0">
+                <a:schemeClr val="accent1"/>
+              </a:effectRef>
+              <a:fontRef idx="minor">
+                <a:schemeClr val="tx1"/>
+              </a:fontRef>
+            </p:style>
+          </p:cxnSp>
+          <p:sp>
+            <p:nvSpPr>
+              <p:cNvPr id="20" name="TextBox 19">
+                <a:extLst>
+                  <a:ext uri="{FF2B5EF4-FFF2-40B4-BE49-F238E27FC236}">
+                    <a16:creationId xmlns:a16="http://schemas.microsoft.com/office/drawing/2014/main" id="{64AF8312-265C-9B55-BF44-208288F7097D}"/>
+                  </a:ext>
+                </a:extLst>
+              </p:cNvPr>
+              <p:cNvSpPr txBox="1"/>
+              <p:nvPr/>
+            </p:nvSpPr>
+            <p:spPr>
+              <a:xfrm>
+                <a:off x="1965684" y="5325237"/>
+                <a:ext cx="444352" cy="707886"/>
+              </a:xfrm>
+              <a:prstGeom prst="rect">
+                <a:avLst/>
+              </a:prstGeom>
+              <a:noFill/>
+            </p:spPr>
+            <p:txBody>
+              <a:bodyPr wrap="none" rtlCol="0">
+                <a:spAutoFit/>
+              </a:bodyPr>
+              <a:lstStyle/>
+              <a:p>
+                <a:r>
+                  <a:rPr lang="en-US" sz="4000" dirty="0"/>
+                  <a:t>1</a:t>
+                </a:r>
+              </a:p>
+            </p:txBody>
+          </p:sp>
+          <p:sp>
+            <p:nvSpPr>
+              <p:cNvPr id="21" name="TextBox 20">
+                <a:extLst>
+                  <a:ext uri="{FF2B5EF4-FFF2-40B4-BE49-F238E27FC236}">
+                    <a16:creationId xmlns:a16="http://schemas.microsoft.com/office/drawing/2014/main" id="{379A9A98-4591-999F-E2E8-86EB31403254}"/>
+                  </a:ext>
+                </a:extLst>
+              </p:cNvPr>
+              <p:cNvSpPr txBox="1"/>
+              <p:nvPr/>
+            </p:nvSpPr>
+            <p:spPr>
+              <a:xfrm>
+                <a:off x="3993232" y="5325237"/>
+                <a:ext cx="444352" cy="707886"/>
+              </a:xfrm>
+              <a:prstGeom prst="rect">
+                <a:avLst/>
+              </a:prstGeom>
+              <a:noFill/>
+            </p:spPr>
+            <p:txBody>
+              <a:bodyPr wrap="none" rtlCol="0">
+                <a:spAutoFit/>
+              </a:bodyPr>
+              <a:lstStyle/>
+              <a:p>
+                <a:r>
+                  <a:rPr lang="en-US" sz="4000" dirty="0"/>
+                  <a:t>2</a:t>
+                </a:r>
+              </a:p>
+            </p:txBody>
+          </p:sp>
+          <p:sp>
+            <p:nvSpPr>
+              <p:cNvPr id="22" name="TextBox 21">
+                <a:extLst>
+                  <a:ext uri="{FF2B5EF4-FFF2-40B4-BE49-F238E27FC236}">
+                    <a16:creationId xmlns:a16="http://schemas.microsoft.com/office/drawing/2014/main" id="{12369EEC-4B80-B8F8-7743-B0543030996F}"/>
+                  </a:ext>
+                </a:extLst>
+              </p:cNvPr>
+              <p:cNvSpPr txBox="1"/>
+              <p:nvPr/>
+            </p:nvSpPr>
+            <p:spPr>
+              <a:xfrm>
+                <a:off x="6020780" y="5325237"/>
+                <a:ext cx="444352" cy="707886"/>
+              </a:xfrm>
+              <a:prstGeom prst="rect">
+                <a:avLst/>
+              </a:prstGeom>
+              <a:noFill/>
+            </p:spPr>
+            <p:txBody>
+              <a:bodyPr wrap="none" rtlCol="0">
+                <a:spAutoFit/>
+              </a:bodyPr>
+              <a:lstStyle/>
+              <a:p>
+                <a:r>
+                  <a:rPr lang="en-US" sz="4000" dirty="0"/>
+                  <a:t>3</a:t>
+                </a:r>
+              </a:p>
+            </p:txBody>
+          </p:sp>
+          <p:cxnSp>
+            <p:nvCxnSpPr>
+              <p:cNvPr id="32" name="Straight Connector 31">
+                <a:extLst>
+                  <a:ext uri="{FF2B5EF4-FFF2-40B4-BE49-F238E27FC236}">
+                    <a16:creationId xmlns:a16="http://schemas.microsoft.com/office/drawing/2014/main" id="{E1075756-3CC3-AE2B-E01C-DC69C69D6B18}"/>
+                  </a:ext>
+                </a:extLst>
+              </p:cNvPr>
+              <p:cNvCxnSpPr>
+                <a:cxnSpLocks/>
+              </p:cNvCxnSpPr>
+              <p:nvPr/>
+            </p:nvCxnSpPr>
+            <p:spPr>
+              <a:xfrm rot="5400000">
+                <a:off x="1392629" y="3864739"/>
+                <a:ext cx="0" cy="719666"/>
+              </a:xfrm>
+              <a:prstGeom prst="line">
+                <a:avLst/>
+              </a:prstGeom>
+              <a:ln w="76200">
+                <a:solidFill>
                   <a:schemeClr val="tx1"/>
-                </a:fontRef>
-              </p:style>
-            </p:cxnSp>
-            <p:sp>
-              <p:nvSpPr>
-                <p:cNvPr id="20" name="TextBox 19">
-                  <a:extLst>
-                    <a:ext uri="{FF2B5EF4-FFF2-40B4-BE49-F238E27FC236}">
-                      <a16:creationId xmlns:a16="http://schemas.microsoft.com/office/drawing/2014/main" id="{64AF8312-265C-9B55-BF44-208288F7097D}"/>
-                    </a:ext>
-                  </a:extLst>
-                </p:cNvPr>
-                <p:cNvSpPr txBox="1"/>
-                <p:nvPr/>
-              </p:nvSpPr>
-              <p:spPr>
-                <a:xfrm>
-                  <a:off x="1965684" y="5325237"/>
-                  <a:ext cx="444352" cy="707886"/>
-                </a:xfrm>
-                <a:prstGeom prst="rect">
-                  <a:avLst/>
-                </a:prstGeom>
-                <a:noFill/>
-              </p:spPr>
-              <p:txBody>
-                <a:bodyPr wrap="none" rtlCol="0">
-                  <a:spAutoFit/>
-                </a:bodyPr>
-                <a:lstStyle/>
-                <a:p>
-                  <a:r>
-                    <a:rPr lang="en-US" sz="4000" dirty="0"/>
-                    <a:t>1</a:t>
-                  </a:r>
-                </a:p>
-              </p:txBody>
-            </p:sp>
-            <p:sp>
-              <p:nvSpPr>
-                <p:cNvPr id="21" name="TextBox 20">
-                  <a:extLst>
-                    <a:ext uri="{FF2B5EF4-FFF2-40B4-BE49-F238E27FC236}">
-                      <a16:creationId xmlns:a16="http://schemas.microsoft.com/office/drawing/2014/main" id="{379A9A98-4591-999F-E2E8-86EB31403254}"/>
-                    </a:ext>
-                  </a:extLst>
-                </p:cNvPr>
-                <p:cNvSpPr txBox="1"/>
-                <p:nvPr/>
-              </p:nvSpPr>
-              <p:spPr>
-                <a:xfrm>
-                  <a:off x="3993232" y="5325237"/>
-                  <a:ext cx="444352" cy="707886"/>
-                </a:xfrm>
-                <a:prstGeom prst="rect">
-                  <a:avLst/>
-                </a:prstGeom>
-                <a:noFill/>
-              </p:spPr>
-              <p:txBody>
-                <a:bodyPr wrap="none" rtlCol="0">
-                  <a:spAutoFit/>
-                </a:bodyPr>
-                <a:lstStyle/>
-                <a:p>
-                  <a:r>
-                    <a:rPr lang="en-US" sz="4000" dirty="0"/>
-                    <a:t>2</a:t>
-                  </a:r>
-                </a:p>
-              </p:txBody>
-            </p:sp>
-            <p:sp>
-              <p:nvSpPr>
-                <p:cNvPr id="22" name="TextBox 21">
-                  <a:extLst>
-                    <a:ext uri="{FF2B5EF4-FFF2-40B4-BE49-F238E27FC236}">
-                      <a16:creationId xmlns:a16="http://schemas.microsoft.com/office/drawing/2014/main" id="{12369EEC-4B80-B8F8-7743-B0543030996F}"/>
-                    </a:ext>
-                  </a:extLst>
-                </p:cNvPr>
-                <p:cNvSpPr txBox="1"/>
-                <p:nvPr/>
-              </p:nvSpPr>
-              <p:spPr>
-                <a:xfrm>
-                  <a:off x="6020780" y="5325237"/>
-                  <a:ext cx="444352" cy="707886"/>
-                </a:xfrm>
-                <a:prstGeom prst="rect">
-                  <a:avLst/>
-                </a:prstGeom>
-                <a:noFill/>
-              </p:spPr>
-              <p:txBody>
-                <a:bodyPr wrap="none" rtlCol="0">
-                  <a:spAutoFit/>
-                </a:bodyPr>
-                <a:lstStyle/>
-                <a:p>
-                  <a:r>
-                    <a:rPr lang="en-US" sz="4000" dirty="0"/>
-                    <a:t>3</a:t>
-                  </a:r>
-                </a:p>
-              </p:txBody>
-            </p:sp>
-            <p:cxnSp>
-              <p:nvCxnSpPr>
-                <p:cNvPr id="32" name="Straight Connector 31">
-                  <a:extLst>
-                    <a:ext uri="{FF2B5EF4-FFF2-40B4-BE49-F238E27FC236}">
-                      <a16:creationId xmlns:a16="http://schemas.microsoft.com/office/drawing/2014/main" id="{E1075756-3CC3-AE2B-E01C-DC69C69D6B18}"/>
-                    </a:ext>
-                  </a:extLst>
-                </p:cNvPr>
-                <p:cNvCxnSpPr>
-                  <a:cxnSpLocks/>
-                </p:cNvCxnSpPr>
-                <p:nvPr/>
-              </p:nvCxnSpPr>
-              <p:spPr>
-                <a:xfrm rot="5400000">
-                  <a:off x="1392629" y="3864739"/>
-                  <a:ext cx="0" cy="719666"/>
-                </a:xfrm>
-                <a:prstGeom prst="line">
-                  <a:avLst/>
-                </a:prstGeom>
-                <a:ln w="76200">
-                  <a:solidFill>
-                    <a:schemeClr val="tx1"/>
-                  </a:solidFill>
-                </a:ln>
-              </p:spPr>
-              <p:style>
-                <a:lnRef idx="1">
-                  <a:schemeClr val="accent1"/>
-                </a:lnRef>
-                <a:fillRef idx="0">
-                  <a:schemeClr val="accent1"/>
-                </a:fillRef>
-                <a:effectRef idx="0">
-                  <a:schemeClr val="accent1"/>
-                </a:effectRef>
-                <a:fontRef idx="minor">
+                </a:solidFill>
+              </a:ln>
+            </p:spPr>
+            <p:style>
+              <a:lnRef idx="1">
+                <a:schemeClr val="accent1"/>
+              </a:lnRef>
+              <a:fillRef idx="0">
+                <a:schemeClr val="accent1"/>
+              </a:fillRef>
+              <a:effectRef idx="0">
+                <a:schemeClr val="accent1"/>
+              </a:effectRef>
+              <a:fontRef idx="minor">
+                <a:schemeClr val="tx1"/>
+              </a:fontRef>
+            </p:style>
+          </p:cxnSp>
+          <p:cxnSp>
+            <p:nvCxnSpPr>
+              <p:cNvPr id="33" name="Straight Connector 32">
+                <a:extLst>
+                  <a:ext uri="{FF2B5EF4-FFF2-40B4-BE49-F238E27FC236}">
+                    <a16:creationId xmlns:a16="http://schemas.microsoft.com/office/drawing/2014/main" id="{B468C4BC-B9B9-3FF3-F0BF-1FB61517AB87}"/>
+                  </a:ext>
+                </a:extLst>
+              </p:cNvPr>
+              <p:cNvCxnSpPr>
+                <a:cxnSpLocks/>
+              </p:cNvCxnSpPr>
+              <p:nvPr/>
+            </p:nvCxnSpPr>
+            <p:spPr>
+              <a:xfrm rot="5400000">
+                <a:off x="1368810" y="523662"/>
+                <a:ext cx="0" cy="719666"/>
+              </a:xfrm>
+              <a:prstGeom prst="line">
+                <a:avLst/>
+              </a:prstGeom>
+              <a:ln w="76200">
+                <a:solidFill>
                   <a:schemeClr val="tx1"/>
-                </a:fontRef>
-              </p:style>
-            </p:cxnSp>
-            <p:cxnSp>
-              <p:nvCxnSpPr>
-                <p:cNvPr id="33" name="Straight Connector 32">
-                  <a:extLst>
-                    <a:ext uri="{FF2B5EF4-FFF2-40B4-BE49-F238E27FC236}">
-                      <a16:creationId xmlns:a16="http://schemas.microsoft.com/office/drawing/2014/main" id="{B468C4BC-B9B9-3FF3-F0BF-1FB61517AB87}"/>
-                    </a:ext>
-                  </a:extLst>
-                </p:cNvPr>
-                <p:cNvCxnSpPr>
-                  <a:cxnSpLocks/>
-                </p:cNvCxnSpPr>
-                <p:nvPr/>
-              </p:nvCxnSpPr>
-              <p:spPr>
-                <a:xfrm rot="5400000">
-                  <a:off x="1368810" y="523662"/>
-                  <a:ext cx="0" cy="719666"/>
-                </a:xfrm>
-                <a:prstGeom prst="line">
-                  <a:avLst/>
-                </a:prstGeom>
-                <a:ln w="76200">
-                  <a:solidFill>
-                    <a:schemeClr val="tx1"/>
-                  </a:solidFill>
-                </a:ln>
-              </p:spPr>
-              <p:style>
-                <a:lnRef idx="1">
-                  <a:schemeClr val="accent1"/>
-                </a:lnRef>
-                <a:fillRef idx="0">
-                  <a:schemeClr val="accent1"/>
-                </a:fillRef>
-                <a:effectRef idx="0">
-                  <a:schemeClr val="accent1"/>
-                </a:effectRef>
-                <a:fontRef idx="minor">
-                  <a:schemeClr val="tx1"/>
-                </a:fontRef>
-              </p:style>
-            </p:cxnSp>
-          </p:grpSp>
+                </a:solidFill>
+              </a:ln>
+            </p:spPr>
+            <p:style>
+              <a:lnRef idx="1">
+                <a:schemeClr val="accent1"/>
+              </a:lnRef>
+              <a:fillRef idx="0">
+                <a:schemeClr val="accent1"/>
+              </a:fillRef>
+              <a:effectRef idx="0">
+                <a:schemeClr val="accent1"/>
+              </a:effectRef>
+              <a:fontRef idx="minor">
+                <a:schemeClr val="tx1"/>
+              </a:fontRef>
+            </p:style>
+          </p:cxnSp>
         </p:grpSp>
-        <p:sp>
-          <p:nvSpPr>
-            <p:cNvPr id="37" name="TextBox 36">
-              <a:extLst>
-                <a:ext uri="{FF2B5EF4-FFF2-40B4-BE49-F238E27FC236}">
-                  <a16:creationId xmlns:a16="http://schemas.microsoft.com/office/drawing/2014/main" id="{DE6DF2BE-F3C6-CC6B-09E5-30449B32CC90}"/>
-                </a:ext>
-              </a:extLst>
-            </p:cNvPr>
-            <p:cNvSpPr txBox="1"/>
-            <p:nvPr/>
-          </p:nvSpPr>
-          <p:spPr>
-            <a:xfrm>
-              <a:off x="1367113" y="4123241"/>
-              <a:ext cx="1376173" cy="415498"/>
-            </a:xfrm>
-            <a:prstGeom prst="rect">
-              <a:avLst/>
-            </a:prstGeom>
-            <a:noFill/>
-          </p:spPr>
-          <p:txBody>
-            <a:bodyPr wrap="square" rtlCol="0">
-              <a:spAutoFit/>
-            </a:bodyPr>
-            <a:lstStyle/>
-            <a:p>
-              <a:r>
-                <a:rPr lang="en-US" sz="2100" b="1" dirty="0"/>
-                <a:t>Not Obese</a:t>
-              </a:r>
-              <a:endParaRPr lang="en-PH" sz="2100" b="1" dirty="0"/>
-            </a:p>
-          </p:txBody>
-        </p:sp>
-        <p:sp>
-          <p:nvSpPr>
-            <p:cNvPr id="38" name="TextBox 37">
-              <a:extLst>
-                <a:ext uri="{FF2B5EF4-FFF2-40B4-BE49-F238E27FC236}">
-                  <a16:creationId xmlns:a16="http://schemas.microsoft.com/office/drawing/2014/main" id="{F2E08882-1EAA-C4D0-451C-758245FEF24E}"/>
-                </a:ext>
-              </a:extLst>
-            </p:cNvPr>
-            <p:cNvSpPr txBox="1"/>
-            <p:nvPr/>
-          </p:nvSpPr>
-          <p:spPr>
-            <a:xfrm>
-              <a:off x="1658321" y="782164"/>
-              <a:ext cx="940776" cy="415498"/>
-            </a:xfrm>
-            <a:prstGeom prst="rect">
-              <a:avLst/>
-            </a:prstGeom>
-            <a:noFill/>
-          </p:spPr>
-          <p:txBody>
-            <a:bodyPr wrap="square" rtlCol="0">
-              <a:spAutoFit/>
-            </a:bodyPr>
-            <a:lstStyle/>
-            <a:p>
-              <a:r>
-                <a:rPr lang="en-US" sz="2100" b="1" dirty="0"/>
-                <a:t>Obese</a:t>
-              </a:r>
-              <a:endParaRPr lang="en-PH" sz="2100" b="1" dirty="0"/>
-            </a:p>
-          </p:txBody>
-        </p:sp>
-        <p:sp>
-          <p:nvSpPr>
-            <p:cNvPr id="39" name="Oval 38">
-              <a:extLst>
-                <a:ext uri="{FF2B5EF4-FFF2-40B4-BE49-F238E27FC236}">
-                  <a16:creationId xmlns:a16="http://schemas.microsoft.com/office/drawing/2014/main" id="{8C880E96-0D44-C3E9-CB22-852A7F1B97AF}"/>
-                </a:ext>
-              </a:extLst>
-            </p:cNvPr>
-            <p:cNvSpPr/>
-            <p:nvPr/>
-          </p:nvSpPr>
-          <p:spPr>
-            <a:xfrm>
-              <a:off x="3747815" y="4155827"/>
-              <a:ext cx="422031" cy="404439"/>
-            </a:xfrm>
-            <a:prstGeom prst="ellipse">
-              <a:avLst/>
-            </a:prstGeom>
+      </p:grpSp>
+      <p:sp>
+        <p:nvSpPr>
+          <p:cNvPr id="37" name="TextBox 36">
+            <a:extLst>
+              <a:ext uri="{FF2B5EF4-FFF2-40B4-BE49-F238E27FC236}">
+                <a16:creationId xmlns:a16="http://schemas.microsoft.com/office/drawing/2014/main" id="{DE6DF2BE-F3C6-CC6B-09E5-30449B32CC90}"/>
+              </a:ext>
+            </a:extLst>
+          </p:cNvPr>
+          <p:cNvSpPr txBox="1"/>
+          <p:nvPr/>
+        </p:nvSpPr>
+        <p:spPr>
+          <a:xfrm>
+            <a:off x="3723452" y="4205303"/>
+            <a:ext cx="1376173" cy="415498"/>
+          </a:xfrm>
+          <a:prstGeom prst="rect">
+            <a:avLst/>
+          </a:prstGeom>
+          <a:noFill/>
+        </p:spPr>
+        <p:txBody>
+          <a:bodyPr wrap="square" rtlCol="0">
+            <a:spAutoFit/>
+          </a:bodyPr>
+          <a:lstStyle/>
+          <a:p>
+            <a:r>
+              <a:rPr lang="en-US" sz="2100" b="1" dirty="0"/>
+              <a:t>Not Obese</a:t>
+            </a:r>
+            <a:endParaRPr lang="en-PH" sz="2100" b="1" dirty="0"/>
+          </a:p>
+        </p:txBody>
+      </p:sp>
+      <p:sp>
+        <p:nvSpPr>
+          <p:cNvPr id="38" name="TextBox 37">
+            <a:extLst>
+              <a:ext uri="{FF2B5EF4-FFF2-40B4-BE49-F238E27FC236}">
+                <a16:creationId xmlns:a16="http://schemas.microsoft.com/office/drawing/2014/main" id="{F2E08882-1EAA-C4D0-451C-758245FEF24E}"/>
+              </a:ext>
+            </a:extLst>
+          </p:cNvPr>
+          <p:cNvSpPr txBox="1"/>
+          <p:nvPr/>
+        </p:nvSpPr>
+        <p:spPr>
+          <a:xfrm>
+            <a:off x="4014660" y="864226"/>
+            <a:ext cx="940776" cy="415498"/>
+          </a:xfrm>
+          <a:prstGeom prst="rect">
+            <a:avLst/>
+          </a:prstGeom>
+          <a:noFill/>
+        </p:spPr>
+        <p:txBody>
+          <a:bodyPr wrap="square" rtlCol="0">
+            <a:spAutoFit/>
+          </a:bodyPr>
+          <a:lstStyle/>
+          <a:p>
+            <a:r>
+              <a:rPr lang="en-US" sz="2100" b="1" dirty="0"/>
+              <a:t>Obese</a:t>
+            </a:r>
+            <a:endParaRPr lang="en-PH" sz="2100" b="1" dirty="0"/>
+          </a:p>
+        </p:txBody>
+      </p:sp>
+      <p:sp>
+        <p:nvSpPr>
+          <p:cNvPr id="39" name="Oval 38">
+            <a:extLst>
+              <a:ext uri="{FF2B5EF4-FFF2-40B4-BE49-F238E27FC236}">
+                <a16:creationId xmlns:a16="http://schemas.microsoft.com/office/drawing/2014/main" id="{8C880E96-0D44-C3E9-CB22-852A7F1B97AF}"/>
+              </a:ext>
+            </a:extLst>
+          </p:cNvPr>
+          <p:cNvSpPr/>
+          <p:nvPr/>
+        </p:nvSpPr>
+        <p:spPr>
+          <a:xfrm>
+            <a:off x="6104154" y="4237889"/>
+            <a:ext cx="422031" cy="404439"/>
+          </a:xfrm>
+          <a:prstGeom prst="ellipse">
+            <a:avLst/>
+          </a:prstGeom>
+        </p:spPr>
+        <p:style>
+          <a:lnRef idx="1">
+            <a:schemeClr val="accent6"/>
+          </a:lnRef>
+          <a:fillRef idx="3">
+            <a:schemeClr val="accent6"/>
+          </a:fillRef>
+          <a:effectRef idx="2">
+            <a:schemeClr val="accent6"/>
+          </a:effectRef>
+          <a:fontRef idx="minor">
+            <a:schemeClr val="lt1"/>
+          </a:fontRef>
+        </p:style>
+        <p:txBody>
+          <a:bodyPr rtlCol="0" anchor="ctr"/>
+          <a:lstStyle/>
+          <a:p>
+            <a:pPr algn="ctr"/>
+            <a:endParaRPr lang="en-US"/>
+          </a:p>
+        </p:txBody>
+      </p:sp>
+      <p:sp>
+        <p:nvSpPr>
+          <p:cNvPr id="40" name="Oval 39">
+            <a:extLst>
+              <a:ext uri="{FF2B5EF4-FFF2-40B4-BE49-F238E27FC236}">
+                <a16:creationId xmlns:a16="http://schemas.microsoft.com/office/drawing/2014/main" id="{9249549F-313C-2BC2-3F5F-659F5DB37DEE}"/>
+              </a:ext>
+            </a:extLst>
+          </p:cNvPr>
+          <p:cNvSpPr/>
+          <p:nvPr/>
+        </p:nvSpPr>
+        <p:spPr>
+          <a:xfrm>
+            <a:off x="6608311" y="4234058"/>
+            <a:ext cx="422031" cy="404439"/>
+          </a:xfrm>
+          <a:prstGeom prst="ellipse">
+            <a:avLst/>
+          </a:prstGeom>
+        </p:spPr>
+        <p:style>
+          <a:lnRef idx="1">
+            <a:schemeClr val="accent6"/>
+          </a:lnRef>
+          <a:fillRef idx="3">
+            <a:schemeClr val="accent6"/>
+          </a:fillRef>
+          <a:effectRef idx="2">
+            <a:schemeClr val="accent6"/>
+          </a:effectRef>
+          <a:fontRef idx="minor">
+            <a:schemeClr val="lt1"/>
+          </a:fontRef>
+        </p:style>
+        <p:txBody>
+          <a:bodyPr rtlCol="0" anchor="ctr"/>
+          <a:lstStyle/>
+          <a:p>
+            <a:pPr algn="ctr"/>
+            <a:endParaRPr lang="en-US"/>
+          </a:p>
+        </p:txBody>
+      </p:sp>
+      <p:sp>
+        <p:nvSpPr>
+          <p:cNvPr id="41" name="Oval 40">
+            <a:extLst>
+              <a:ext uri="{FF2B5EF4-FFF2-40B4-BE49-F238E27FC236}">
+                <a16:creationId xmlns:a16="http://schemas.microsoft.com/office/drawing/2014/main" id="{AEC500FF-C22B-34AC-DDDF-297D3F2D2EBD}"/>
+              </a:ext>
+            </a:extLst>
+          </p:cNvPr>
+          <p:cNvSpPr/>
+          <p:nvPr/>
+        </p:nvSpPr>
+        <p:spPr>
+          <a:xfrm>
+            <a:off x="7489072" y="4247593"/>
+            <a:ext cx="422031" cy="404439"/>
+          </a:xfrm>
+          <a:prstGeom prst="ellipse">
+            <a:avLst/>
+          </a:prstGeom>
+        </p:spPr>
+        <p:style>
+          <a:lnRef idx="1">
+            <a:schemeClr val="accent6"/>
+          </a:lnRef>
+          <a:fillRef idx="3">
+            <a:schemeClr val="accent6"/>
+          </a:fillRef>
+          <a:effectRef idx="2">
+            <a:schemeClr val="accent6"/>
+          </a:effectRef>
+          <a:fontRef idx="minor">
+            <a:schemeClr val="lt1"/>
+          </a:fontRef>
+        </p:style>
+        <p:txBody>
+          <a:bodyPr rtlCol="0" anchor="ctr"/>
+          <a:lstStyle/>
+          <a:p>
+            <a:pPr algn="ctr"/>
+            <a:endParaRPr lang="en-US"/>
+          </a:p>
+        </p:txBody>
+      </p:sp>
+      <p:sp>
+        <p:nvSpPr>
+          <p:cNvPr id="42" name="Oval 41">
+            <a:extLst>
+              <a:ext uri="{FF2B5EF4-FFF2-40B4-BE49-F238E27FC236}">
+                <a16:creationId xmlns:a16="http://schemas.microsoft.com/office/drawing/2014/main" id="{41E22E82-E6F1-943C-7CCD-F7FD9FB73E16}"/>
+              </a:ext>
+            </a:extLst>
+          </p:cNvPr>
+          <p:cNvSpPr/>
+          <p:nvPr/>
+        </p:nvSpPr>
+        <p:spPr>
+          <a:xfrm>
+            <a:off x="8069167" y="875285"/>
+            <a:ext cx="422031" cy="404439"/>
+          </a:xfrm>
+          <a:prstGeom prst="ellipse">
+            <a:avLst/>
+          </a:prstGeom>
+          <a:solidFill>
+            <a:srgbClr val="FF0000"/>
+          </a:solidFill>
+          <a:ln>
             <a:solidFill>
-              <a:srgbClr val="FF0000"/>
+              <a:schemeClr val="accent1"/>
             </a:solidFill>
-          </p:spPr>
-          <p:style>
-            <a:lnRef idx="2">
-              <a:schemeClr val="accent1">
-                <a:shade val="15000"/>
-              </a:schemeClr>
-            </a:lnRef>
-            <a:fillRef idx="1">
+          </a:ln>
+        </p:spPr>
+        <p:style>
+          <a:lnRef idx="2">
+            <a:schemeClr val="accent1">
+              <a:shade val="15000"/>
+            </a:schemeClr>
+          </a:lnRef>
+          <a:fillRef idx="1">
+            <a:schemeClr val="accent1"/>
+          </a:fillRef>
+          <a:effectRef idx="0">
+            <a:schemeClr val="accent1"/>
+          </a:effectRef>
+          <a:fontRef idx="minor">
+            <a:schemeClr val="lt1"/>
+          </a:fontRef>
+        </p:style>
+        <p:txBody>
+          <a:bodyPr rtlCol="0" anchor="ctr"/>
+          <a:lstStyle/>
+          <a:p>
+            <a:pPr algn="ctr"/>
+            <a:endParaRPr lang="en-US"/>
+          </a:p>
+        </p:txBody>
+      </p:sp>
+      <p:sp>
+        <p:nvSpPr>
+          <p:cNvPr id="43" name="Oval 42">
+            <a:extLst>
+              <a:ext uri="{FF2B5EF4-FFF2-40B4-BE49-F238E27FC236}">
+                <a16:creationId xmlns:a16="http://schemas.microsoft.com/office/drawing/2014/main" id="{D2A4A79E-A832-90D2-50D3-FC55F47C3922}"/>
+              </a:ext>
+            </a:extLst>
+          </p:cNvPr>
+          <p:cNvSpPr/>
+          <p:nvPr/>
+        </p:nvSpPr>
+        <p:spPr>
+          <a:xfrm>
+            <a:off x="8913229" y="875285"/>
+            <a:ext cx="422031" cy="404439"/>
+          </a:xfrm>
+          <a:prstGeom prst="ellipse">
+            <a:avLst/>
+          </a:prstGeom>
+          <a:solidFill>
+            <a:srgbClr val="FF0000"/>
+          </a:solidFill>
+          <a:ln>
+            <a:solidFill>
               <a:schemeClr val="accent1"/>
-            </a:fillRef>
-            <a:effectRef idx="0">
+            </a:solidFill>
+          </a:ln>
+        </p:spPr>
+        <p:style>
+          <a:lnRef idx="2">
+            <a:schemeClr val="accent1">
+              <a:shade val="15000"/>
+            </a:schemeClr>
+          </a:lnRef>
+          <a:fillRef idx="1">
+            <a:schemeClr val="accent1"/>
+          </a:fillRef>
+          <a:effectRef idx="0">
+            <a:schemeClr val="accent1"/>
+          </a:effectRef>
+          <a:fontRef idx="minor">
+            <a:schemeClr val="lt1"/>
+          </a:fontRef>
+        </p:style>
+        <p:txBody>
+          <a:bodyPr rtlCol="0" anchor="ctr"/>
+          <a:lstStyle/>
+          <a:p>
+            <a:pPr algn="ctr"/>
+            <a:endParaRPr lang="en-US"/>
+          </a:p>
+        </p:txBody>
+      </p:sp>
+      <p:sp>
+        <p:nvSpPr>
+          <p:cNvPr id="44" name="Oval 43">
+            <a:extLst>
+              <a:ext uri="{FF2B5EF4-FFF2-40B4-BE49-F238E27FC236}">
+                <a16:creationId xmlns:a16="http://schemas.microsoft.com/office/drawing/2014/main" id="{86014145-3378-176C-FC3B-9D9704DD4861}"/>
+              </a:ext>
+            </a:extLst>
+          </p:cNvPr>
+          <p:cNvSpPr/>
+          <p:nvPr/>
+        </p:nvSpPr>
+        <p:spPr>
+          <a:xfrm>
+            <a:off x="9713215" y="875285"/>
+            <a:ext cx="422031" cy="404439"/>
+          </a:xfrm>
+          <a:prstGeom prst="ellipse">
+            <a:avLst/>
+          </a:prstGeom>
+          <a:solidFill>
+            <a:srgbClr val="FF0000"/>
+          </a:solidFill>
+          <a:ln>
+            <a:solidFill>
               <a:schemeClr val="accent1"/>
-            </a:effectRef>
-            <a:fontRef idx="minor">
-              <a:schemeClr val="lt1"/>
-            </a:fontRef>
-          </p:style>
-          <p:txBody>
-            <a:bodyPr rtlCol="0" anchor="ctr"/>
-            <a:lstStyle/>
-            <a:p>
-              <a:pPr algn="ctr"/>
-              <a:endParaRPr lang="en-US"/>
-            </a:p>
-          </p:txBody>
-        </p:sp>
-        <p:sp>
-          <p:nvSpPr>
-            <p:cNvPr id="40" name="Oval 39">
-              <a:extLst>
-                <a:ext uri="{FF2B5EF4-FFF2-40B4-BE49-F238E27FC236}">
-                  <a16:creationId xmlns:a16="http://schemas.microsoft.com/office/drawing/2014/main" id="{9249549F-313C-2BC2-3F5F-659F5DB37DEE}"/>
-                </a:ext>
-              </a:extLst>
-            </p:cNvPr>
-            <p:cNvSpPr/>
-            <p:nvPr/>
-          </p:nvSpPr>
-          <p:spPr>
-            <a:xfrm>
-              <a:off x="4251972" y="4151996"/>
-              <a:ext cx="422031" cy="404439"/>
-            </a:xfrm>
-            <a:prstGeom prst="ellipse">
-              <a:avLst/>
-            </a:prstGeom>
+            </a:solidFill>
+          </a:ln>
+        </p:spPr>
+        <p:style>
+          <a:lnRef idx="2">
+            <a:schemeClr val="accent1">
+              <a:shade val="15000"/>
+            </a:schemeClr>
+          </a:lnRef>
+          <a:fillRef idx="1">
+            <a:schemeClr val="accent1"/>
+          </a:fillRef>
+          <a:effectRef idx="0">
+            <a:schemeClr val="accent1"/>
+          </a:effectRef>
+          <a:fontRef idx="minor">
+            <a:schemeClr val="lt1"/>
+          </a:fontRef>
+        </p:style>
+        <p:txBody>
+          <a:bodyPr rtlCol="0" anchor="ctr"/>
+          <a:lstStyle/>
+          <a:p>
+            <a:pPr algn="ctr"/>
+            <a:endParaRPr lang="en-US"/>
+          </a:p>
+        </p:txBody>
+      </p:sp>
+      <p:sp>
+        <p:nvSpPr>
+          <p:cNvPr id="45" name="Oval 44">
+            <a:extLst>
+              <a:ext uri="{FF2B5EF4-FFF2-40B4-BE49-F238E27FC236}">
+                <a16:creationId xmlns:a16="http://schemas.microsoft.com/office/drawing/2014/main" id="{9762EF16-9E44-0582-E4CB-A291C4E61A8D}"/>
+              </a:ext>
+            </a:extLst>
+          </p:cNvPr>
+          <p:cNvSpPr/>
+          <p:nvPr/>
+        </p:nvSpPr>
+        <p:spPr>
+          <a:xfrm>
+            <a:off x="10187237" y="878336"/>
+            <a:ext cx="422031" cy="404439"/>
+          </a:xfrm>
+          <a:prstGeom prst="ellipse">
+            <a:avLst/>
+          </a:prstGeom>
+          <a:solidFill>
+            <a:srgbClr val="FF0000"/>
+          </a:solidFill>
+          <a:ln>
             <a:solidFill>
-              <a:srgbClr val="FF0000"/>
+              <a:schemeClr val="accent1"/>
             </a:solidFill>
-          </p:spPr>
-          <p:style>
-            <a:lnRef idx="2">
-              <a:schemeClr val="accent1">
-                <a:shade val="15000"/>
-              </a:schemeClr>
-            </a:lnRef>
-            <a:fillRef idx="1">
+          </a:ln>
+        </p:spPr>
+        <p:style>
+          <a:lnRef idx="2">
+            <a:schemeClr val="accent1">
+              <a:shade val="15000"/>
+            </a:schemeClr>
+          </a:lnRef>
+          <a:fillRef idx="1">
+            <a:schemeClr val="accent1"/>
+          </a:fillRef>
+          <a:effectRef idx="0">
+            <a:schemeClr val="accent1"/>
+          </a:effectRef>
+          <a:fontRef idx="minor">
+            <a:schemeClr val="lt1"/>
+          </a:fontRef>
+        </p:style>
+        <p:txBody>
+          <a:bodyPr rtlCol="0" anchor="ctr"/>
+          <a:lstStyle/>
+          <a:p>
+            <a:pPr algn="ctr"/>
+            <a:endParaRPr lang="en-US"/>
+          </a:p>
+        </p:txBody>
+      </p:sp>
+      <p:sp>
+        <p:nvSpPr>
+          <p:cNvPr id="46" name="Oval 45">
+            <a:extLst>
+              <a:ext uri="{FF2B5EF4-FFF2-40B4-BE49-F238E27FC236}">
+                <a16:creationId xmlns:a16="http://schemas.microsoft.com/office/drawing/2014/main" id="{E321545A-65DD-FBD0-C3CF-16432694599C}"/>
+              </a:ext>
+            </a:extLst>
+          </p:cNvPr>
+          <p:cNvSpPr/>
+          <p:nvPr/>
+        </p:nvSpPr>
+        <p:spPr>
+          <a:xfrm>
+            <a:off x="10661259" y="878335"/>
+            <a:ext cx="422031" cy="404439"/>
+          </a:xfrm>
+          <a:prstGeom prst="ellipse">
+            <a:avLst/>
+          </a:prstGeom>
+          <a:solidFill>
+            <a:srgbClr val="FF0000"/>
+          </a:solidFill>
+          <a:ln>
+            <a:solidFill>
               <a:schemeClr val="accent1"/>
-            </a:fillRef>
-            <a:effectRef idx="0">
-              <a:schemeClr val="accent1"/>
-            </a:effectRef>
-            <a:fontRef idx="minor">
-              <a:schemeClr val="lt1"/>
-            </a:fontRef>
-          </p:style>
-          <p:txBody>
-            <a:bodyPr rtlCol="0" anchor="ctr"/>
-            <a:lstStyle/>
-            <a:p>
-              <a:pPr algn="ctr"/>
-              <a:endParaRPr lang="en-US"/>
-            </a:p>
-          </p:txBody>
-        </p:sp>
-        <p:sp>
-          <p:nvSpPr>
-            <p:cNvPr id="41" name="Oval 40">
-              <a:extLst>
-                <a:ext uri="{FF2B5EF4-FFF2-40B4-BE49-F238E27FC236}">
-                  <a16:creationId xmlns:a16="http://schemas.microsoft.com/office/drawing/2014/main" id="{AEC500FF-C22B-34AC-DDDF-297D3F2D2EBD}"/>
-                </a:ext>
-              </a:extLst>
-            </p:cNvPr>
-            <p:cNvSpPr/>
-            <p:nvPr/>
-          </p:nvSpPr>
-          <p:spPr>
-            <a:xfrm>
-              <a:off x="5132733" y="4165531"/>
-              <a:ext cx="422031" cy="404439"/>
-            </a:xfrm>
-            <a:prstGeom prst="ellipse">
-              <a:avLst/>
-            </a:prstGeom>
-            <a:solidFill>
-              <a:srgbClr val="FF0000"/>
             </a:solidFill>
-          </p:spPr>
-          <p:style>
-            <a:lnRef idx="2">
-              <a:schemeClr val="accent1">
-                <a:shade val="15000"/>
-              </a:schemeClr>
-            </a:lnRef>
-            <a:fillRef idx="1">
-              <a:schemeClr val="accent1"/>
-            </a:fillRef>
-            <a:effectRef idx="0">
-              <a:schemeClr val="accent1"/>
-            </a:effectRef>
-            <a:fontRef idx="minor">
-              <a:schemeClr val="lt1"/>
-            </a:fontRef>
-          </p:style>
-          <p:txBody>
-            <a:bodyPr rtlCol="0" anchor="ctr"/>
-            <a:lstStyle/>
-            <a:p>
-              <a:pPr algn="ctr"/>
-              <a:endParaRPr lang="en-US"/>
-            </a:p>
-          </p:txBody>
-        </p:sp>
-        <p:sp>
-          <p:nvSpPr>
-            <p:cNvPr id="42" name="Oval 41">
-              <a:extLst>
-                <a:ext uri="{FF2B5EF4-FFF2-40B4-BE49-F238E27FC236}">
-                  <a16:creationId xmlns:a16="http://schemas.microsoft.com/office/drawing/2014/main" id="{41E22E82-E6F1-943C-7CCD-F7FD9FB73E16}"/>
-                </a:ext>
-              </a:extLst>
-            </p:cNvPr>
-            <p:cNvSpPr/>
-            <p:nvPr/>
-          </p:nvSpPr>
-          <p:spPr>
-            <a:xfrm>
-              <a:off x="5712828" y="793223"/>
-              <a:ext cx="422031" cy="404439"/>
-            </a:xfrm>
-            <a:prstGeom prst="ellipse">
-              <a:avLst/>
-            </a:prstGeom>
-            <a:solidFill>
-              <a:srgbClr val="FF0000"/>
-            </a:solidFill>
-          </p:spPr>
-          <p:style>
-            <a:lnRef idx="2">
-              <a:schemeClr val="accent1">
-                <a:shade val="15000"/>
-              </a:schemeClr>
-            </a:lnRef>
-            <a:fillRef idx="1">
-              <a:schemeClr val="accent1"/>
-            </a:fillRef>
-            <a:effectRef idx="0">
-              <a:schemeClr val="accent1"/>
-            </a:effectRef>
-            <a:fontRef idx="minor">
-              <a:schemeClr val="lt1"/>
-            </a:fontRef>
-          </p:style>
-          <p:txBody>
-            <a:bodyPr rtlCol="0" anchor="ctr"/>
-            <a:lstStyle/>
-            <a:p>
-              <a:pPr algn="ctr"/>
-              <a:endParaRPr lang="en-US"/>
-            </a:p>
-          </p:txBody>
-        </p:sp>
-        <p:sp>
-          <p:nvSpPr>
-            <p:cNvPr id="43" name="Oval 42">
-              <a:extLst>
-                <a:ext uri="{FF2B5EF4-FFF2-40B4-BE49-F238E27FC236}">
-                  <a16:creationId xmlns:a16="http://schemas.microsoft.com/office/drawing/2014/main" id="{D2A4A79E-A832-90D2-50D3-FC55F47C3922}"/>
-                </a:ext>
-              </a:extLst>
-            </p:cNvPr>
-            <p:cNvSpPr/>
-            <p:nvPr/>
-          </p:nvSpPr>
-          <p:spPr>
-            <a:xfrm>
-              <a:off x="6556890" y="793223"/>
-              <a:ext cx="422031" cy="404439"/>
-            </a:xfrm>
-            <a:prstGeom prst="ellipse">
-              <a:avLst/>
-            </a:prstGeom>
-            <a:solidFill>
-              <a:srgbClr val="FF0000"/>
-            </a:solidFill>
-          </p:spPr>
-          <p:style>
-            <a:lnRef idx="2">
-              <a:schemeClr val="accent1">
-                <a:shade val="15000"/>
-              </a:schemeClr>
-            </a:lnRef>
-            <a:fillRef idx="1">
-              <a:schemeClr val="accent1"/>
-            </a:fillRef>
-            <a:effectRef idx="0">
-              <a:schemeClr val="accent1"/>
-            </a:effectRef>
-            <a:fontRef idx="minor">
-              <a:schemeClr val="lt1"/>
-            </a:fontRef>
-          </p:style>
-          <p:txBody>
-            <a:bodyPr rtlCol="0" anchor="ctr"/>
-            <a:lstStyle/>
-            <a:p>
-              <a:pPr algn="ctr"/>
-              <a:endParaRPr lang="en-US"/>
-            </a:p>
-          </p:txBody>
-        </p:sp>
-        <p:sp>
-          <p:nvSpPr>
-            <p:cNvPr id="44" name="Oval 43">
-              <a:extLst>
-                <a:ext uri="{FF2B5EF4-FFF2-40B4-BE49-F238E27FC236}">
-                  <a16:creationId xmlns:a16="http://schemas.microsoft.com/office/drawing/2014/main" id="{86014145-3378-176C-FC3B-9D9704DD4861}"/>
-                </a:ext>
-              </a:extLst>
-            </p:cNvPr>
-            <p:cNvSpPr/>
-            <p:nvPr/>
-          </p:nvSpPr>
-          <p:spPr>
-            <a:xfrm>
-              <a:off x="7356876" y="793223"/>
-              <a:ext cx="422031" cy="404439"/>
-            </a:xfrm>
-            <a:prstGeom prst="ellipse">
-              <a:avLst/>
-            </a:prstGeom>
-            <a:solidFill>
-              <a:srgbClr val="FF0000"/>
-            </a:solidFill>
-          </p:spPr>
-          <p:style>
-            <a:lnRef idx="2">
-              <a:schemeClr val="accent1">
-                <a:shade val="15000"/>
-              </a:schemeClr>
-            </a:lnRef>
-            <a:fillRef idx="1">
-              <a:schemeClr val="accent1"/>
-            </a:fillRef>
-            <a:effectRef idx="0">
-              <a:schemeClr val="accent1"/>
-            </a:effectRef>
-            <a:fontRef idx="minor">
-              <a:schemeClr val="lt1"/>
-            </a:fontRef>
-          </p:style>
-          <p:txBody>
-            <a:bodyPr rtlCol="0" anchor="ctr"/>
-            <a:lstStyle/>
-            <a:p>
-              <a:pPr algn="ctr"/>
-              <a:endParaRPr lang="en-US"/>
-            </a:p>
-          </p:txBody>
-        </p:sp>
-        <p:sp>
-          <p:nvSpPr>
-            <p:cNvPr id="45" name="Oval 44">
-              <a:extLst>
-                <a:ext uri="{FF2B5EF4-FFF2-40B4-BE49-F238E27FC236}">
-                  <a16:creationId xmlns:a16="http://schemas.microsoft.com/office/drawing/2014/main" id="{9762EF16-9E44-0582-E4CB-A291C4E61A8D}"/>
-                </a:ext>
-              </a:extLst>
-            </p:cNvPr>
-            <p:cNvSpPr/>
-            <p:nvPr/>
-          </p:nvSpPr>
-          <p:spPr>
-            <a:xfrm>
-              <a:off x="7830898" y="796274"/>
-              <a:ext cx="422031" cy="404439"/>
-            </a:xfrm>
-            <a:prstGeom prst="ellipse">
-              <a:avLst/>
-            </a:prstGeom>
-            <a:solidFill>
-              <a:srgbClr val="FF0000"/>
-            </a:solidFill>
-          </p:spPr>
-          <p:style>
-            <a:lnRef idx="2">
-              <a:schemeClr val="accent1">
-                <a:shade val="15000"/>
-              </a:schemeClr>
-            </a:lnRef>
-            <a:fillRef idx="1">
-              <a:schemeClr val="accent1"/>
-            </a:fillRef>
-            <a:effectRef idx="0">
-              <a:schemeClr val="accent1"/>
-            </a:effectRef>
-            <a:fontRef idx="minor">
-              <a:schemeClr val="lt1"/>
-            </a:fontRef>
-          </p:style>
-          <p:txBody>
-            <a:bodyPr rtlCol="0" anchor="ctr"/>
-            <a:lstStyle/>
-            <a:p>
-              <a:pPr algn="ctr"/>
-              <a:endParaRPr lang="en-US"/>
-            </a:p>
-          </p:txBody>
-        </p:sp>
-        <p:sp>
-          <p:nvSpPr>
-            <p:cNvPr id="46" name="Oval 45">
-              <a:extLst>
-                <a:ext uri="{FF2B5EF4-FFF2-40B4-BE49-F238E27FC236}">
-                  <a16:creationId xmlns:a16="http://schemas.microsoft.com/office/drawing/2014/main" id="{E321545A-65DD-FBD0-C3CF-16432694599C}"/>
-                </a:ext>
-              </a:extLst>
-            </p:cNvPr>
-            <p:cNvSpPr/>
-            <p:nvPr/>
-          </p:nvSpPr>
-          <p:spPr>
-            <a:xfrm>
-              <a:off x="8304920" y="796273"/>
-              <a:ext cx="422031" cy="404439"/>
-            </a:xfrm>
-            <a:prstGeom prst="ellipse">
-              <a:avLst/>
-            </a:prstGeom>
-            <a:solidFill>
-              <a:srgbClr val="FF0000"/>
-            </a:solidFill>
-          </p:spPr>
-          <p:style>
-            <a:lnRef idx="2">
-              <a:schemeClr val="accent1">
-                <a:shade val="15000"/>
-              </a:schemeClr>
-            </a:lnRef>
-            <a:fillRef idx="1">
-              <a:schemeClr val="accent1"/>
-            </a:fillRef>
-            <a:effectRef idx="0">
-              <a:schemeClr val="accent1"/>
-            </a:effectRef>
-            <a:fontRef idx="minor">
-              <a:schemeClr val="lt1"/>
-            </a:fontRef>
-          </p:style>
-          <p:txBody>
-            <a:bodyPr rtlCol="0" anchor="ctr"/>
-            <a:lstStyle/>
-            <a:p>
-              <a:pPr algn="ctr"/>
-              <a:endParaRPr lang="en-US"/>
-            </a:p>
-          </p:txBody>
-        </p:sp>
-      </p:grpSp>
+          </a:ln>
+        </p:spPr>
+        <p:style>
+          <a:lnRef idx="2">
+            <a:schemeClr val="accent1">
+              <a:shade val="15000"/>
+            </a:schemeClr>
+          </a:lnRef>
+          <a:fillRef idx="1">
+            <a:schemeClr val="accent1"/>
+          </a:fillRef>
+          <a:effectRef idx="0">
+            <a:schemeClr val="accent1"/>
+          </a:effectRef>
+          <a:fontRef idx="minor">
+            <a:schemeClr val="lt1"/>
+          </a:fontRef>
+        </p:style>
+        <p:txBody>
+          <a:bodyPr rtlCol="0" anchor="ctr"/>
+          <a:lstStyle/>
+          <a:p>
+            <a:pPr algn="ctr"/>
+            <a:endParaRPr lang="en-US"/>
+          </a:p>
+        </p:txBody>
+      </p:sp>
       <p:sp>
         <p:nvSpPr>
           <p:cNvPr id="48" name="TextBox 47">
@@ -34158,10 +30718,10 @@
       </p:sp>
       <p:grpSp>
         <p:nvGrpSpPr>
-          <p:cNvPr id="47" name="Group 46">
+          <p:cNvPr id="36" name="Group 35">
             <a:extLst>
               <a:ext uri="{FF2B5EF4-FFF2-40B4-BE49-F238E27FC236}">
-                <a16:creationId xmlns:a16="http://schemas.microsoft.com/office/drawing/2014/main" id="{E371626C-5979-3E9D-46CD-5E985C06FE1C}"/>
+                <a16:creationId xmlns:a16="http://schemas.microsoft.com/office/drawing/2014/main" id="{14B403EA-42F9-94A6-CF89-2AA8F3CF59E9}"/>
               </a:ext>
             </a:extLst>
           </p:cNvPr>
@@ -34170,18 +30730,65 @@
         </p:nvGrpSpPr>
         <p:grpSpPr>
           <a:xfrm>
-            <a:off x="3723452" y="467662"/>
-            <a:ext cx="8057783" cy="5753941"/>
-            <a:chOff x="1367113" y="385600"/>
-            <a:chExt cx="8057783" cy="5753941"/>
+            <a:off x="5123443" y="467662"/>
+            <a:ext cx="6657792" cy="5753941"/>
+            <a:chOff x="1008977" y="279182"/>
+            <a:chExt cx="6657792" cy="5753941"/>
           </a:xfrm>
         </p:grpSpPr>
+        <p:cxnSp>
+          <p:nvCxnSpPr>
+            <p:cNvPr id="27" name="Straight Connector 26">
+              <a:extLst>
+                <a:ext uri="{FF2B5EF4-FFF2-40B4-BE49-F238E27FC236}">
+                  <a16:creationId xmlns:a16="http://schemas.microsoft.com/office/drawing/2014/main" id="{38102AB9-C26C-9027-4A21-B63B851FC1F7}"/>
+                </a:ext>
+              </a:extLst>
+            </p:cNvPr>
+            <p:cNvCxnSpPr>
+              <a:cxnSpLocks/>
+            </p:cNvCxnSpPr>
+            <p:nvPr/>
+          </p:nvCxnSpPr>
+          <p:spPr>
+            <a:xfrm flipV="1">
+              <a:off x="1368810" y="279182"/>
+              <a:ext cx="0" cy="4723167"/>
+            </a:xfrm>
+            <a:prstGeom prst="line">
+              <a:avLst/>
+            </a:prstGeom>
+            <a:ln w="76200" cap="flat" cmpd="sng" algn="ctr">
+              <a:solidFill>
+                <a:schemeClr val="dk1"/>
+              </a:solidFill>
+              <a:prstDash val="solid"/>
+              <a:round/>
+              <a:headEnd type="none" w="med" len="med"/>
+              <a:tailEnd type="none" w="med" len="med"/>
+            </a:ln>
+          </p:spPr>
+          <p:style>
+            <a:lnRef idx="0">
+              <a:scrgbClr r="0" g="0" b="0"/>
+            </a:lnRef>
+            <a:fillRef idx="0">
+              <a:scrgbClr r="0" g="0" b="0"/>
+            </a:fillRef>
+            <a:effectRef idx="0">
+              <a:scrgbClr r="0" g="0" b="0"/>
+            </a:effectRef>
+            <a:fontRef idx="minor">
+              <a:schemeClr val="tx1"/>
+            </a:fontRef>
+          </p:style>
+        </p:cxnSp>
         <p:grpSp>
           <p:nvGrpSpPr>
-            <p:cNvPr id="36" name="Group 35">
+            <p:cNvPr id="35" name="Group 34">
               <a:extLst>
                 <a:ext uri="{FF2B5EF4-FFF2-40B4-BE49-F238E27FC236}">
-                  <a16:creationId xmlns:a16="http://schemas.microsoft.com/office/drawing/2014/main" id="{14B403EA-42F9-94A6-CF89-2AA8F3CF59E9}"/>
+                  <a16:creationId xmlns:a16="http://schemas.microsoft.com/office/drawing/2014/main" id="{F9E6B759-70CF-B9D5-B267-1CBE2DFFFBC4}"/>
                 </a:ext>
               </a:extLst>
             </p:cNvPr>
@@ -34190,18 +30797,18 @@
           </p:nvGrpSpPr>
           <p:grpSpPr>
             <a:xfrm>
-              <a:off x="2767104" y="385600"/>
-              <a:ext cx="6657792" cy="5753941"/>
-              <a:chOff x="1008977" y="279182"/>
-              <a:chExt cx="6657792" cy="5753941"/>
+              <a:off x="1008977" y="883495"/>
+              <a:ext cx="6657792" cy="5149628"/>
+              <a:chOff x="1008977" y="883495"/>
+              <a:chExt cx="6657792" cy="5149628"/>
             </a:xfrm>
           </p:grpSpPr>
           <p:cxnSp>
             <p:nvCxnSpPr>
-              <p:cNvPr id="27" name="Straight Connector 26">
+              <p:cNvPr id="5" name="Straight Connector 4">
                 <a:extLst>
                   <a:ext uri="{FF2B5EF4-FFF2-40B4-BE49-F238E27FC236}">
-                    <a16:creationId xmlns:a16="http://schemas.microsoft.com/office/drawing/2014/main" id="{38102AB9-C26C-9027-4A21-B63B851FC1F7}"/>
+                    <a16:creationId xmlns:a16="http://schemas.microsoft.com/office/drawing/2014/main" id="{884A4BC7-30D6-D271-3D09-0C3573F57326}"/>
                   </a:ext>
                 </a:extLst>
               </p:cNvPr>
@@ -34211,9 +30818,9 @@
               <p:nvPr/>
             </p:nvCxnSpPr>
             <p:spPr>
-              <a:xfrm flipV="1">
-                <a:off x="1368810" y="279182"/>
-                <a:ext cx="0" cy="4723167"/>
+              <a:xfrm>
+                <a:off x="1344992" y="4965404"/>
+                <a:ext cx="6321777" cy="0"/>
               </a:xfrm>
               <a:prstGeom prst="line">
                 <a:avLst/>
@@ -34243,860 +30850,777 @@
               </a:fontRef>
             </p:style>
           </p:cxnSp>
-          <p:grpSp>
-            <p:nvGrpSpPr>
-              <p:cNvPr id="35" name="Group 34">
+          <p:cxnSp>
+            <p:nvCxnSpPr>
+              <p:cNvPr id="7" name="Straight Connector 6">
                 <a:extLst>
                   <a:ext uri="{FF2B5EF4-FFF2-40B4-BE49-F238E27FC236}">
-                    <a16:creationId xmlns:a16="http://schemas.microsoft.com/office/drawing/2014/main" id="{F9E6B759-70CF-B9D5-B267-1CBE2DFFFBC4}"/>
+                    <a16:creationId xmlns:a16="http://schemas.microsoft.com/office/drawing/2014/main" id="{308D0B7E-7B43-7D54-4AF9-FA8E36DAC53D}"/>
                   </a:ext>
                 </a:extLst>
               </p:cNvPr>
-              <p:cNvGrpSpPr/>
+              <p:cNvCxnSpPr>
+                <a:cxnSpLocks/>
+              </p:cNvCxnSpPr>
               <p:nvPr/>
-            </p:nvGrpSpPr>
-            <p:grpSpPr>
+            </p:nvCxnSpPr>
+            <p:spPr>
               <a:xfrm>
-                <a:off x="1008977" y="883495"/>
-                <a:ext cx="6657792" cy="5149628"/>
-                <a:chOff x="1008977" y="883495"/>
-                <a:chExt cx="6657792" cy="5149628"/>
+                <a:off x="2187860" y="4605571"/>
+                <a:ext cx="0" cy="719666"/>
               </a:xfrm>
-            </p:grpSpPr>
-            <p:cxnSp>
-              <p:nvCxnSpPr>
-                <p:cNvPr id="5" name="Straight Connector 4">
-                  <a:extLst>
-                    <a:ext uri="{FF2B5EF4-FFF2-40B4-BE49-F238E27FC236}">
-                      <a16:creationId xmlns:a16="http://schemas.microsoft.com/office/drawing/2014/main" id="{884A4BC7-30D6-D271-3D09-0C3573F57326}"/>
-                    </a:ext>
-                  </a:extLst>
-                </p:cNvPr>
-                <p:cNvCxnSpPr>
-                  <a:cxnSpLocks/>
-                </p:cNvCxnSpPr>
-                <p:nvPr/>
-              </p:nvCxnSpPr>
-              <p:spPr>
-                <a:xfrm>
-                  <a:off x="1344992" y="4965404"/>
-                  <a:ext cx="6321777" cy="0"/>
-                </a:xfrm>
-                <a:prstGeom prst="line">
-                  <a:avLst/>
-                </a:prstGeom>
-                <a:ln w="76200" cap="flat" cmpd="sng" algn="ctr">
-                  <a:solidFill>
-                    <a:schemeClr val="dk1"/>
-                  </a:solidFill>
-                  <a:prstDash val="solid"/>
-                  <a:round/>
-                  <a:headEnd type="none" w="med" len="med"/>
-                  <a:tailEnd type="none" w="med" len="med"/>
-                </a:ln>
-              </p:spPr>
-              <p:style>
-                <a:lnRef idx="0">
-                  <a:scrgbClr r="0" g="0" b="0"/>
-                </a:lnRef>
-                <a:fillRef idx="0">
-                  <a:scrgbClr r="0" g="0" b="0"/>
-                </a:fillRef>
-                <a:effectRef idx="0">
-                  <a:scrgbClr r="0" g="0" b="0"/>
-                </a:effectRef>
-                <a:fontRef idx="minor">
+              <a:prstGeom prst="line">
+                <a:avLst/>
+              </a:prstGeom>
+              <a:ln w="76200">
+                <a:solidFill>
                   <a:schemeClr val="tx1"/>
-                </a:fontRef>
-              </p:style>
-            </p:cxnSp>
-            <p:cxnSp>
-              <p:nvCxnSpPr>
-                <p:cNvPr id="7" name="Straight Connector 6">
-                  <a:extLst>
-                    <a:ext uri="{FF2B5EF4-FFF2-40B4-BE49-F238E27FC236}">
-                      <a16:creationId xmlns:a16="http://schemas.microsoft.com/office/drawing/2014/main" id="{308D0B7E-7B43-7D54-4AF9-FA8E36DAC53D}"/>
-                    </a:ext>
-                  </a:extLst>
-                </p:cNvPr>
-                <p:cNvCxnSpPr>
-                  <a:cxnSpLocks/>
-                </p:cNvCxnSpPr>
-                <p:nvPr/>
-              </p:nvCxnSpPr>
-              <p:spPr>
-                <a:xfrm>
-                  <a:off x="2187860" y="4605571"/>
-                  <a:ext cx="0" cy="719666"/>
-                </a:xfrm>
-                <a:prstGeom prst="line">
-                  <a:avLst/>
-                </a:prstGeom>
-                <a:ln w="76200">
-                  <a:solidFill>
-                    <a:schemeClr val="tx1"/>
-                  </a:solidFill>
-                </a:ln>
-              </p:spPr>
-              <p:style>
-                <a:lnRef idx="1">
-                  <a:schemeClr val="accent1"/>
-                </a:lnRef>
-                <a:fillRef idx="0">
-                  <a:schemeClr val="accent1"/>
-                </a:fillRef>
-                <a:effectRef idx="0">
-                  <a:schemeClr val="accent1"/>
-                </a:effectRef>
-                <a:fontRef idx="minor">
+                </a:solidFill>
+              </a:ln>
+            </p:spPr>
+            <p:style>
+              <a:lnRef idx="1">
+                <a:schemeClr val="accent1"/>
+              </a:lnRef>
+              <a:fillRef idx="0">
+                <a:schemeClr val="accent1"/>
+              </a:fillRef>
+              <a:effectRef idx="0">
+                <a:schemeClr val="accent1"/>
+              </a:effectRef>
+              <a:fontRef idx="minor">
+                <a:schemeClr val="tx1"/>
+              </a:fontRef>
+            </p:style>
+          </p:cxnSp>
+          <p:cxnSp>
+            <p:nvCxnSpPr>
+              <p:cNvPr id="8" name="Straight Connector 7">
+                <a:extLst>
+                  <a:ext uri="{FF2B5EF4-FFF2-40B4-BE49-F238E27FC236}">
+                    <a16:creationId xmlns:a16="http://schemas.microsoft.com/office/drawing/2014/main" id="{6FBD7D33-8AC9-9A29-DA94-A8AD96B3861E}"/>
+                  </a:ext>
+                </a:extLst>
+              </p:cNvPr>
+              <p:cNvCxnSpPr>
+                <a:cxnSpLocks/>
+              </p:cNvCxnSpPr>
+              <p:nvPr/>
+            </p:nvCxnSpPr>
+            <p:spPr>
+              <a:xfrm>
+                <a:off x="4215409" y="4605571"/>
+                <a:ext cx="0" cy="719666"/>
+              </a:xfrm>
+              <a:prstGeom prst="line">
+                <a:avLst/>
+              </a:prstGeom>
+              <a:ln w="76200">
+                <a:solidFill>
                   <a:schemeClr val="tx1"/>
-                </a:fontRef>
-              </p:style>
-            </p:cxnSp>
-            <p:cxnSp>
-              <p:nvCxnSpPr>
-                <p:cNvPr id="8" name="Straight Connector 7">
-                  <a:extLst>
-                    <a:ext uri="{FF2B5EF4-FFF2-40B4-BE49-F238E27FC236}">
-                      <a16:creationId xmlns:a16="http://schemas.microsoft.com/office/drawing/2014/main" id="{6FBD7D33-8AC9-9A29-DA94-A8AD96B3861E}"/>
-                    </a:ext>
-                  </a:extLst>
-                </p:cNvPr>
-                <p:cNvCxnSpPr>
-                  <a:cxnSpLocks/>
-                </p:cNvCxnSpPr>
-                <p:nvPr/>
-              </p:nvCxnSpPr>
-              <p:spPr>
-                <a:xfrm>
-                  <a:off x="4215409" y="4605571"/>
-                  <a:ext cx="0" cy="719666"/>
-                </a:xfrm>
-                <a:prstGeom prst="line">
-                  <a:avLst/>
-                </a:prstGeom>
-                <a:ln w="76200">
-                  <a:solidFill>
-                    <a:schemeClr val="tx1"/>
-                  </a:solidFill>
-                </a:ln>
-              </p:spPr>
-              <p:style>
-                <a:lnRef idx="1">
-                  <a:schemeClr val="accent1"/>
-                </a:lnRef>
-                <a:fillRef idx="0">
-                  <a:schemeClr val="accent1"/>
-                </a:fillRef>
-                <a:effectRef idx="0">
-                  <a:schemeClr val="accent1"/>
-                </a:effectRef>
-                <a:fontRef idx="minor">
+                </a:solidFill>
+              </a:ln>
+            </p:spPr>
+            <p:style>
+              <a:lnRef idx="1">
+                <a:schemeClr val="accent1"/>
+              </a:lnRef>
+              <a:fillRef idx="0">
+                <a:schemeClr val="accent1"/>
+              </a:fillRef>
+              <a:effectRef idx="0">
+                <a:schemeClr val="accent1"/>
+              </a:effectRef>
+              <a:fontRef idx="minor">
+                <a:schemeClr val="tx1"/>
+              </a:fontRef>
+            </p:style>
+          </p:cxnSp>
+          <p:cxnSp>
+            <p:nvCxnSpPr>
+              <p:cNvPr id="11" name="Straight Connector 10">
+                <a:extLst>
+                  <a:ext uri="{FF2B5EF4-FFF2-40B4-BE49-F238E27FC236}">
+                    <a16:creationId xmlns:a16="http://schemas.microsoft.com/office/drawing/2014/main" id="{3A454E02-867B-AF4A-810E-9B67A5512ADE}"/>
+                  </a:ext>
+                </a:extLst>
+              </p:cNvPr>
+              <p:cNvCxnSpPr>
+                <a:cxnSpLocks/>
+              </p:cNvCxnSpPr>
+              <p:nvPr/>
+            </p:nvCxnSpPr>
+            <p:spPr>
+              <a:xfrm>
+                <a:off x="6242958" y="4605571"/>
+                <a:ext cx="0" cy="719666"/>
+              </a:xfrm>
+              <a:prstGeom prst="line">
+                <a:avLst/>
+              </a:prstGeom>
+              <a:ln w="76200">
+                <a:solidFill>
                   <a:schemeClr val="tx1"/>
-                </a:fontRef>
-              </p:style>
-            </p:cxnSp>
-            <p:cxnSp>
-              <p:nvCxnSpPr>
-                <p:cNvPr id="11" name="Straight Connector 10">
-                  <a:extLst>
-                    <a:ext uri="{FF2B5EF4-FFF2-40B4-BE49-F238E27FC236}">
-                      <a16:creationId xmlns:a16="http://schemas.microsoft.com/office/drawing/2014/main" id="{3A454E02-867B-AF4A-810E-9B67A5512ADE}"/>
-                    </a:ext>
-                  </a:extLst>
-                </p:cNvPr>
-                <p:cNvCxnSpPr>
-                  <a:cxnSpLocks/>
-                </p:cNvCxnSpPr>
-                <p:nvPr/>
-              </p:nvCxnSpPr>
-              <p:spPr>
-                <a:xfrm>
-                  <a:off x="6242958" y="4605571"/>
-                  <a:ext cx="0" cy="719666"/>
-                </a:xfrm>
-                <a:prstGeom prst="line">
-                  <a:avLst/>
-                </a:prstGeom>
-                <a:ln w="76200">
-                  <a:solidFill>
-                    <a:schemeClr val="tx1"/>
-                  </a:solidFill>
-                </a:ln>
-              </p:spPr>
-              <p:style>
-                <a:lnRef idx="1">
-                  <a:schemeClr val="accent1"/>
-                </a:lnRef>
-                <a:fillRef idx="0">
-                  <a:schemeClr val="accent1"/>
-                </a:fillRef>
-                <a:effectRef idx="0">
-                  <a:schemeClr val="accent1"/>
-                </a:effectRef>
-                <a:fontRef idx="minor">
+                </a:solidFill>
+              </a:ln>
+            </p:spPr>
+            <p:style>
+              <a:lnRef idx="1">
+                <a:schemeClr val="accent1"/>
+              </a:lnRef>
+              <a:fillRef idx="0">
+                <a:schemeClr val="accent1"/>
+              </a:fillRef>
+              <a:effectRef idx="0">
+                <a:schemeClr val="accent1"/>
+              </a:effectRef>
+              <a:fontRef idx="minor">
+                <a:schemeClr val="tx1"/>
+              </a:fontRef>
+            </p:style>
+          </p:cxnSp>
+          <p:sp>
+            <p:nvSpPr>
+              <p:cNvPr id="20" name="TextBox 19">
+                <a:extLst>
+                  <a:ext uri="{FF2B5EF4-FFF2-40B4-BE49-F238E27FC236}">
+                    <a16:creationId xmlns:a16="http://schemas.microsoft.com/office/drawing/2014/main" id="{64AF8312-265C-9B55-BF44-208288F7097D}"/>
+                  </a:ext>
+                </a:extLst>
+              </p:cNvPr>
+              <p:cNvSpPr txBox="1"/>
+              <p:nvPr/>
+            </p:nvSpPr>
+            <p:spPr>
+              <a:xfrm>
+                <a:off x="1965684" y="5325237"/>
+                <a:ext cx="444352" cy="707886"/>
+              </a:xfrm>
+              <a:prstGeom prst="rect">
+                <a:avLst/>
+              </a:prstGeom>
+              <a:noFill/>
+            </p:spPr>
+            <p:txBody>
+              <a:bodyPr wrap="none" rtlCol="0">
+                <a:spAutoFit/>
+              </a:bodyPr>
+              <a:lstStyle/>
+              <a:p>
+                <a:r>
+                  <a:rPr lang="en-US" sz="4000" dirty="0"/>
+                  <a:t>1</a:t>
+                </a:r>
+              </a:p>
+            </p:txBody>
+          </p:sp>
+          <p:sp>
+            <p:nvSpPr>
+              <p:cNvPr id="21" name="TextBox 20">
+                <a:extLst>
+                  <a:ext uri="{FF2B5EF4-FFF2-40B4-BE49-F238E27FC236}">
+                    <a16:creationId xmlns:a16="http://schemas.microsoft.com/office/drawing/2014/main" id="{379A9A98-4591-999F-E2E8-86EB31403254}"/>
+                  </a:ext>
+                </a:extLst>
+              </p:cNvPr>
+              <p:cNvSpPr txBox="1"/>
+              <p:nvPr/>
+            </p:nvSpPr>
+            <p:spPr>
+              <a:xfrm>
+                <a:off x="3993232" y="5325237"/>
+                <a:ext cx="444352" cy="707886"/>
+              </a:xfrm>
+              <a:prstGeom prst="rect">
+                <a:avLst/>
+              </a:prstGeom>
+              <a:noFill/>
+            </p:spPr>
+            <p:txBody>
+              <a:bodyPr wrap="none" rtlCol="0">
+                <a:spAutoFit/>
+              </a:bodyPr>
+              <a:lstStyle/>
+              <a:p>
+                <a:r>
+                  <a:rPr lang="en-US" sz="4000" dirty="0"/>
+                  <a:t>2</a:t>
+                </a:r>
+              </a:p>
+            </p:txBody>
+          </p:sp>
+          <p:sp>
+            <p:nvSpPr>
+              <p:cNvPr id="22" name="TextBox 21">
+                <a:extLst>
+                  <a:ext uri="{FF2B5EF4-FFF2-40B4-BE49-F238E27FC236}">
+                    <a16:creationId xmlns:a16="http://schemas.microsoft.com/office/drawing/2014/main" id="{12369EEC-4B80-B8F8-7743-B0543030996F}"/>
+                  </a:ext>
+                </a:extLst>
+              </p:cNvPr>
+              <p:cNvSpPr txBox="1"/>
+              <p:nvPr/>
+            </p:nvSpPr>
+            <p:spPr>
+              <a:xfrm>
+                <a:off x="6020780" y="5325237"/>
+                <a:ext cx="444352" cy="707886"/>
+              </a:xfrm>
+              <a:prstGeom prst="rect">
+                <a:avLst/>
+              </a:prstGeom>
+              <a:noFill/>
+            </p:spPr>
+            <p:txBody>
+              <a:bodyPr wrap="none" rtlCol="0">
+                <a:spAutoFit/>
+              </a:bodyPr>
+              <a:lstStyle/>
+              <a:p>
+                <a:r>
+                  <a:rPr lang="en-US" sz="4000" dirty="0"/>
+                  <a:t>3</a:t>
+                </a:r>
+              </a:p>
+            </p:txBody>
+          </p:sp>
+          <p:cxnSp>
+            <p:nvCxnSpPr>
+              <p:cNvPr id="32" name="Straight Connector 31">
+                <a:extLst>
+                  <a:ext uri="{FF2B5EF4-FFF2-40B4-BE49-F238E27FC236}">
+                    <a16:creationId xmlns:a16="http://schemas.microsoft.com/office/drawing/2014/main" id="{E1075756-3CC3-AE2B-E01C-DC69C69D6B18}"/>
+                  </a:ext>
+                </a:extLst>
+              </p:cNvPr>
+              <p:cNvCxnSpPr>
+                <a:cxnSpLocks/>
+              </p:cNvCxnSpPr>
+              <p:nvPr/>
+            </p:nvCxnSpPr>
+            <p:spPr>
+              <a:xfrm rot="5400000">
+                <a:off x="1392629" y="3864739"/>
+                <a:ext cx="0" cy="719666"/>
+              </a:xfrm>
+              <a:prstGeom prst="line">
+                <a:avLst/>
+              </a:prstGeom>
+              <a:ln w="76200">
+                <a:solidFill>
                   <a:schemeClr val="tx1"/>
-                </a:fontRef>
-              </p:style>
-            </p:cxnSp>
-            <p:sp>
-              <p:nvSpPr>
-                <p:cNvPr id="20" name="TextBox 19">
-                  <a:extLst>
-                    <a:ext uri="{FF2B5EF4-FFF2-40B4-BE49-F238E27FC236}">
-                      <a16:creationId xmlns:a16="http://schemas.microsoft.com/office/drawing/2014/main" id="{64AF8312-265C-9B55-BF44-208288F7097D}"/>
-                    </a:ext>
-                  </a:extLst>
-                </p:cNvPr>
-                <p:cNvSpPr txBox="1"/>
-                <p:nvPr/>
-              </p:nvSpPr>
-              <p:spPr>
-                <a:xfrm>
-                  <a:off x="1965684" y="5325237"/>
-                  <a:ext cx="444352" cy="707886"/>
-                </a:xfrm>
-                <a:prstGeom prst="rect">
-                  <a:avLst/>
-                </a:prstGeom>
-                <a:noFill/>
-              </p:spPr>
-              <p:txBody>
-                <a:bodyPr wrap="none" rtlCol="0">
-                  <a:spAutoFit/>
-                </a:bodyPr>
-                <a:lstStyle/>
-                <a:p>
-                  <a:r>
-                    <a:rPr lang="en-US" sz="4000" dirty="0"/>
-                    <a:t>1</a:t>
-                  </a:r>
-                </a:p>
-              </p:txBody>
-            </p:sp>
-            <p:sp>
-              <p:nvSpPr>
-                <p:cNvPr id="21" name="TextBox 20">
-                  <a:extLst>
-                    <a:ext uri="{FF2B5EF4-FFF2-40B4-BE49-F238E27FC236}">
-                      <a16:creationId xmlns:a16="http://schemas.microsoft.com/office/drawing/2014/main" id="{379A9A98-4591-999F-E2E8-86EB31403254}"/>
-                    </a:ext>
-                  </a:extLst>
-                </p:cNvPr>
-                <p:cNvSpPr txBox="1"/>
-                <p:nvPr/>
-              </p:nvSpPr>
-              <p:spPr>
-                <a:xfrm>
-                  <a:off x="3993232" y="5325237"/>
-                  <a:ext cx="444352" cy="707886"/>
-                </a:xfrm>
-                <a:prstGeom prst="rect">
-                  <a:avLst/>
-                </a:prstGeom>
-                <a:noFill/>
-              </p:spPr>
-              <p:txBody>
-                <a:bodyPr wrap="none" rtlCol="0">
-                  <a:spAutoFit/>
-                </a:bodyPr>
-                <a:lstStyle/>
-                <a:p>
-                  <a:r>
-                    <a:rPr lang="en-US" sz="4000" dirty="0"/>
-                    <a:t>2</a:t>
-                  </a:r>
-                </a:p>
-              </p:txBody>
-            </p:sp>
-            <p:sp>
-              <p:nvSpPr>
-                <p:cNvPr id="22" name="TextBox 21">
-                  <a:extLst>
-                    <a:ext uri="{FF2B5EF4-FFF2-40B4-BE49-F238E27FC236}">
-                      <a16:creationId xmlns:a16="http://schemas.microsoft.com/office/drawing/2014/main" id="{12369EEC-4B80-B8F8-7743-B0543030996F}"/>
-                    </a:ext>
-                  </a:extLst>
-                </p:cNvPr>
-                <p:cNvSpPr txBox="1"/>
-                <p:nvPr/>
-              </p:nvSpPr>
-              <p:spPr>
-                <a:xfrm>
-                  <a:off x="6020780" y="5325237"/>
-                  <a:ext cx="444352" cy="707886"/>
-                </a:xfrm>
-                <a:prstGeom prst="rect">
-                  <a:avLst/>
-                </a:prstGeom>
-                <a:noFill/>
-              </p:spPr>
-              <p:txBody>
-                <a:bodyPr wrap="none" rtlCol="0">
-                  <a:spAutoFit/>
-                </a:bodyPr>
-                <a:lstStyle/>
-                <a:p>
-                  <a:r>
-                    <a:rPr lang="en-US" sz="4000" dirty="0"/>
-                    <a:t>3</a:t>
-                  </a:r>
-                </a:p>
-              </p:txBody>
-            </p:sp>
-            <p:cxnSp>
-              <p:nvCxnSpPr>
-                <p:cNvPr id="32" name="Straight Connector 31">
-                  <a:extLst>
-                    <a:ext uri="{FF2B5EF4-FFF2-40B4-BE49-F238E27FC236}">
-                      <a16:creationId xmlns:a16="http://schemas.microsoft.com/office/drawing/2014/main" id="{E1075756-3CC3-AE2B-E01C-DC69C69D6B18}"/>
-                    </a:ext>
-                  </a:extLst>
-                </p:cNvPr>
-                <p:cNvCxnSpPr>
-                  <a:cxnSpLocks/>
-                </p:cNvCxnSpPr>
-                <p:nvPr/>
-              </p:nvCxnSpPr>
-              <p:spPr>
-                <a:xfrm rot="5400000">
-                  <a:off x="1392629" y="3864739"/>
-                  <a:ext cx="0" cy="719666"/>
-                </a:xfrm>
-                <a:prstGeom prst="line">
-                  <a:avLst/>
-                </a:prstGeom>
-                <a:ln w="76200">
-                  <a:solidFill>
-                    <a:schemeClr val="tx1"/>
-                  </a:solidFill>
-                </a:ln>
-              </p:spPr>
-              <p:style>
-                <a:lnRef idx="1">
-                  <a:schemeClr val="accent1"/>
-                </a:lnRef>
-                <a:fillRef idx="0">
-                  <a:schemeClr val="accent1"/>
-                </a:fillRef>
-                <a:effectRef idx="0">
-                  <a:schemeClr val="accent1"/>
-                </a:effectRef>
-                <a:fontRef idx="minor">
+                </a:solidFill>
+              </a:ln>
+            </p:spPr>
+            <p:style>
+              <a:lnRef idx="1">
+                <a:schemeClr val="accent1"/>
+              </a:lnRef>
+              <a:fillRef idx="0">
+                <a:schemeClr val="accent1"/>
+              </a:fillRef>
+              <a:effectRef idx="0">
+                <a:schemeClr val="accent1"/>
+              </a:effectRef>
+              <a:fontRef idx="minor">
+                <a:schemeClr val="tx1"/>
+              </a:fontRef>
+            </p:style>
+          </p:cxnSp>
+          <p:cxnSp>
+            <p:nvCxnSpPr>
+              <p:cNvPr id="33" name="Straight Connector 32">
+                <a:extLst>
+                  <a:ext uri="{FF2B5EF4-FFF2-40B4-BE49-F238E27FC236}">
+                    <a16:creationId xmlns:a16="http://schemas.microsoft.com/office/drawing/2014/main" id="{B468C4BC-B9B9-3FF3-F0BF-1FB61517AB87}"/>
+                  </a:ext>
+                </a:extLst>
+              </p:cNvPr>
+              <p:cNvCxnSpPr>
+                <a:cxnSpLocks/>
+              </p:cNvCxnSpPr>
+              <p:nvPr/>
+            </p:nvCxnSpPr>
+            <p:spPr>
+              <a:xfrm rot="5400000">
+                <a:off x="1368810" y="523662"/>
+                <a:ext cx="0" cy="719666"/>
+              </a:xfrm>
+              <a:prstGeom prst="line">
+                <a:avLst/>
+              </a:prstGeom>
+              <a:ln w="76200">
+                <a:solidFill>
                   <a:schemeClr val="tx1"/>
-                </a:fontRef>
-              </p:style>
-            </p:cxnSp>
-            <p:cxnSp>
-              <p:nvCxnSpPr>
-                <p:cNvPr id="33" name="Straight Connector 32">
-                  <a:extLst>
-                    <a:ext uri="{FF2B5EF4-FFF2-40B4-BE49-F238E27FC236}">
-                      <a16:creationId xmlns:a16="http://schemas.microsoft.com/office/drawing/2014/main" id="{B468C4BC-B9B9-3FF3-F0BF-1FB61517AB87}"/>
-                    </a:ext>
-                  </a:extLst>
-                </p:cNvPr>
-                <p:cNvCxnSpPr>
-                  <a:cxnSpLocks/>
-                </p:cNvCxnSpPr>
-                <p:nvPr/>
-              </p:nvCxnSpPr>
-              <p:spPr>
-                <a:xfrm rot="5400000">
-                  <a:off x="1368810" y="523662"/>
-                  <a:ext cx="0" cy="719666"/>
-                </a:xfrm>
-                <a:prstGeom prst="line">
-                  <a:avLst/>
-                </a:prstGeom>
-                <a:ln w="76200">
-                  <a:solidFill>
-                    <a:schemeClr val="tx1"/>
-                  </a:solidFill>
-                </a:ln>
-              </p:spPr>
-              <p:style>
-                <a:lnRef idx="1">
-                  <a:schemeClr val="accent1"/>
-                </a:lnRef>
-                <a:fillRef idx="0">
-                  <a:schemeClr val="accent1"/>
-                </a:fillRef>
-                <a:effectRef idx="0">
-                  <a:schemeClr val="accent1"/>
-                </a:effectRef>
-                <a:fontRef idx="minor">
-                  <a:schemeClr val="tx1"/>
-                </a:fontRef>
-              </p:style>
-            </p:cxnSp>
-          </p:grpSp>
+                </a:solidFill>
+              </a:ln>
+            </p:spPr>
+            <p:style>
+              <a:lnRef idx="1">
+                <a:schemeClr val="accent1"/>
+              </a:lnRef>
+              <a:fillRef idx="0">
+                <a:schemeClr val="accent1"/>
+              </a:fillRef>
+              <a:effectRef idx="0">
+                <a:schemeClr val="accent1"/>
+              </a:effectRef>
+              <a:fontRef idx="minor">
+                <a:schemeClr val="tx1"/>
+              </a:fontRef>
+            </p:style>
+          </p:cxnSp>
         </p:grpSp>
-        <p:sp>
-          <p:nvSpPr>
-            <p:cNvPr id="37" name="TextBox 36">
-              <a:extLst>
-                <a:ext uri="{FF2B5EF4-FFF2-40B4-BE49-F238E27FC236}">
-                  <a16:creationId xmlns:a16="http://schemas.microsoft.com/office/drawing/2014/main" id="{DE6DF2BE-F3C6-CC6B-09E5-30449B32CC90}"/>
-                </a:ext>
-              </a:extLst>
-            </p:cNvPr>
-            <p:cNvSpPr txBox="1"/>
-            <p:nvPr/>
-          </p:nvSpPr>
-          <p:spPr>
-            <a:xfrm>
-              <a:off x="1367113" y="4123241"/>
-              <a:ext cx="1376173" cy="415498"/>
-            </a:xfrm>
-            <a:prstGeom prst="rect">
-              <a:avLst/>
-            </a:prstGeom>
-            <a:noFill/>
-          </p:spPr>
-          <p:txBody>
-            <a:bodyPr wrap="square" rtlCol="0">
-              <a:spAutoFit/>
-            </a:bodyPr>
-            <a:lstStyle/>
-            <a:p>
-              <a:r>
-                <a:rPr lang="en-US" sz="2100" b="1" dirty="0"/>
-                <a:t>Not Obese</a:t>
-              </a:r>
-              <a:endParaRPr lang="en-PH" sz="2100" b="1" dirty="0"/>
-            </a:p>
-          </p:txBody>
-        </p:sp>
-        <p:sp>
-          <p:nvSpPr>
-            <p:cNvPr id="38" name="TextBox 37">
-              <a:extLst>
-                <a:ext uri="{FF2B5EF4-FFF2-40B4-BE49-F238E27FC236}">
-                  <a16:creationId xmlns:a16="http://schemas.microsoft.com/office/drawing/2014/main" id="{F2E08882-1EAA-C4D0-451C-758245FEF24E}"/>
-                </a:ext>
-              </a:extLst>
-            </p:cNvPr>
-            <p:cNvSpPr txBox="1"/>
-            <p:nvPr/>
-          </p:nvSpPr>
-          <p:spPr>
-            <a:xfrm>
-              <a:off x="1658321" y="782164"/>
-              <a:ext cx="940776" cy="415498"/>
-            </a:xfrm>
-            <a:prstGeom prst="rect">
-              <a:avLst/>
-            </a:prstGeom>
-            <a:noFill/>
-          </p:spPr>
-          <p:txBody>
-            <a:bodyPr wrap="square" rtlCol="0">
-              <a:spAutoFit/>
-            </a:bodyPr>
-            <a:lstStyle/>
-            <a:p>
-              <a:r>
-                <a:rPr lang="en-US" sz="2100" b="1" dirty="0"/>
-                <a:t>Obese</a:t>
-              </a:r>
-              <a:endParaRPr lang="en-PH" sz="2100" b="1" dirty="0"/>
-            </a:p>
-          </p:txBody>
-        </p:sp>
-        <p:sp>
-          <p:nvSpPr>
-            <p:cNvPr id="39" name="Oval 38">
-              <a:extLst>
-                <a:ext uri="{FF2B5EF4-FFF2-40B4-BE49-F238E27FC236}">
-                  <a16:creationId xmlns:a16="http://schemas.microsoft.com/office/drawing/2014/main" id="{8C880E96-0D44-C3E9-CB22-852A7F1B97AF}"/>
-                </a:ext>
-              </a:extLst>
-            </p:cNvPr>
-            <p:cNvSpPr/>
-            <p:nvPr/>
-          </p:nvSpPr>
-          <p:spPr>
-            <a:xfrm>
-              <a:off x="3747815" y="4155827"/>
-              <a:ext cx="422031" cy="404439"/>
-            </a:xfrm>
-            <a:prstGeom prst="ellipse">
-              <a:avLst/>
-            </a:prstGeom>
-            <a:solidFill>
-              <a:srgbClr val="FF0000"/>
-            </a:solidFill>
-          </p:spPr>
-          <p:style>
-            <a:lnRef idx="2">
-              <a:schemeClr val="accent1">
-                <a:shade val="15000"/>
-              </a:schemeClr>
-            </a:lnRef>
-            <a:fillRef idx="1">
-              <a:schemeClr val="accent1"/>
-            </a:fillRef>
-            <a:effectRef idx="0">
-              <a:schemeClr val="accent1"/>
-            </a:effectRef>
-            <a:fontRef idx="minor">
-              <a:schemeClr val="lt1"/>
-            </a:fontRef>
-          </p:style>
-          <p:txBody>
-            <a:bodyPr rtlCol="0" anchor="ctr"/>
-            <a:lstStyle/>
-            <a:p>
-              <a:pPr algn="ctr"/>
-              <a:endParaRPr lang="en-US"/>
-            </a:p>
-          </p:txBody>
-        </p:sp>
-        <p:sp>
-          <p:nvSpPr>
-            <p:cNvPr id="40" name="Oval 39">
-              <a:extLst>
-                <a:ext uri="{FF2B5EF4-FFF2-40B4-BE49-F238E27FC236}">
-                  <a16:creationId xmlns:a16="http://schemas.microsoft.com/office/drawing/2014/main" id="{9249549F-313C-2BC2-3F5F-659F5DB37DEE}"/>
-                </a:ext>
-              </a:extLst>
-            </p:cNvPr>
-            <p:cNvSpPr/>
-            <p:nvPr/>
-          </p:nvSpPr>
-          <p:spPr>
-            <a:xfrm>
-              <a:off x="4251972" y="4151996"/>
-              <a:ext cx="422031" cy="404439"/>
-            </a:xfrm>
-            <a:prstGeom prst="ellipse">
-              <a:avLst/>
-            </a:prstGeom>
-            <a:solidFill>
-              <a:srgbClr val="FF0000"/>
-            </a:solidFill>
-          </p:spPr>
-          <p:style>
-            <a:lnRef idx="2">
-              <a:schemeClr val="accent1">
-                <a:shade val="15000"/>
-              </a:schemeClr>
-            </a:lnRef>
-            <a:fillRef idx="1">
-              <a:schemeClr val="accent1"/>
-            </a:fillRef>
-            <a:effectRef idx="0">
-              <a:schemeClr val="accent1"/>
-            </a:effectRef>
-            <a:fontRef idx="minor">
-              <a:schemeClr val="lt1"/>
-            </a:fontRef>
-          </p:style>
-          <p:txBody>
-            <a:bodyPr rtlCol="0" anchor="ctr"/>
-            <a:lstStyle/>
-            <a:p>
-              <a:pPr algn="ctr"/>
-              <a:endParaRPr lang="en-US"/>
-            </a:p>
-          </p:txBody>
-        </p:sp>
-        <p:sp>
-          <p:nvSpPr>
-            <p:cNvPr id="41" name="Oval 40">
-              <a:extLst>
-                <a:ext uri="{FF2B5EF4-FFF2-40B4-BE49-F238E27FC236}">
-                  <a16:creationId xmlns:a16="http://schemas.microsoft.com/office/drawing/2014/main" id="{AEC500FF-C22B-34AC-DDDF-297D3F2D2EBD}"/>
-                </a:ext>
-              </a:extLst>
-            </p:cNvPr>
-            <p:cNvSpPr/>
-            <p:nvPr/>
-          </p:nvSpPr>
-          <p:spPr>
-            <a:xfrm>
-              <a:off x="5132733" y="4165531"/>
-              <a:ext cx="422031" cy="404439"/>
-            </a:xfrm>
-            <a:prstGeom prst="ellipse">
-              <a:avLst/>
-            </a:prstGeom>
-            <a:solidFill>
-              <a:srgbClr val="FF0000"/>
-            </a:solidFill>
-          </p:spPr>
-          <p:style>
-            <a:lnRef idx="2">
-              <a:schemeClr val="accent1">
-                <a:shade val="15000"/>
-              </a:schemeClr>
-            </a:lnRef>
-            <a:fillRef idx="1">
-              <a:schemeClr val="accent1"/>
-            </a:fillRef>
-            <a:effectRef idx="0">
-              <a:schemeClr val="accent1"/>
-            </a:effectRef>
-            <a:fontRef idx="minor">
-              <a:schemeClr val="lt1"/>
-            </a:fontRef>
-          </p:style>
-          <p:txBody>
-            <a:bodyPr rtlCol="0" anchor="ctr"/>
-            <a:lstStyle/>
-            <a:p>
-              <a:pPr algn="ctr"/>
-              <a:endParaRPr lang="en-US"/>
-            </a:p>
-          </p:txBody>
-        </p:sp>
-        <p:sp>
-          <p:nvSpPr>
-            <p:cNvPr id="42" name="Oval 41">
-              <a:extLst>
-                <a:ext uri="{FF2B5EF4-FFF2-40B4-BE49-F238E27FC236}">
-                  <a16:creationId xmlns:a16="http://schemas.microsoft.com/office/drawing/2014/main" id="{41E22E82-E6F1-943C-7CCD-F7FD9FB73E16}"/>
-                </a:ext>
-              </a:extLst>
-            </p:cNvPr>
-            <p:cNvSpPr/>
-            <p:nvPr/>
-          </p:nvSpPr>
-          <p:spPr>
-            <a:xfrm>
-              <a:off x="5712828" y="793223"/>
-              <a:ext cx="422031" cy="404439"/>
-            </a:xfrm>
-            <a:prstGeom prst="ellipse">
-              <a:avLst/>
-            </a:prstGeom>
-            <a:solidFill>
-              <a:srgbClr val="FF0000"/>
-            </a:solidFill>
-          </p:spPr>
-          <p:style>
-            <a:lnRef idx="2">
-              <a:schemeClr val="accent1">
-                <a:shade val="15000"/>
-              </a:schemeClr>
-            </a:lnRef>
-            <a:fillRef idx="1">
-              <a:schemeClr val="accent1"/>
-            </a:fillRef>
-            <a:effectRef idx="0">
-              <a:schemeClr val="accent1"/>
-            </a:effectRef>
-            <a:fontRef idx="minor">
-              <a:schemeClr val="lt1"/>
-            </a:fontRef>
-          </p:style>
-          <p:txBody>
-            <a:bodyPr rtlCol="0" anchor="ctr"/>
-            <a:lstStyle/>
-            <a:p>
-              <a:pPr algn="ctr"/>
-              <a:endParaRPr lang="en-US"/>
-            </a:p>
-          </p:txBody>
-        </p:sp>
-        <p:sp>
-          <p:nvSpPr>
-            <p:cNvPr id="43" name="Oval 42">
-              <a:extLst>
-                <a:ext uri="{FF2B5EF4-FFF2-40B4-BE49-F238E27FC236}">
-                  <a16:creationId xmlns:a16="http://schemas.microsoft.com/office/drawing/2014/main" id="{D2A4A79E-A832-90D2-50D3-FC55F47C3922}"/>
-                </a:ext>
-              </a:extLst>
-            </p:cNvPr>
-            <p:cNvSpPr/>
-            <p:nvPr/>
-          </p:nvSpPr>
-          <p:spPr>
-            <a:xfrm>
-              <a:off x="6556890" y="793223"/>
-              <a:ext cx="422031" cy="404439"/>
-            </a:xfrm>
-            <a:prstGeom prst="ellipse">
-              <a:avLst/>
-            </a:prstGeom>
-            <a:solidFill>
-              <a:srgbClr val="FF0000"/>
-            </a:solidFill>
-          </p:spPr>
-          <p:style>
-            <a:lnRef idx="2">
-              <a:schemeClr val="accent1">
-                <a:shade val="15000"/>
-              </a:schemeClr>
-            </a:lnRef>
-            <a:fillRef idx="1">
-              <a:schemeClr val="accent1"/>
-            </a:fillRef>
-            <a:effectRef idx="0">
-              <a:schemeClr val="accent1"/>
-            </a:effectRef>
-            <a:fontRef idx="minor">
-              <a:schemeClr val="lt1"/>
-            </a:fontRef>
-          </p:style>
-          <p:txBody>
-            <a:bodyPr rtlCol="0" anchor="ctr"/>
-            <a:lstStyle/>
-            <a:p>
-              <a:pPr algn="ctr"/>
-              <a:endParaRPr lang="en-US"/>
-            </a:p>
-          </p:txBody>
-        </p:sp>
-        <p:sp>
-          <p:nvSpPr>
-            <p:cNvPr id="44" name="Oval 43">
-              <a:extLst>
-                <a:ext uri="{FF2B5EF4-FFF2-40B4-BE49-F238E27FC236}">
-                  <a16:creationId xmlns:a16="http://schemas.microsoft.com/office/drawing/2014/main" id="{86014145-3378-176C-FC3B-9D9704DD4861}"/>
-                </a:ext>
-              </a:extLst>
-            </p:cNvPr>
-            <p:cNvSpPr/>
-            <p:nvPr/>
-          </p:nvSpPr>
-          <p:spPr>
-            <a:xfrm>
-              <a:off x="7356876" y="793223"/>
-              <a:ext cx="422031" cy="404439"/>
-            </a:xfrm>
-            <a:prstGeom prst="ellipse">
-              <a:avLst/>
-            </a:prstGeom>
-            <a:solidFill>
-              <a:srgbClr val="FF0000"/>
-            </a:solidFill>
-          </p:spPr>
-          <p:style>
-            <a:lnRef idx="2">
-              <a:schemeClr val="accent1">
-                <a:shade val="15000"/>
-              </a:schemeClr>
-            </a:lnRef>
-            <a:fillRef idx="1">
-              <a:schemeClr val="accent1"/>
-            </a:fillRef>
-            <a:effectRef idx="0">
-              <a:schemeClr val="accent1"/>
-            </a:effectRef>
-            <a:fontRef idx="minor">
-              <a:schemeClr val="lt1"/>
-            </a:fontRef>
-          </p:style>
-          <p:txBody>
-            <a:bodyPr rtlCol="0" anchor="ctr"/>
-            <a:lstStyle/>
-            <a:p>
-              <a:pPr algn="ctr"/>
-              <a:endParaRPr lang="en-US"/>
-            </a:p>
-          </p:txBody>
-        </p:sp>
-        <p:sp>
-          <p:nvSpPr>
-            <p:cNvPr id="45" name="Oval 44">
-              <a:extLst>
-                <a:ext uri="{FF2B5EF4-FFF2-40B4-BE49-F238E27FC236}">
-                  <a16:creationId xmlns:a16="http://schemas.microsoft.com/office/drawing/2014/main" id="{9762EF16-9E44-0582-E4CB-A291C4E61A8D}"/>
-                </a:ext>
-              </a:extLst>
-            </p:cNvPr>
-            <p:cNvSpPr/>
-            <p:nvPr/>
-          </p:nvSpPr>
-          <p:spPr>
-            <a:xfrm>
-              <a:off x="7830898" y="796274"/>
-              <a:ext cx="422031" cy="404439"/>
-            </a:xfrm>
-            <a:prstGeom prst="ellipse">
-              <a:avLst/>
-            </a:prstGeom>
-            <a:solidFill>
-              <a:srgbClr val="FF0000"/>
-            </a:solidFill>
-          </p:spPr>
-          <p:style>
-            <a:lnRef idx="2">
-              <a:schemeClr val="accent1">
-                <a:shade val="15000"/>
-              </a:schemeClr>
-            </a:lnRef>
-            <a:fillRef idx="1">
-              <a:schemeClr val="accent1"/>
-            </a:fillRef>
-            <a:effectRef idx="0">
-              <a:schemeClr val="accent1"/>
-            </a:effectRef>
-            <a:fontRef idx="minor">
-              <a:schemeClr val="lt1"/>
-            </a:fontRef>
-          </p:style>
-          <p:txBody>
-            <a:bodyPr rtlCol="0" anchor="ctr"/>
-            <a:lstStyle/>
-            <a:p>
-              <a:pPr algn="ctr"/>
-              <a:endParaRPr lang="en-US"/>
-            </a:p>
-          </p:txBody>
-        </p:sp>
-        <p:sp>
-          <p:nvSpPr>
-            <p:cNvPr id="46" name="Oval 45">
-              <a:extLst>
-                <a:ext uri="{FF2B5EF4-FFF2-40B4-BE49-F238E27FC236}">
-                  <a16:creationId xmlns:a16="http://schemas.microsoft.com/office/drawing/2014/main" id="{E321545A-65DD-FBD0-C3CF-16432694599C}"/>
-                </a:ext>
-              </a:extLst>
-            </p:cNvPr>
-            <p:cNvSpPr/>
-            <p:nvPr/>
-          </p:nvSpPr>
-          <p:spPr>
-            <a:xfrm>
-              <a:off x="8304920" y="796273"/>
-              <a:ext cx="422031" cy="404439"/>
-            </a:xfrm>
-            <a:prstGeom prst="ellipse">
-              <a:avLst/>
-            </a:prstGeom>
-            <a:solidFill>
-              <a:srgbClr val="FF0000"/>
-            </a:solidFill>
-          </p:spPr>
-          <p:style>
-            <a:lnRef idx="2">
-              <a:schemeClr val="accent1">
-                <a:shade val="15000"/>
-              </a:schemeClr>
-            </a:lnRef>
-            <a:fillRef idx="1">
-              <a:schemeClr val="accent1"/>
-            </a:fillRef>
-            <a:effectRef idx="0">
-              <a:schemeClr val="accent1"/>
-            </a:effectRef>
-            <a:fontRef idx="minor">
-              <a:schemeClr val="lt1"/>
-            </a:fontRef>
-          </p:style>
-          <p:txBody>
-            <a:bodyPr rtlCol="0" anchor="ctr"/>
-            <a:lstStyle/>
-            <a:p>
-              <a:pPr algn="ctr"/>
-              <a:endParaRPr lang="en-US"/>
-            </a:p>
-          </p:txBody>
-        </p:sp>
       </p:grpSp>
+      <p:sp>
+        <p:nvSpPr>
+          <p:cNvPr id="37" name="TextBox 36">
+            <a:extLst>
+              <a:ext uri="{FF2B5EF4-FFF2-40B4-BE49-F238E27FC236}">
+                <a16:creationId xmlns:a16="http://schemas.microsoft.com/office/drawing/2014/main" id="{DE6DF2BE-F3C6-CC6B-09E5-30449B32CC90}"/>
+              </a:ext>
+            </a:extLst>
+          </p:cNvPr>
+          <p:cNvSpPr txBox="1"/>
+          <p:nvPr/>
+        </p:nvSpPr>
+        <p:spPr>
+          <a:xfrm>
+            <a:off x="3723452" y="4205303"/>
+            <a:ext cx="1376173" cy="415498"/>
+          </a:xfrm>
+          <a:prstGeom prst="rect">
+            <a:avLst/>
+          </a:prstGeom>
+          <a:noFill/>
+        </p:spPr>
+        <p:txBody>
+          <a:bodyPr wrap="square" rtlCol="0">
+            <a:spAutoFit/>
+          </a:bodyPr>
+          <a:lstStyle/>
+          <a:p>
+            <a:r>
+              <a:rPr lang="en-US" sz="2100" b="1" dirty="0"/>
+              <a:t>Not Obese</a:t>
+            </a:r>
+            <a:endParaRPr lang="en-PH" sz="2100" b="1" dirty="0"/>
+          </a:p>
+        </p:txBody>
+      </p:sp>
+      <p:sp>
+        <p:nvSpPr>
+          <p:cNvPr id="38" name="TextBox 37">
+            <a:extLst>
+              <a:ext uri="{FF2B5EF4-FFF2-40B4-BE49-F238E27FC236}">
+                <a16:creationId xmlns:a16="http://schemas.microsoft.com/office/drawing/2014/main" id="{F2E08882-1EAA-C4D0-451C-758245FEF24E}"/>
+              </a:ext>
+            </a:extLst>
+          </p:cNvPr>
+          <p:cNvSpPr txBox="1"/>
+          <p:nvPr/>
+        </p:nvSpPr>
+        <p:spPr>
+          <a:xfrm>
+            <a:off x="4014660" y="864226"/>
+            <a:ext cx="940776" cy="415498"/>
+          </a:xfrm>
+          <a:prstGeom prst="rect">
+            <a:avLst/>
+          </a:prstGeom>
+          <a:noFill/>
+        </p:spPr>
+        <p:txBody>
+          <a:bodyPr wrap="square" rtlCol="0">
+            <a:spAutoFit/>
+          </a:bodyPr>
+          <a:lstStyle/>
+          <a:p>
+            <a:r>
+              <a:rPr lang="en-US" sz="2100" b="1" dirty="0"/>
+              <a:t>Obese</a:t>
+            </a:r>
+            <a:endParaRPr lang="en-PH" sz="2100" b="1" dirty="0"/>
+          </a:p>
+        </p:txBody>
+      </p:sp>
+      <p:sp>
+        <p:nvSpPr>
+          <p:cNvPr id="39" name="Oval 38">
+            <a:extLst>
+              <a:ext uri="{FF2B5EF4-FFF2-40B4-BE49-F238E27FC236}">
+                <a16:creationId xmlns:a16="http://schemas.microsoft.com/office/drawing/2014/main" id="{8C880E96-0D44-C3E9-CB22-852A7F1B97AF}"/>
+              </a:ext>
+            </a:extLst>
+          </p:cNvPr>
+          <p:cNvSpPr/>
+          <p:nvPr/>
+        </p:nvSpPr>
+        <p:spPr>
+          <a:xfrm>
+            <a:off x="6104154" y="4237889"/>
+            <a:ext cx="422031" cy="404439"/>
+          </a:xfrm>
+          <a:prstGeom prst="ellipse">
+            <a:avLst/>
+          </a:prstGeom>
+        </p:spPr>
+        <p:style>
+          <a:lnRef idx="1">
+            <a:schemeClr val="accent6"/>
+          </a:lnRef>
+          <a:fillRef idx="3">
+            <a:schemeClr val="accent6"/>
+          </a:fillRef>
+          <a:effectRef idx="2">
+            <a:schemeClr val="accent6"/>
+          </a:effectRef>
+          <a:fontRef idx="minor">
+            <a:schemeClr val="lt1"/>
+          </a:fontRef>
+        </p:style>
+        <p:txBody>
+          <a:bodyPr rtlCol="0" anchor="ctr"/>
+          <a:lstStyle/>
+          <a:p>
+            <a:pPr algn="ctr"/>
+            <a:endParaRPr lang="en-US"/>
+          </a:p>
+        </p:txBody>
+      </p:sp>
+      <p:sp>
+        <p:nvSpPr>
+          <p:cNvPr id="40" name="Oval 39">
+            <a:extLst>
+              <a:ext uri="{FF2B5EF4-FFF2-40B4-BE49-F238E27FC236}">
+                <a16:creationId xmlns:a16="http://schemas.microsoft.com/office/drawing/2014/main" id="{9249549F-313C-2BC2-3F5F-659F5DB37DEE}"/>
+              </a:ext>
+            </a:extLst>
+          </p:cNvPr>
+          <p:cNvSpPr/>
+          <p:nvPr/>
+        </p:nvSpPr>
+        <p:spPr>
+          <a:xfrm>
+            <a:off x="6608311" y="4234058"/>
+            <a:ext cx="422031" cy="404439"/>
+          </a:xfrm>
+          <a:prstGeom prst="ellipse">
+            <a:avLst/>
+          </a:prstGeom>
+        </p:spPr>
+        <p:style>
+          <a:lnRef idx="1">
+            <a:schemeClr val="accent6"/>
+          </a:lnRef>
+          <a:fillRef idx="3">
+            <a:schemeClr val="accent6"/>
+          </a:fillRef>
+          <a:effectRef idx="2">
+            <a:schemeClr val="accent6"/>
+          </a:effectRef>
+          <a:fontRef idx="minor">
+            <a:schemeClr val="lt1"/>
+          </a:fontRef>
+        </p:style>
+        <p:txBody>
+          <a:bodyPr rtlCol="0" anchor="ctr"/>
+          <a:lstStyle/>
+          <a:p>
+            <a:pPr algn="ctr"/>
+            <a:endParaRPr lang="en-US"/>
+          </a:p>
+        </p:txBody>
+      </p:sp>
+      <p:sp>
+        <p:nvSpPr>
+          <p:cNvPr id="41" name="Oval 40">
+            <a:extLst>
+              <a:ext uri="{FF2B5EF4-FFF2-40B4-BE49-F238E27FC236}">
+                <a16:creationId xmlns:a16="http://schemas.microsoft.com/office/drawing/2014/main" id="{AEC500FF-C22B-34AC-DDDF-297D3F2D2EBD}"/>
+              </a:ext>
+            </a:extLst>
+          </p:cNvPr>
+          <p:cNvSpPr/>
+          <p:nvPr/>
+        </p:nvSpPr>
+        <p:spPr>
+          <a:xfrm>
+            <a:off x="7489072" y="4247593"/>
+            <a:ext cx="422031" cy="404439"/>
+          </a:xfrm>
+          <a:prstGeom prst="ellipse">
+            <a:avLst/>
+          </a:prstGeom>
+        </p:spPr>
+        <p:style>
+          <a:lnRef idx="1">
+            <a:schemeClr val="accent6"/>
+          </a:lnRef>
+          <a:fillRef idx="3">
+            <a:schemeClr val="accent6"/>
+          </a:fillRef>
+          <a:effectRef idx="2">
+            <a:schemeClr val="accent6"/>
+          </a:effectRef>
+          <a:fontRef idx="minor">
+            <a:schemeClr val="lt1"/>
+          </a:fontRef>
+        </p:style>
+        <p:txBody>
+          <a:bodyPr rtlCol="0" anchor="ctr"/>
+          <a:lstStyle/>
+          <a:p>
+            <a:pPr algn="ctr"/>
+            <a:endParaRPr lang="en-US"/>
+          </a:p>
+        </p:txBody>
+      </p:sp>
+      <p:sp>
+        <p:nvSpPr>
+          <p:cNvPr id="42" name="Oval 41">
+            <a:extLst>
+              <a:ext uri="{FF2B5EF4-FFF2-40B4-BE49-F238E27FC236}">
+                <a16:creationId xmlns:a16="http://schemas.microsoft.com/office/drawing/2014/main" id="{41E22E82-E6F1-943C-7CCD-F7FD9FB73E16}"/>
+              </a:ext>
+            </a:extLst>
+          </p:cNvPr>
+          <p:cNvSpPr/>
+          <p:nvPr/>
+        </p:nvSpPr>
+        <p:spPr>
+          <a:xfrm>
+            <a:off x="8069167" y="875285"/>
+            <a:ext cx="422031" cy="404439"/>
+          </a:xfrm>
+          <a:prstGeom prst="ellipse">
+            <a:avLst/>
+          </a:prstGeom>
+          <a:solidFill>
+            <a:srgbClr val="FF0000"/>
+          </a:solidFill>
+        </p:spPr>
+        <p:style>
+          <a:lnRef idx="2">
+            <a:schemeClr val="accent1">
+              <a:shade val="15000"/>
+            </a:schemeClr>
+          </a:lnRef>
+          <a:fillRef idx="1">
+            <a:schemeClr val="accent1"/>
+          </a:fillRef>
+          <a:effectRef idx="0">
+            <a:schemeClr val="accent1"/>
+          </a:effectRef>
+          <a:fontRef idx="minor">
+            <a:schemeClr val="lt1"/>
+          </a:fontRef>
+        </p:style>
+        <p:txBody>
+          <a:bodyPr rtlCol="0" anchor="ctr"/>
+          <a:lstStyle/>
+          <a:p>
+            <a:pPr algn="ctr"/>
+            <a:endParaRPr lang="en-US"/>
+          </a:p>
+        </p:txBody>
+      </p:sp>
+      <p:sp>
+        <p:nvSpPr>
+          <p:cNvPr id="43" name="Oval 42">
+            <a:extLst>
+              <a:ext uri="{FF2B5EF4-FFF2-40B4-BE49-F238E27FC236}">
+                <a16:creationId xmlns:a16="http://schemas.microsoft.com/office/drawing/2014/main" id="{D2A4A79E-A832-90D2-50D3-FC55F47C3922}"/>
+              </a:ext>
+            </a:extLst>
+          </p:cNvPr>
+          <p:cNvSpPr/>
+          <p:nvPr/>
+        </p:nvSpPr>
+        <p:spPr>
+          <a:xfrm>
+            <a:off x="8913229" y="875285"/>
+            <a:ext cx="422031" cy="404439"/>
+          </a:xfrm>
+          <a:prstGeom prst="ellipse">
+            <a:avLst/>
+          </a:prstGeom>
+          <a:solidFill>
+            <a:srgbClr val="FF0000"/>
+          </a:solidFill>
+        </p:spPr>
+        <p:style>
+          <a:lnRef idx="2">
+            <a:schemeClr val="accent1">
+              <a:shade val="15000"/>
+            </a:schemeClr>
+          </a:lnRef>
+          <a:fillRef idx="1">
+            <a:schemeClr val="accent1"/>
+          </a:fillRef>
+          <a:effectRef idx="0">
+            <a:schemeClr val="accent1"/>
+          </a:effectRef>
+          <a:fontRef idx="minor">
+            <a:schemeClr val="lt1"/>
+          </a:fontRef>
+        </p:style>
+        <p:txBody>
+          <a:bodyPr rtlCol="0" anchor="ctr"/>
+          <a:lstStyle/>
+          <a:p>
+            <a:pPr algn="ctr"/>
+            <a:endParaRPr lang="en-US"/>
+          </a:p>
+        </p:txBody>
+      </p:sp>
+      <p:sp>
+        <p:nvSpPr>
+          <p:cNvPr id="44" name="Oval 43">
+            <a:extLst>
+              <a:ext uri="{FF2B5EF4-FFF2-40B4-BE49-F238E27FC236}">
+                <a16:creationId xmlns:a16="http://schemas.microsoft.com/office/drawing/2014/main" id="{86014145-3378-176C-FC3B-9D9704DD4861}"/>
+              </a:ext>
+            </a:extLst>
+          </p:cNvPr>
+          <p:cNvSpPr/>
+          <p:nvPr/>
+        </p:nvSpPr>
+        <p:spPr>
+          <a:xfrm>
+            <a:off x="9713215" y="875285"/>
+            <a:ext cx="422031" cy="404439"/>
+          </a:xfrm>
+          <a:prstGeom prst="ellipse">
+            <a:avLst/>
+          </a:prstGeom>
+          <a:solidFill>
+            <a:srgbClr val="FF0000"/>
+          </a:solidFill>
+        </p:spPr>
+        <p:style>
+          <a:lnRef idx="2">
+            <a:schemeClr val="accent1">
+              <a:shade val="15000"/>
+            </a:schemeClr>
+          </a:lnRef>
+          <a:fillRef idx="1">
+            <a:schemeClr val="accent1"/>
+          </a:fillRef>
+          <a:effectRef idx="0">
+            <a:schemeClr val="accent1"/>
+          </a:effectRef>
+          <a:fontRef idx="minor">
+            <a:schemeClr val="lt1"/>
+          </a:fontRef>
+        </p:style>
+        <p:txBody>
+          <a:bodyPr rtlCol="0" anchor="ctr"/>
+          <a:lstStyle/>
+          <a:p>
+            <a:pPr algn="ctr"/>
+            <a:endParaRPr lang="en-US"/>
+          </a:p>
+        </p:txBody>
+      </p:sp>
+      <p:sp>
+        <p:nvSpPr>
+          <p:cNvPr id="45" name="Oval 44">
+            <a:extLst>
+              <a:ext uri="{FF2B5EF4-FFF2-40B4-BE49-F238E27FC236}">
+                <a16:creationId xmlns:a16="http://schemas.microsoft.com/office/drawing/2014/main" id="{9762EF16-9E44-0582-E4CB-A291C4E61A8D}"/>
+              </a:ext>
+            </a:extLst>
+          </p:cNvPr>
+          <p:cNvSpPr/>
+          <p:nvPr/>
+        </p:nvSpPr>
+        <p:spPr>
+          <a:xfrm>
+            <a:off x="10187237" y="878336"/>
+            <a:ext cx="422031" cy="404439"/>
+          </a:xfrm>
+          <a:prstGeom prst="ellipse">
+            <a:avLst/>
+          </a:prstGeom>
+          <a:solidFill>
+            <a:srgbClr val="FF0000"/>
+          </a:solidFill>
+        </p:spPr>
+        <p:style>
+          <a:lnRef idx="2">
+            <a:schemeClr val="accent1">
+              <a:shade val="15000"/>
+            </a:schemeClr>
+          </a:lnRef>
+          <a:fillRef idx="1">
+            <a:schemeClr val="accent1"/>
+          </a:fillRef>
+          <a:effectRef idx="0">
+            <a:schemeClr val="accent1"/>
+          </a:effectRef>
+          <a:fontRef idx="minor">
+            <a:schemeClr val="lt1"/>
+          </a:fontRef>
+        </p:style>
+        <p:txBody>
+          <a:bodyPr rtlCol="0" anchor="ctr"/>
+          <a:lstStyle/>
+          <a:p>
+            <a:pPr algn="ctr"/>
+            <a:endParaRPr lang="en-US"/>
+          </a:p>
+        </p:txBody>
+      </p:sp>
+      <p:sp>
+        <p:nvSpPr>
+          <p:cNvPr id="46" name="Oval 45">
+            <a:extLst>
+              <a:ext uri="{FF2B5EF4-FFF2-40B4-BE49-F238E27FC236}">
+                <a16:creationId xmlns:a16="http://schemas.microsoft.com/office/drawing/2014/main" id="{E321545A-65DD-FBD0-C3CF-16432694599C}"/>
+              </a:ext>
+            </a:extLst>
+          </p:cNvPr>
+          <p:cNvSpPr/>
+          <p:nvPr/>
+        </p:nvSpPr>
+        <p:spPr>
+          <a:xfrm>
+            <a:off x="10661259" y="878335"/>
+            <a:ext cx="422031" cy="404439"/>
+          </a:xfrm>
+          <a:prstGeom prst="ellipse">
+            <a:avLst/>
+          </a:prstGeom>
+          <a:solidFill>
+            <a:srgbClr val="FF0000"/>
+          </a:solidFill>
+        </p:spPr>
+        <p:style>
+          <a:lnRef idx="2">
+            <a:schemeClr val="accent1">
+              <a:shade val="15000"/>
+            </a:schemeClr>
+          </a:lnRef>
+          <a:fillRef idx="1">
+            <a:schemeClr val="accent1"/>
+          </a:fillRef>
+          <a:effectRef idx="0">
+            <a:schemeClr val="accent1"/>
+          </a:effectRef>
+          <a:fontRef idx="minor">
+            <a:schemeClr val="lt1"/>
+          </a:fontRef>
+        </p:style>
+        <p:txBody>
+          <a:bodyPr rtlCol="0" anchor="ctr"/>
+          <a:lstStyle/>
+          <a:p>
+            <a:pPr algn="ctr"/>
+            <a:endParaRPr lang="en-US"/>
+          </a:p>
+        </p:txBody>
+      </p:sp>
       <p:sp>
         <p:nvSpPr>
           <p:cNvPr id="48" name="TextBox 47">
@@ -36004,21 +32528,16 @@
           <a:prstGeom prst="ellipse">
             <a:avLst/>
           </a:prstGeom>
-          <a:solidFill>
-            <a:srgbClr val="FF0000"/>
-          </a:solidFill>
         </p:spPr>
         <p:style>
-          <a:lnRef idx="2">
-            <a:schemeClr val="accent1">
-              <a:shade val="15000"/>
-            </a:schemeClr>
+          <a:lnRef idx="1">
+            <a:schemeClr val="accent6"/>
           </a:lnRef>
-          <a:fillRef idx="1">
-            <a:schemeClr val="accent1"/>
+          <a:fillRef idx="3">
+            <a:schemeClr val="accent6"/>
           </a:fillRef>
-          <a:effectRef idx="0">
-            <a:schemeClr val="accent1"/>
+          <a:effectRef idx="2">
+            <a:schemeClr val="accent6"/>
           </a:effectRef>
           <a:fontRef idx="minor">
             <a:schemeClr val="lt1"/>
@@ -36053,21 +32572,16 @@
           <a:prstGeom prst="ellipse">
             <a:avLst/>
           </a:prstGeom>
-          <a:solidFill>
-            <a:srgbClr val="FF0000"/>
-          </a:solidFill>
         </p:spPr>
         <p:style>
-          <a:lnRef idx="2">
-            <a:schemeClr val="accent1">
-              <a:shade val="15000"/>
-            </a:schemeClr>
+          <a:lnRef idx="1">
+            <a:schemeClr val="accent6"/>
           </a:lnRef>
-          <a:fillRef idx="1">
-            <a:schemeClr val="accent1"/>
+          <a:fillRef idx="3">
+            <a:schemeClr val="accent6"/>
           </a:fillRef>
-          <a:effectRef idx="0">
-            <a:schemeClr val="accent1"/>
+          <a:effectRef idx="2">
+            <a:schemeClr val="accent6"/>
           </a:effectRef>
           <a:fontRef idx="minor">
             <a:schemeClr val="lt1"/>
@@ -36102,21 +32616,16 @@
           <a:prstGeom prst="ellipse">
             <a:avLst/>
           </a:prstGeom>
-          <a:solidFill>
-            <a:srgbClr val="FF0000"/>
-          </a:solidFill>
         </p:spPr>
         <p:style>
-          <a:lnRef idx="2">
-            <a:schemeClr val="accent1">
-              <a:shade val="15000"/>
-            </a:schemeClr>
+          <a:lnRef idx="1">
+            <a:schemeClr val="accent6"/>
           </a:lnRef>
-          <a:fillRef idx="1">
-            <a:schemeClr val="accent1"/>
+          <a:fillRef idx="3">
+            <a:schemeClr val="accent6"/>
           </a:fillRef>
-          <a:effectRef idx="0">
-            <a:schemeClr val="accent1"/>
+          <a:effectRef idx="2">
+            <a:schemeClr val="accent6"/>
           </a:effectRef>
           <a:fontRef idx="minor">
             <a:schemeClr val="lt1"/>
@@ -37401,21 +33910,16 @@
           <a:prstGeom prst="ellipse">
             <a:avLst/>
           </a:prstGeom>
-          <a:solidFill>
-            <a:srgbClr val="FF0000"/>
-          </a:solidFill>
         </p:spPr>
         <p:style>
-          <a:lnRef idx="2">
-            <a:schemeClr val="accent1">
-              <a:shade val="15000"/>
-            </a:schemeClr>
+          <a:lnRef idx="0">
+            <a:schemeClr val="accent6"/>
           </a:lnRef>
-          <a:fillRef idx="1">
-            <a:schemeClr val="accent1"/>
+          <a:fillRef idx="3">
+            <a:schemeClr val="accent6"/>
           </a:fillRef>
-          <a:effectRef idx="0">
-            <a:schemeClr val="accent1"/>
+          <a:effectRef idx="3">
+            <a:schemeClr val="accent6"/>
           </a:effectRef>
           <a:fontRef idx="minor">
             <a:schemeClr val="lt1"/>
@@ -37450,21 +33954,16 @@
           <a:prstGeom prst="ellipse">
             <a:avLst/>
           </a:prstGeom>
-          <a:solidFill>
-            <a:srgbClr val="FF0000"/>
-          </a:solidFill>
         </p:spPr>
         <p:style>
-          <a:lnRef idx="2">
-            <a:schemeClr val="accent1">
-              <a:shade val="15000"/>
-            </a:schemeClr>
+          <a:lnRef idx="0">
+            <a:schemeClr val="accent6"/>
           </a:lnRef>
-          <a:fillRef idx="1">
-            <a:schemeClr val="accent1"/>
+          <a:fillRef idx="3">
+            <a:schemeClr val="accent6"/>
           </a:fillRef>
-          <a:effectRef idx="0">
-            <a:schemeClr val="accent1"/>
+          <a:effectRef idx="3">
+            <a:schemeClr val="accent6"/>
           </a:effectRef>
           <a:fontRef idx="minor">
             <a:schemeClr val="lt1"/>
@@ -37499,21 +33998,16 @@
           <a:prstGeom prst="ellipse">
             <a:avLst/>
           </a:prstGeom>
-          <a:solidFill>
-            <a:srgbClr val="FF0000"/>
-          </a:solidFill>
         </p:spPr>
         <p:style>
-          <a:lnRef idx="2">
-            <a:schemeClr val="accent1">
-              <a:shade val="15000"/>
-            </a:schemeClr>
+          <a:lnRef idx="0">
+            <a:schemeClr val="accent6"/>
           </a:lnRef>
-          <a:fillRef idx="1">
-            <a:schemeClr val="accent1"/>
+          <a:fillRef idx="3">
+            <a:schemeClr val="accent6"/>
           </a:fillRef>
-          <a:effectRef idx="0">
-            <a:schemeClr val="accent1"/>
+          <a:effectRef idx="3">
+            <a:schemeClr val="accent6"/>
           </a:effectRef>
           <a:fontRef idx="minor">
             <a:schemeClr val="lt1"/>
@@ -38920,21 +35414,16 @@
           <a:prstGeom prst="ellipse">
             <a:avLst/>
           </a:prstGeom>
-          <a:solidFill>
-            <a:srgbClr val="FF0000"/>
-          </a:solidFill>
         </p:spPr>
         <p:style>
-          <a:lnRef idx="2">
-            <a:schemeClr val="accent1">
-              <a:shade val="15000"/>
-            </a:schemeClr>
+          <a:lnRef idx="0">
+            <a:schemeClr val="accent6"/>
           </a:lnRef>
-          <a:fillRef idx="1">
-            <a:schemeClr val="accent1"/>
+          <a:fillRef idx="3">
+            <a:schemeClr val="accent6"/>
           </a:fillRef>
-          <a:effectRef idx="0">
-            <a:schemeClr val="accent1"/>
+          <a:effectRef idx="3">
+            <a:schemeClr val="accent6"/>
           </a:effectRef>
           <a:fontRef idx="minor">
             <a:schemeClr val="lt1"/>
@@ -38969,21 +35458,16 @@
           <a:prstGeom prst="ellipse">
             <a:avLst/>
           </a:prstGeom>
-          <a:solidFill>
-            <a:srgbClr val="FF0000"/>
-          </a:solidFill>
         </p:spPr>
         <p:style>
-          <a:lnRef idx="2">
-            <a:schemeClr val="accent1">
-              <a:shade val="15000"/>
-            </a:schemeClr>
+          <a:lnRef idx="0">
+            <a:schemeClr val="accent6"/>
           </a:lnRef>
-          <a:fillRef idx="1">
-            <a:schemeClr val="accent1"/>
+          <a:fillRef idx="3">
+            <a:schemeClr val="accent6"/>
           </a:fillRef>
-          <a:effectRef idx="0">
-            <a:schemeClr val="accent1"/>
+          <a:effectRef idx="3">
+            <a:schemeClr val="accent6"/>
           </a:effectRef>
           <a:fontRef idx="minor">
             <a:schemeClr val="lt1"/>
@@ -39018,21 +35502,16 @@
           <a:prstGeom prst="ellipse">
             <a:avLst/>
           </a:prstGeom>
-          <a:solidFill>
-            <a:srgbClr val="FF0000"/>
-          </a:solidFill>
         </p:spPr>
         <p:style>
-          <a:lnRef idx="2">
-            <a:schemeClr val="accent1">
-              <a:shade val="15000"/>
-            </a:schemeClr>
+          <a:lnRef idx="0">
+            <a:schemeClr val="accent6"/>
           </a:lnRef>
-          <a:fillRef idx="1">
-            <a:schemeClr val="accent1"/>
+          <a:fillRef idx="3">
+            <a:schemeClr val="accent6"/>
           </a:fillRef>
-          <a:effectRef idx="0">
-            <a:schemeClr val="accent1"/>
+          <a:effectRef idx="3">
+            <a:schemeClr val="accent6"/>
           </a:effectRef>
           <a:fontRef idx="minor">
             <a:schemeClr val="lt1"/>
@@ -40312,21 +36791,16 @@
           <a:prstGeom prst="ellipse">
             <a:avLst/>
           </a:prstGeom>
-          <a:solidFill>
-            <a:srgbClr val="FF0000"/>
-          </a:solidFill>
         </p:spPr>
         <p:style>
-          <a:lnRef idx="2">
-            <a:schemeClr val="accent1">
-              <a:shade val="15000"/>
-            </a:schemeClr>
+          <a:lnRef idx="0">
+            <a:schemeClr val="accent6"/>
           </a:lnRef>
-          <a:fillRef idx="1">
-            <a:schemeClr val="accent1"/>
+          <a:fillRef idx="3">
+            <a:schemeClr val="accent6"/>
           </a:fillRef>
-          <a:effectRef idx="0">
-            <a:schemeClr val="accent1"/>
+          <a:effectRef idx="3">
+            <a:schemeClr val="accent6"/>
           </a:effectRef>
           <a:fontRef idx="minor">
             <a:schemeClr val="lt1"/>
@@ -40361,21 +36835,16 @@
           <a:prstGeom prst="ellipse">
             <a:avLst/>
           </a:prstGeom>
-          <a:solidFill>
-            <a:srgbClr val="FF0000"/>
-          </a:solidFill>
         </p:spPr>
         <p:style>
-          <a:lnRef idx="2">
-            <a:schemeClr val="accent1">
-              <a:shade val="15000"/>
-            </a:schemeClr>
+          <a:lnRef idx="0">
+            <a:schemeClr val="accent6"/>
           </a:lnRef>
-          <a:fillRef idx="1">
-            <a:schemeClr val="accent1"/>
+          <a:fillRef idx="3">
+            <a:schemeClr val="accent6"/>
           </a:fillRef>
-          <a:effectRef idx="0">
-            <a:schemeClr val="accent1"/>
+          <a:effectRef idx="3">
+            <a:schemeClr val="accent6"/>
           </a:effectRef>
           <a:fontRef idx="minor">
             <a:schemeClr val="lt1"/>
@@ -40410,21 +36879,16 @@
           <a:prstGeom prst="ellipse">
             <a:avLst/>
           </a:prstGeom>
-          <a:solidFill>
-            <a:srgbClr val="FF0000"/>
-          </a:solidFill>
         </p:spPr>
         <p:style>
-          <a:lnRef idx="2">
-            <a:schemeClr val="accent1">
-              <a:shade val="15000"/>
-            </a:schemeClr>
+          <a:lnRef idx="0">
+            <a:schemeClr val="accent6"/>
           </a:lnRef>
-          <a:fillRef idx="1">
-            <a:schemeClr val="accent1"/>
+          <a:fillRef idx="3">
+            <a:schemeClr val="accent6"/>
           </a:fillRef>
-          <a:effectRef idx="0">
-            <a:schemeClr val="accent1"/>
+          <a:effectRef idx="3">
+            <a:schemeClr val="accent6"/>
           </a:effectRef>
           <a:fontRef idx="minor">
             <a:schemeClr val="lt1"/>
@@ -41744,21 +38208,16 @@
           <a:prstGeom prst="ellipse">
             <a:avLst/>
           </a:prstGeom>
-          <a:solidFill>
-            <a:srgbClr val="FF0000"/>
-          </a:solidFill>
         </p:spPr>
         <p:style>
-          <a:lnRef idx="2">
-            <a:schemeClr val="accent1">
-              <a:shade val="15000"/>
-            </a:schemeClr>
+          <a:lnRef idx="0">
+            <a:schemeClr val="accent6"/>
           </a:lnRef>
-          <a:fillRef idx="1">
-            <a:schemeClr val="accent1"/>
+          <a:fillRef idx="3">
+            <a:schemeClr val="accent6"/>
           </a:fillRef>
-          <a:effectRef idx="0">
-            <a:schemeClr val="accent1"/>
+          <a:effectRef idx="3">
+            <a:schemeClr val="accent6"/>
           </a:effectRef>
           <a:fontRef idx="minor">
             <a:schemeClr val="lt1"/>
@@ -41793,21 +38252,16 @@
           <a:prstGeom prst="ellipse">
             <a:avLst/>
           </a:prstGeom>
-          <a:solidFill>
-            <a:srgbClr val="FF0000"/>
-          </a:solidFill>
         </p:spPr>
         <p:style>
-          <a:lnRef idx="2">
-            <a:schemeClr val="accent1">
-              <a:shade val="15000"/>
-            </a:schemeClr>
+          <a:lnRef idx="0">
+            <a:schemeClr val="accent6"/>
           </a:lnRef>
-          <a:fillRef idx="1">
-            <a:schemeClr val="accent1"/>
+          <a:fillRef idx="3">
+            <a:schemeClr val="accent6"/>
           </a:fillRef>
-          <a:effectRef idx="0">
-            <a:schemeClr val="accent1"/>
+          <a:effectRef idx="3">
+            <a:schemeClr val="accent6"/>
           </a:effectRef>
           <a:fontRef idx="minor">
             <a:schemeClr val="lt1"/>
@@ -41842,21 +38296,16 @@
           <a:prstGeom prst="ellipse">
             <a:avLst/>
           </a:prstGeom>
-          <a:solidFill>
-            <a:srgbClr val="FF0000"/>
-          </a:solidFill>
         </p:spPr>
         <p:style>
-          <a:lnRef idx="2">
-            <a:schemeClr val="accent1">
-              <a:shade val="15000"/>
-            </a:schemeClr>
+          <a:lnRef idx="0">
+            <a:schemeClr val="accent6"/>
           </a:lnRef>
-          <a:fillRef idx="1">
-            <a:schemeClr val="accent1"/>
+          <a:fillRef idx="3">
+            <a:schemeClr val="accent6"/>
           </a:fillRef>
-          <a:effectRef idx="0">
-            <a:schemeClr val="accent1"/>
+          <a:effectRef idx="3">
+            <a:schemeClr val="accent6"/>
           </a:effectRef>
           <a:fontRef idx="minor">
             <a:schemeClr val="lt1"/>

--- a/5 - Logistic Regression/Introduction to Logistic Regression.pptx
+++ b/5 - Logistic Regression/Introduction to Logistic Regression.pptx
@@ -1475,7 +1475,7 @@
           <a:p>
             <a:fld id="{F666E1FD-E7A0-497B-BBC0-740BAAC97C64}" type="datetimeFigureOut">
               <a:rPr lang="en-PH" smtClean="0"/>
-              <a:t>9/23/24</a:t>
+              <a:t>9/25/24</a:t>
             </a:fld>
             <a:endParaRPr lang="en-PH"/>
           </a:p>
@@ -4076,7 +4076,7 @@
           <a:p>
             <a:fld id="{0A6B5ABE-C04B-9E45-B7F8-C552B4C8BEA7}" type="datetime1">
               <a:rPr lang="en-PH" smtClean="0"/>
-              <a:t>9/23/24</a:t>
+              <a:t>9/25/24</a:t>
             </a:fld>
             <a:endParaRPr lang="en-PH"/>
           </a:p>
@@ -4279,7 +4279,7 @@
           <a:p>
             <a:fld id="{7325A457-8FDE-EC48-8D78-6E825839CD95}" type="datetime1">
               <a:rPr lang="en-PH" smtClean="0"/>
-              <a:t>9/23/24</a:t>
+              <a:t>9/25/24</a:t>
             </a:fld>
             <a:endParaRPr lang="en-PH"/>
           </a:p>
@@ -4492,7 +4492,7 @@
           <a:p>
             <a:fld id="{7D0D2B71-89F1-1B41-8520-07265131CD6F}" type="datetime1">
               <a:rPr lang="en-PH" smtClean="0"/>
-              <a:t>9/23/24</a:t>
+              <a:t>9/25/24</a:t>
             </a:fld>
             <a:endParaRPr lang="en-PH"/>
           </a:p>
@@ -4695,7 +4695,7 @@
           <a:p>
             <a:fld id="{E37BB272-73C9-494A-AF1B-35582C7763FD}" type="datetime1">
               <a:rPr lang="en-PH" smtClean="0"/>
-              <a:t>9/23/24</a:t>
+              <a:t>9/25/24</a:t>
             </a:fld>
             <a:endParaRPr lang="en-PH"/>
           </a:p>
@@ -4974,7 +4974,7 @@
           <a:p>
             <a:fld id="{00821449-D51A-F345-BA01-D3DF4CA4D27C}" type="datetime1">
               <a:rPr lang="en-PH" smtClean="0"/>
-              <a:t>9/23/24</a:t>
+              <a:t>9/25/24</a:t>
             </a:fld>
             <a:endParaRPr lang="en-PH"/>
           </a:p>
@@ -5245,7 +5245,7 @@
           <a:p>
             <a:fld id="{AFB23440-5452-D343-8A06-08527EA413C0}" type="datetime1">
               <a:rPr lang="en-PH" smtClean="0"/>
-              <a:t>9/23/24</a:t>
+              <a:t>9/25/24</a:t>
             </a:fld>
             <a:endParaRPr lang="en-PH"/>
           </a:p>
@@ -5663,7 +5663,7 @@
           <a:p>
             <a:fld id="{5A7E670F-37FA-4A4D-9891-800FD18F253C}" type="datetime1">
               <a:rPr lang="en-PH" smtClean="0"/>
-              <a:t>9/23/24</a:t>
+              <a:t>9/25/24</a:t>
             </a:fld>
             <a:endParaRPr lang="en-PH"/>
           </a:p>
@@ -5808,7 +5808,7 @@
           <a:p>
             <a:fld id="{A86F6BAB-616B-AB47-957E-E1676E2F5090}" type="datetime1">
               <a:rPr lang="en-PH" smtClean="0"/>
-              <a:t>9/23/24</a:t>
+              <a:t>9/25/24</a:t>
             </a:fld>
             <a:endParaRPr lang="en-PH"/>
           </a:p>
@@ -5924,7 +5924,7 @@
           <a:p>
             <a:fld id="{917C2DE5-3D0B-EE43-9D27-18C511AD36EA}" type="datetime1">
               <a:rPr lang="en-PH" smtClean="0"/>
-              <a:t>9/23/24</a:t>
+              <a:t>9/25/24</a:t>
             </a:fld>
             <a:endParaRPr lang="en-PH"/>
           </a:p>
@@ -6240,7 +6240,7 @@
           <a:p>
             <a:fld id="{92C5A091-FDC0-C84E-BBD9-5D9B68627BE9}" type="datetime1">
               <a:rPr lang="en-PH" smtClean="0"/>
-              <a:t>9/23/24</a:t>
+              <a:t>9/25/24</a:t>
             </a:fld>
             <a:endParaRPr lang="en-PH"/>
           </a:p>
@@ -6532,7 +6532,7 @@
           <a:p>
             <a:fld id="{3879EA6E-C7AC-9B4C-A98F-BBAA7A99420D}" type="datetime1">
               <a:rPr lang="en-PH" smtClean="0"/>
-              <a:t>9/23/24</a:t>
+              <a:t>9/25/24</a:t>
             </a:fld>
             <a:endParaRPr lang="en-PH"/>
           </a:p>
@@ -6778,7 +6778,7 @@
           <a:p>
             <a:fld id="{73ECB854-F2BB-374D-A973-810BB65B8002}" type="datetime1">
               <a:rPr lang="en-PH" smtClean="0"/>
-              <a:t>9/23/24</a:t>
+              <a:t>9/25/24</a:t>
             </a:fld>
             <a:endParaRPr lang="en-PH"/>
           </a:p>
@@ -28937,8 +28937,8 @@
           </a:p>
         </p:txBody>
       </p:sp>
-      <mc:AlternateContent xmlns:mc="http://schemas.openxmlformats.org/markup-compatibility/2006">
-        <mc:Choice xmlns:a14="http://schemas.microsoft.com/office/drawing/2010/main" Requires="a14">
+      <mc:AlternateContent xmlns:mc="http://schemas.openxmlformats.org/markup-compatibility/2006" xmlns:a14="http://schemas.microsoft.com/office/drawing/2010/main">
+        <mc:Choice Requires="a14">
           <p:sp>
             <p:nvSpPr>
               <p:cNvPr id="5" name="TextBox 4">
@@ -29154,7 +29154,7 @@
             </p:txBody>
           </p:sp>
         </mc:Choice>
-        <mc:Fallback>
+        <mc:Fallback xmlns="">
           <p:sp>
             <p:nvSpPr>
               <p:cNvPr id="5" name="TextBox 4">
@@ -29204,8 +29204,8 @@
           </p:sp>
         </mc:Fallback>
       </mc:AlternateContent>
-      <mc:AlternateContent xmlns:mc="http://schemas.openxmlformats.org/markup-compatibility/2006">
-        <mc:Choice xmlns:a14="http://schemas.microsoft.com/office/drawing/2010/main" Requires="a14">
+      <mc:AlternateContent xmlns:mc="http://schemas.openxmlformats.org/markup-compatibility/2006" xmlns:a14="http://schemas.microsoft.com/office/drawing/2010/main">
+        <mc:Choice Requires="a14">
           <p:sp>
             <p:nvSpPr>
               <p:cNvPr id="7" name="TextBox 6">
@@ -29340,7 +29340,7 @@
             </p:txBody>
           </p:sp>
         </mc:Choice>
-        <mc:Fallback>
+        <mc:Fallback xmlns="">
           <p:sp>
             <p:nvSpPr>
               <p:cNvPr id="7" name="TextBox 6">
@@ -39744,21 +39744,6 @@
 </file>
 
 <file path=customXml/item1.xml><?xml version="1.0" encoding="utf-8"?>
-<p:properties xmlns:p="http://schemas.microsoft.com/office/2006/metadata/properties" xmlns:xsi="http://www.w3.org/2001/XMLSchema-instance" xmlns:pc="http://schemas.microsoft.com/office/infopath/2007/PartnerControls">
-  <documentManagement/>
-</p:properties>
-</file>
-
-<file path=customXml/item2.xml><?xml version="1.0" encoding="utf-8"?>
-<?mso-contentType ?>
-<FormTemplates xmlns="http://schemas.microsoft.com/sharepoint/v3/contenttype/forms">
-  <Display>DocumentLibraryForm</Display>
-  <Edit>DocumentLibraryForm</Edit>
-  <New>DocumentLibraryForm</New>
-</FormTemplates>
-</file>
-
-<file path=customXml/item3.xml><?xml version="1.0" encoding="utf-8"?>
 <ct:contentTypeSchema xmlns:ct="http://schemas.microsoft.com/office/2006/metadata/contentType" xmlns:ma="http://schemas.microsoft.com/office/2006/metadata/properties/metaAttributes" ct:_="" ma:_="" ma:contentTypeName="Document" ma:contentTypeID="0x0101007188BDCA587B344BBA6CB1A93FAE6998" ma:contentTypeVersion="2" ma:contentTypeDescription="Create a new document." ma:contentTypeScope="" ma:versionID="7a8e4b6720badb2566a0cfeddfaf2856">
   <xsd:schema xmlns:xsd="http://www.w3.org/2001/XMLSchema" xmlns:xs="http://www.w3.org/2001/XMLSchema" xmlns:p="http://schemas.microsoft.com/office/2006/metadata/properties" xmlns:ns2="ba111d12-426d-4af0-bcb6-460e36974645" targetNamespace="http://schemas.microsoft.com/office/2006/metadata/properties" ma:root="true" ma:fieldsID="989b05398519136c88ba0a8d54e3c3da" ns2:_="">
     <xsd:import namespace="ba111d12-426d-4af0-bcb6-460e36974645"/>
@@ -39890,24 +39875,22 @@
 </ct:contentTypeSchema>
 </file>
 
-<file path=customXml/itemProps1.xml><?xml version="1.0" encoding="utf-8"?>
-<ds:datastoreItem xmlns:ds="http://schemas.openxmlformats.org/officeDocument/2006/customXml" ds:itemID="{7ACF14CA-9E7F-410C-99DF-E0FAFDE78C11}">
-  <ds:schemaRefs>
-    <ds:schemaRef ds:uri="http://schemas.microsoft.com/office/2006/metadata/properties"/>
-    <ds:schemaRef ds:uri="http://schemas.microsoft.com/office/infopath/2007/PartnerControls"/>
-  </ds:schemaRefs>
-</ds:datastoreItem>
+<file path=customXml/item2.xml><?xml version="1.0" encoding="utf-8"?>
+<p:properties xmlns:p="http://schemas.microsoft.com/office/2006/metadata/properties" xmlns:xsi="http://www.w3.org/2001/XMLSchema-instance" xmlns:pc="http://schemas.microsoft.com/office/infopath/2007/PartnerControls">
+  <documentManagement/>
+</p:properties>
 </file>
 
-<file path=customXml/itemProps2.xml><?xml version="1.0" encoding="utf-8"?>
-<ds:datastoreItem xmlns:ds="http://schemas.openxmlformats.org/officeDocument/2006/customXml" ds:itemID="{6C1A3F1B-CE3A-47AB-9F84-47E786467973}">
-  <ds:schemaRefs>
-    <ds:schemaRef ds:uri="http://schemas.microsoft.com/sharepoint/v3/contenttype/forms"/>
-  </ds:schemaRefs>
-</ds:datastoreItem>
+<file path=customXml/item3.xml><?xml version="1.0" encoding="utf-8"?>
+<?mso-contentType ?>
+<FormTemplates xmlns="http://schemas.microsoft.com/sharepoint/v3/contenttype/forms">
+  <Display>DocumentLibraryForm</Display>
+  <Edit>DocumentLibraryForm</Edit>
+  <New>DocumentLibraryForm</New>
+</FormTemplates>
 </file>
 
-<file path=customXml/itemProps3.xml><?xml version="1.0" encoding="utf-8"?>
+<file path=customXml/itemProps1.xml><?xml version="1.0" encoding="utf-8"?>
 <ds:datastoreItem xmlns:ds="http://schemas.openxmlformats.org/officeDocument/2006/customXml" ds:itemID="{D622FF19-6ECD-4B79-A412-9430824D2BB6}">
   <ds:schemaRefs>
     <ds:schemaRef ds:uri="http://schemas.microsoft.com/office/2006/metadata/contentType"/>
@@ -39923,4 +39906,21 @@
     <ds:schemaRef ds:uri="http://schemas.microsoft.com/internal/obd"/>
   </ds:schemaRefs>
 </ds:datastoreItem>
+</file>
+
+<file path=customXml/itemProps2.xml><?xml version="1.0" encoding="utf-8"?>
+<ds:datastoreItem xmlns:ds="http://schemas.openxmlformats.org/officeDocument/2006/customXml" ds:itemID="{7ACF14CA-9E7F-410C-99DF-E0FAFDE78C11}">
+  <ds:schemaRefs>
+    <ds:schemaRef ds:uri="http://schemas.microsoft.com/office/2006/metadata/properties"/>
+    <ds:schemaRef ds:uri="http://schemas.microsoft.com/office/infopath/2007/PartnerControls"/>
+  </ds:schemaRefs>
+</ds:datastoreItem>
+</file>
+
+<file path=customXml/itemProps3.xml><?xml version="1.0" encoding="utf-8"?>
+<ds:datastoreItem xmlns:ds="http://schemas.openxmlformats.org/officeDocument/2006/customXml" ds:itemID="{6C1A3F1B-CE3A-47AB-9F84-47E786467973}">
+  <ds:schemaRefs>
+    <ds:schemaRef ds:uri="http://schemas.microsoft.com/sharepoint/v3/contenttype/forms"/>
+  </ds:schemaRefs>
+</ds:datastoreItem>
 </file>